--- a/course/smt/LectureNotes/(Spring2016)Lecture6.pptx
+++ b/course/smt/LectureNotes/(Spring2016)Lecture6.pptx
@@ -154,7 +154,7 @@
   </p:defaultTextStyle>
   <p:extLst>
     <p:ext uri="{EFAFB233-063F-42B5-8137-9DF3F51BA10A}">
-      <p15:sldGuideLst xmlns:p15="http://schemas.microsoft.com/office/powerpoint/2012/main" xmlns="">
+      <p15:sldGuideLst xmlns:p15="http://schemas.microsoft.com/office/powerpoint/2012/main">
         <p15:guide id="1" orient="horz" pos="2160">
           <p15:clr>
             <a:srgbClr val="A4A3A4"/>
@@ -168,7 +168,7 @@
       </p15:sldGuideLst>
     </p:ext>
     <p:ext uri="{2D200454-40CA-4A62-9FC3-DE9A4176ACB9}">
-      <p15:notesGuideLst xmlns:p15="http://schemas.microsoft.com/office/powerpoint/2012/main" xmlns="">
+      <p15:notesGuideLst xmlns:p15="http://schemas.microsoft.com/office/powerpoint/2012/main">
         <p15:guide id="1" orient="horz" pos="2880">
           <p15:clr>
             <a:srgbClr val="A4A3A4"/>
@@ -268,7 +268,7 @@
             <a:fld id="{2447E72A-D913-4DC2-9E0A-E520CE8FCC86}" type="datetimeFigureOut">
               <a:rPr lang="en-US" smtClean="0"/>
               <a:pPr/>
-              <a:t>5/18/2016</a:t>
+              <a:t>5/25/2016</a:t>
             </a:fld>
             <a:endParaRPr lang="en-US"/>
           </a:p>
@@ -946,7 +946,7 @@
             <a:fld id="{743653DA-8BF4-4869-96FE-9BCF43372D46}" type="datetime8">
               <a:rPr lang="en-US" smtClean="0"/>
               <a:pPr algn="ctr"/>
-              <a:t>5/18/2016 8:13 PM</a:t>
+              <a:t>5/25/2016 10:26 AM</a:t>
             </a:fld>
             <a:endParaRPr lang="en-US" sz="2000" dirty="0">
               <a:solidFill>
@@ -1156,7 +1156,7 @@
                 </a:solidFill>
               </a:rPr>
               <a:pPr/>
-              <a:t>5/18/2016 8:13 PM</a:t>
+              <a:t>5/25/2016 10:26 AM</a:t>
             </a:fld>
             <a:endParaRPr lang="en-US"/>
           </a:p>
@@ -1346,7 +1346,7 @@
                 </a:solidFill>
               </a:rPr>
               <a:pPr/>
-              <a:t>5/18/2016 8:13 PM</a:t>
+              <a:t>5/25/2016 10:26 AM</a:t>
             </a:fld>
             <a:endParaRPr lang="en-US" dirty="0"/>
           </a:p>
@@ -1615,7 +1615,7 @@
             <a:fld id="{B7129108-AC8D-4212-9283-60D9E99BF07A}" type="datetime8">
               <a:rPr lang="en-US" smtClean="0"/>
               <a:pPr/>
-              <a:t>5/18/2016 8:13 PM</a:t>
+              <a:t>5/25/2016 10:26 AM</a:t>
             </a:fld>
             <a:endParaRPr lang="en-US" dirty="0"/>
           </a:p>
@@ -2032,7 +2032,7 @@
             <a:fld id="{B6DED3D3-6235-4F4C-B439-DF277FB555A7}" type="datetime8">
               <a:rPr lang="en-US" smtClean="0"/>
               <a:pPr/>
-              <a:t>5/18/2016 8:13 PM</a:t>
+              <a:t>5/25/2016 10:26 AM</a:t>
             </a:fld>
             <a:endParaRPr lang="en-US"/>
           </a:p>
@@ -2281,7 +2281,7 @@
             <a:fld id="{3B5F1E3E-4B2F-4895-B65E-28B2E64F39F6}" type="datetime8">
               <a:rPr lang="en-US" smtClean="0"/>
               <a:pPr/>
-              <a:t>5/18/2016 8:13 PM</a:t>
+              <a:t>5/25/2016 10:26 AM</a:t>
             </a:fld>
             <a:endParaRPr lang="en-US"/>
           </a:p>
@@ -2520,7 +2520,7 @@
             <a:fld id="{63085435-8225-4333-BFFA-0096413F0D76}" type="datetime8">
               <a:rPr lang="en-US" smtClean="0"/>
               <a:pPr/>
-              <a:t>5/18/2016 8:13 PM</a:t>
+              <a:t>5/25/2016 10:26 AM</a:t>
             </a:fld>
             <a:endParaRPr lang="en-US"/>
           </a:p>
@@ -2718,7 +2718,7 @@
             <a:fld id="{0783C494-2A87-468C-A21B-CB14FB9ABB00}" type="datetime8">
               <a:rPr lang="en-US" smtClean="0"/>
               <a:pPr/>
-              <a:t>5/18/2016 8:13 PM</a:t>
+              <a:t>5/25/2016 10:26 AM</a:t>
             </a:fld>
             <a:endParaRPr lang="en-US"/>
           </a:p>
@@ -2822,7 +2822,7 @@
             <a:fld id="{9A180FA0-5B31-4864-A2BB-719EA5A679C6}" type="datetime8">
               <a:rPr lang="en-US" smtClean="0"/>
               <a:pPr/>
-              <a:t>5/18/2016 8:13 PM</a:t>
+              <a:t>5/25/2016 10:26 AM</a:t>
             </a:fld>
             <a:endParaRPr lang="en-US"/>
           </a:p>
@@ -2964,7 +2964,7 @@
             <a:fld id="{4BECC0C8-36B8-442A-833D-B6AACE86BB77}" type="datetime8">
               <a:rPr lang="en-US" smtClean="0"/>
               <a:pPr/>
-              <a:t>5/18/2016 8:13 PM</a:t>
+              <a:t>5/25/2016 10:26 AM</a:t>
             </a:fld>
             <a:endParaRPr lang="en-US"/>
           </a:p>
@@ -3439,7 +3439,7 @@
             <a:fld id="{51E20EC5-AC53-4169-941E-EDF10CD23748}" type="datetime8">
               <a:rPr lang="en-US" smtClean="0"/>
               <a:pPr/>
-              <a:t>5/18/2016 8:13 PM</a:t>
+              <a:t>5/25/2016 10:26 AM</a:t>
             </a:fld>
             <a:endParaRPr lang="en-US"/>
           </a:p>
@@ -3707,7 +3707,7 @@
                 </a:solidFill>
               </a:rPr>
               <a:pPr/>
-              <a:t>5/18/2016 8:13 PM</a:t>
+              <a:t>5/25/2016 10:26 AM</a:t>
             </a:fld>
             <a:endParaRPr lang="en-US" sz="1400" dirty="0">
               <a:solidFill>
@@ -4306,7 +4306,7 @@
               <a:t>软件建模训练</a:t>
             </a:r>
             <a:r>
-              <a:rPr lang="en-US" altLang="zh-CN" dirty="0" smtClean="0">
+              <a:rPr lang="en-US" altLang="zh-CN" smtClean="0">
                 <a:solidFill>
                   <a:srgbClr val="3891A7">
                     <a:lumMod val="75000"/>
@@ -4315,7 +4315,7 @@
                 <a:latin typeface="Tw Cen MT"/>
                 <a:ea typeface="宋体" pitchFamily="2" charset="-122"/>
               </a:rPr>
-              <a:t>(5)</a:t>
+              <a:t>(6)</a:t>
             </a:r>
             <a:r>
               <a:rPr lang="zh-CN" altLang="en-US" sz="3600" b="0" i="0" dirty="0" smtClean="0">
@@ -22601,7 +22601,6 @@
               <a:rPr lang="zh-CN" altLang="en-US" dirty="0"/>
               <a:t>连接件：过程调用或直接存储器访问</a:t>
             </a:r>
-            <a:endParaRPr lang="zh-CN" altLang="en-US" dirty="0"/>
           </a:p>
         </p:txBody>
       </p:sp>
@@ -27698,7 +27697,6 @@
               <a:rPr lang="zh-CN" altLang="en-US" dirty="0"/>
               <a:t>人工智能领域：专家系统（在某个领域内具有专家水平解题能力的系统；由一个专门领域的知识库，以及一个能获取和运用知识的机构构成的解题程序系统）</a:t>
             </a:r>
-            <a:endParaRPr lang="zh-CN" altLang="en-US" dirty="0"/>
           </a:p>
         </p:txBody>
       </p:sp>

--- a/course/smt/LectureNotes/(Spring2016)Lecture6.pptx
+++ b/course/smt/LectureNotes/(Spring2016)Lecture6.pptx
@@ -5,55 +5,56 @@
     <p:sldMasterId id="2147483694" r:id="rId2"/>
   </p:sldMasterIdLst>
   <p:notesMasterIdLst>
-    <p:notesMasterId r:id="rId49"/>
+    <p:notesMasterId r:id="rId50"/>
   </p:notesMasterIdLst>
   <p:sldIdLst>
     <p:sldId id="256" r:id="rId3"/>
-    <p:sldId id="333" r:id="rId4"/>
-    <p:sldId id="337" r:id="rId5"/>
-    <p:sldId id="338" r:id="rId6"/>
-    <p:sldId id="339" r:id="rId7"/>
-    <p:sldId id="340" r:id="rId8"/>
-    <p:sldId id="341" r:id="rId9"/>
-    <p:sldId id="342" r:id="rId10"/>
-    <p:sldId id="343" r:id="rId11"/>
-    <p:sldId id="344" r:id="rId12"/>
-    <p:sldId id="345" r:id="rId13"/>
-    <p:sldId id="346" r:id="rId14"/>
-    <p:sldId id="347" r:id="rId15"/>
-    <p:sldId id="348" r:id="rId16"/>
-    <p:sldId id="349" r:id="rId17"/>
-    <p:sldId id="350" r:id="rId18"/>
-    <p:sldId id="351" r:id="rId19"/>
-    <p:sldId id="352" r:id="rId20"/>
-    <p:sldId id="353" r:id="rId21"/>
-    <p:sldId id="354" r:id="rId22"/>
-    <p:sldId id="355" r:id="rId23"/>
-    <p:sldId id="356" r:id="rId24"/>
-    <p:sldId id="357" r:id="rId25"/>
-    <p:sldId id="358" r:id="rId26"/>
-    <p:sldId id="359" r:id="rId27"/>
-    <p:sldId id="360" r:id="rId28"/>
-    <p:sldId id="361" r:id="rId29"/>
-    <p:sldId id="362" r:id="rId30"/>
-    <p:sldId id="363" r:id="rId31"/>
-    <p:sldId id="364" r:id="rId32"/>
-    <p:sldId id="365" r:id="rId33"/>
-    <p:sldId id="366" r:id="rId34"/>
-    <p:sldId id="367" r:id="rId35"/>
-    <p:sldId id="368" r:id="rId36"/>
-    <p:sldId id="369" r:id="rId37"/>
-    <p:sldId id="370" r:id="rId38"/>
-    <p:sldId id="371" r:id="rId39"/>
-    <p:sldId id="372" r:id="rId40"/>
-    <p:sldId id="373" r:id="rId41"/>
-    <p:sldId id="374" r:id="rId42"/>
-    <p:sldId id="375" r:id="rId43"/>
-    <p:sldId id="376" r:id="rId44"/>
-    <p:sldId id="377" r:id="rId45"/>
-    <p:sldId id="378" r:id="rId46"/>
-    <p:sldId id="379" r:id="rId47"/>
-    <p:sldId id="380" r:id="rId48"/>
+    <p:sldId id="381" r:id="rId4"/>
+    <p:sldId id="333" r:id="rId5"/>
+    <p:sldId id="337" r:id="rId6"/>
+    <p:sldId id="338" r:id="rId7"/>
+    <p:sldId id="339" r:id="rId8"/>
+    <p:sldId id="340" r:id="rId9"/>
+    <p:sldId id="341" r:id="rId10"/>
+    <p:sldId id="342" r:id="rId11"/>
+    <p:sldId id="343" r:id="rId12"/>
+    <p:sldId id="344" r:id="rId13"/>
+    <p:sldId id="345" r:id="rId14"/>
+    <p:sldId id="346" r:id="rId15"/>
+    <p:sldId id="347" r:id="rId16"/>
+    <p:sldId id="348" r:id="rId17"/>
+    <p:sldId id="349" r:id="rId18"/>
+    <p:sldId id="350" r:id="rId19"/>
+    <p:sldId id="351" r:id="rId20"/>
+    <p:sldId id="352" r:id="rId21"/>
+    <p:sldId id="353" r:id="rId22"/>
+    <p:sldId id="354" r:id="rId23"/>
+    <p:sldId id="355" r:id="rId24"/>
+    <p:sldId id="356" r:id="rId25"/>
+    <p:sldId id="357" r:id="rId26"/>
+    <p:sldId id="358" r:id="rId27"/>
+    <p:sldId id="359" r:id="rId28"/>
+    <p:sldId id="360" r:id="rId29"/>
+    <p:sldId id="361" r:id="rId30"/>
+    <p:sldId id="362" r:id="rId31"/>
+    <p:sldId id="363" r:id="rId32"/>
+    <p:sldId id="364" r:id="rId33"/>
+    <p:sldId id="365" r:id="rId34"/>
+    <p:sldId id="366" r:id="rId35"/>
+    <p:sldId id="367" r:id="rId36"/>
+    <p:sldId id="368" r:id="rId37"/>
+    <p:sldId id="369" r:id="rId38"/>
+    <p:sldId id="370" r:id="rId39"/>
+    <p:sldId id="371" r:id="rId40"/>
+    <p:sldId id="372" r:id="rId41"/>
+    <p:sldId id="373" r:id="rId42"/>
+    <p:sldId id="374" r:id="rId43"/>
+    <p:sldId id="375" r:id="rId44"/>
+    <p:sldId id="376" r:id="rId45"/>
+    <p:sldId id="377" r:id="rId46"/>
+    <p:sldId id="378" r:id="rId47"/>
+    <p:sldId id="379" r:id="rId48"/>
+    <p:sldId id="380" r:id="rId49"/>
   </p:sldIdLst>
   <p:sldSz cx="9906000" cy="6858000" type="A4"/>
   <p:notesSz cx="6858000" cy="9144000"/>
@@ -154,7 +155,7 @@
   </p:defaultTextStyle>
   <p:extLst>
     <p:ext uri="{EFAFB233-063F-42B5-8137-9DF3F51BA10A}">
-      <p15:sldGuideLst xmlns:p15="http://schemas.microsoft.com/office/powerpoint/2012/main">
+      <p15:sldGuideLst xmlns:p15="http://schemas.microsoft.com/office/powerpoint/2012/main" xmlns="">
         <p15:guide id="1" orient="horz" pos="2160">
           <p15:clr>
             <a:srgbClr val="A4A3A4"/>
@@ -168,7 +169,7 @@
       </p15:sldGuideLst>
     </p:ext>
     <p:ext uri="{2D200454-40CA-4A62-9FC3-DE9A4176ACB9}">
-      <p15:notesGuideLst xmlns:p15="http://schemas.microsoft.com/office/powerpoint/2012/main">
+      <p15:notesGuideLst xmlns:p15="http://schemas.microsoft.com/office/powerpoint/2012/main" xmlns="">
         <p15:guide id="1" orient="horz" pos="2880">
           <p15:clr>
             <a:srgbClr val="A4A3A4"/>
@@ -268,7 +269,7 @@
             <a:fld id="{2447E72A-D913-4DC2-9E0A-E520CE8FCC86}" type="datetimeFigureOut">
               <a:rPr lang="en-US" smtClean="0"/>
               <a:pPr/>
-              <a:t>5/25/2016</a:t>
+              <a:t>5/26/2016</a:t>
             </a:fld>
             <a:endParaRPr lang="en-US"/>
           </a:p>
@@ -946,7 +947,7 @@
             <a:fld id="{743653DA-8BF4-4869-96FE-9BCF43372D46}" type="datetime8">
               <a:rPr lang="en-US" smtClean="0"/>
               <a:pPr algn="ctr"/>
-              <a:t>5/25/2016 10:26 AM</a:t>
+              <a:t>5/26/2016 7:53 AM</a:t>
             </a:fld>
             <a:endParaRPr lang="en-US" sz="2000" dirty="0">
               <a:solidFill>
@@ -1156,7 +1157,7 @@
                 </a:solidFill>
               </a:rPr>
               <a:pPr/>
-              <a:t>5/25/2016 10:26 AM</a:t>
+              <a:t>5/26/2016 7:53 AM</a:t>
             </a:fld>
             <a:endParaRPr lang="en-US"/>
           </a:p>
@@ -1346,7 +1347,7 @@
                 </a:solidFill>
               </a:rPr>
               <a:pPr/>
-              <a:t>5/25/2016 10:26 AM</a:t>
+              <a:t>5/26/2016 7:53 AM</a:t>
             </a:fld>
             <a:endParaRPr lang="en-US" dirty="0"/>
           </a:p>
@@ -1615,7 +1616,7 @@
             <a:fld id="{B7129108-AC8D-4212-9283-60D9E99BF07A}" type="datetime8">
               <a:rPr lang="en-US" smtClean="0"/>
               <a:pPr/>
-              <a:t>5/25/2016 10:26 AM</a:t>
+              <a:t>5/26/2016 7:53 AM</a:t>
             </a:fld>
             <a:endParaRPr lang="en-US" dirty="0"/>
           </a:p>
@@ -2032,7 +2033,7 @@
             <a:fld id="{B6DED3D3-6235-4F4C-B439-DF277FB555A7}" type="datetime8">
               <a:rPr lang="en-US" smtClean="0"/>
               <a:pPr/>
-              <a:t>5/25/2016 10:26 AM</a:t>
+              <a:t>5/26/2016 7:53 AM</a:t>
             </a:fld>
             <a:endParaRPr lang="en-US"/>
           </a:p>
@@ -2281,7 +2282,7 @@
             <a:fld id="{3B5F1E3E-4B2F-4895-B65E-28B2E64F39F6}" type="datetime8">
               <a:rPr lang="en-US" smtClean="0"/>
               <a:pPr/>
-              <a:t>5/25/2016 10:26 AM</a:t>
+              <a:t>5/26/2016 7:53 AM</a:t>
             </a:fld>
             <a:endParaRPr lang="en-US"/>
           </a:p>
@@ -2520,7 +2521,7 @@
             <a:fld id="{63085435-8225-4333-BFFA-0096413F0D76}" type="datetime8">
               <a:rPr lang="en-US" smtClean="0"/>
               <a:pPr/>
-              <a:t>5/25/2016 10:26 AM</a:t>
+              <a:t>5/26/2016 7:53 AM</a:t>
             </a:fld>
             <a:endParaRPr lang="en-US"/>
           </a:p>
@@ -2718,7 +2719,7 @@
             <a:fld id="{0783C494-2A87-468C-A21B-CB14FB9ABB00}" type="datetime8">
               <a:rPr lang="en-US" smtClean="0"/>
               <a:pPr/>
-              <a:t>5/25/2016 10:26 AM</a:t>
+              <a:t>5/26/2016 7:53 AM</a:t>
             </a:fld>
             <a:endParaRPr lang="en-US"/>
           </a:p>
@@ -2822,7 +2823,7 @@
             <a:fld id="{9A180FA0-5B31-4864-A2BB-719EA5A679C6}" type="datetime8">
               <a:rPr lang="en-US" smtClean="0"/>
               <a:pPr/>
-              <a:t>5/25/2016 10:26 AM</a:t>
+              <a:t>5/26/2016 7:53 AM</a:t>
             </a:fld>
             <a:endParaRPr lang="en-US"/>
           </a:p>
@@ -2964,7 +2965,7 @@
             <a:fld id="{4BECC0C8-36B8-442A-833D-B6AACE86BB77}" type="datetime8">
               <a:rPr lang="en-US" smtClean="0"/>
               <a:pPr/>
-              <a:t>5/25/2016 10:26 AM</a:t>
+              <a:t>5/26/2016 7:53 AM</a:t>
             </a:fld>
             <a:endParaRPr lang="en-US"/>
           </a:p>
@@ -3439,7 +3440,7 @@
             <a:fld id="{51E20EC5-AC53-4169-941E-EDF10CD23748}" type="datetime8">
               <a:rPr lang="en-US" smtClean="0"/>
               <a:pPr/>
-              <a:t>5/25/2016 10:26 AM</a:t>
+              <a:t>5/26/2016 7:53 AM</a:t>
             </a:fld>
             <a:endParaRPr lang="en-US"/>
           </a:p>
@@ -3707,7 +3708,7 @@
                 </a:solidFill>
               </a:rPr>
               <a:pPr/>
-              <a:t>5/25/2016 10:26 AM</a:t>
+              <a:t>5/26/2016 7:53 AM</a:t>
             </a:fld>
             <a:endParaRPr lang="en-US" sz="1400" dirty="0">
               <a:solidFill>
@@ -4474,7 +4475,7 @@
           <a:p>
             <a:r>
               <a:rPr lang="zh-CN" altLang="en-US" dirty="0" smtClean="0"/>
-              <a:t>不足之处</a:t>
+              <a:t>优点</a:t>
             </a:r>
             <a:endParaRPr lang="zh-CN" altLang="en-US" dirty="0"/>
           </a:p>
@@ -4497,6 +4498,93 @@
           <a:p>
             <a:r>
               <a:rPr lang="en-US" altLang="zh-CN" dirty="0"/>
+              <a:t>Strong support for reuse.</a:t>
+            </a:r>
+          </a:p>
+          <a:p>
+            <a:endParaRPr lang="en-US" altLang="zh-CN" dirty="0"/>
+          </a:p>
+          <a:p>
+            <a:r>
+              <a:rPr lang="en-US" altLang="zh-CN" dirty="0"/>
+              <a:t>Implicit invocation eases system evolution.</a:t>
+            </a:r>
+          </a:p>
+          <a:p>
+            <a:endParaRPr lang="zh-CN" altLang="en-US" dirty="0"/>
+          </a:p>
+        </p:txBody>
+      </p:sp>
+    </p:spTree>
+    <p:extLst>
+      <p:ext uri="{BB962C8B-B14F-4D97-AF65-F5344CB8AC3E}">
+        <p14:creationId xmlns:p14="http://schemas.microsoft.com/office/powerpoint/2010/main" val="3367995163"/>
+      </p:ext>
+    </p:extLst>
+  </p:cSld>
+  <p:clrMapOvr>
+    <a:masterClrMapping/>
+  </p:clrMapOvr>
+</p:sld>
+</file>
+
+<file path=ppt/slides/slide11.xml><?xml version="1.0" encoding="utf-8"?>
+<p:sld xmlns:a="http://schemas.openxmlformats.org/drawingml/2006/main" xmlns:r="http://schemas.openxmlformats.org/officeDocument/2006/relationships" xmlns:p="http://schemas.openxmlformats.org/presentationml/2006/main">
+  <p:cSld>
+    <p:spTree>
+      <p:nvGrpSpPr>
+        <p:cNvPr id="1" name=""/>
+        <p:cNvGrpSpPr/>
+        <p:nvPr/>
+      </p:nvGrpSpPr>
+      <p:grpSpPr>
+        <a:xfrm>
+          <a:off x="0" y="0"/>
+          <a:ext cx="0" cy="0"/>
+          <a:chOff x="0" y="0"/>
+          <a:chExt cx="0" cy="0"/>
+        </a:xfrm>
+      </p:grpSpPr>
+      <p:sp>
+        <p:nvSpPr>
+          <p:cNvPr id="2" name="标题 1"/>
+          <p:cNvSpPr>
+            <a:spLocks noGrp="1"/>
+          </p:cNvSpPr>
+          <p:nvPr>
+            <p:ph type="title"/>
+          </p:nvPr>
+        </p:nvSpPr>
+        <p:spPr/>
+        <p:txBody>
+          <a:bodyPr/>
+          <a:lstStyle/>
+          <a:p>
+            <a:r>
+              <a:rPr lang="zh-CN" altLang="en-US" dirty="0" smtClean="0"/>
+              <a:t>不足之处</a:t>
+            </a:r>
+            <a:endParaRPr lang="zh-CN" altLang="en-US" dirty="0"/>
+          </a:p>
+        </p:txBody>
+      </p:sp>
+      <p:sp>
+        <p:nvSpPr>
+          <p:cNvPr id="3" name="内容占位符 2"/>
+          <p:cNvSpPr>
+            <a:spLocks noGrp="1"/>
+          </p:cNvSpPr>
+          <p:nvPr>
+            <p:ph sz="quarter" idx="1"/>
+          </p:nvPr>
+        </p:nvSpPr>
+        <p:spPr/>
+        <p:txBody>
+          <a:bodyPr/>
+          <a:lstStyle/>
+          <a:p>
+            <a:r>
+              <a:rPr lang="en-US" altLang="zh-CN" dirty="0"/>
               <a:t>Components relinquish control over the computation performed by the system.</a:t>
             </a:r>
           </a:p>
@@ -4527,7 +4615,7 @@
 </p:sld>
 </file>
 
-<file path=ppt/slides/slide11.xml><?xml version="1.0" encoding="utf-8"?>
+<file path=ppt/slides/slide12.xml><?xml version="1.0" encoding="utf-8"?>
 <p:sld xmlns:a="http://schemas.openxmlformats.org/drawingml/2006/main" xmlns:r="http://schemas.openxmlformats.org/officeDocument/2006/relationships" xmlns:p="http://schemas.openxmlformats.org/presentationml/2006/main">
   <p:cSld>
     <p:spTree>
@@ -4831,7 +4919,7 @@
 </p:sld>
 </file>
 
-<file path=ppt/slides/slide12.xml><?xml version="1.0" encoding="utf-8"?>
+<file path=ppt/slides/slide13.xml><?xml version="1.0" encoding="utf-8"?>
 <p:sld xmlns:a="http://schemas.openxmlformats.org/drawingml/2006/main" xmlns:r="http://schemas.openxmlformats.org/officeDocument/2006/relationships" xmlns:p="http://schemas.openxmlformats.org/presentationml/2006/main">
   <p:cSld>
     <p:spTree>
@@ -5199,7 +5287,7 @@
 </p:sld>
 </file>
 
-<file path=ppt/slides/slide13.xml><?xml version="1.0" encoding="utf-8"?>
+<file path=ppt/slides/slide14.xml><?xml version="1.0" encoding="utf-8"?>
 <p:sld xmlns:a="http://schemas.openxmlformats.org/drawingml/2006/main" xmlns:r="http://schemas.openxmlformats.org/officeDocument/2006/relationships" xmlns:p="http://schemas.openxmlformats.org/presentationml/2006/main">
   <p:cSld>
     <p:spTree>
@@ -6028,7 +6116,7 @@
 </p:sld>
 </file>
 
-<file path=ppt/slides/slide14.xml><?xml version="1.0" encoding="utf-8"?>
+<file path=ppt/slides/slide15.xml><?xml version="1.0" encoding="utf-8"?>
 <p:sld xmlns:a="http://schemas.openxmlformats.org/drawingml/2006/main" xmlns:r="http://schemas.openxmlformats.org/officeDocument/2006/relationships" xmlns:p="http://schemas.openxmlformats.org/presentationml/2006/main">
   <p:cSld>
     <p:spTree>
@@ -6347,90 +6435,6 @@
 </p:sld>
 </file>
 
-<file path=ppt/slides/slide15.xml><?xml version="1.0" encoding="utf-8"?>
-<p:sld xmlns:a="http://schemas.openxmlformats.org/drawingml/2006/main" xmlns:r="http://schemas.openxmlformats.org/officeDocument/2006/relationships" xmlns:p="http://schemas.openxmlformats.org/presentationml/2006/main">
-  <p:cSld>
-    <p:spTree>
-      <p:nvGrpSpPr>
-        <p:cNvPr id="1" name=""/>
-        <p:cNvGrpSpPr/>
-        <p:nvPr/>
-      </p:nvGrpSpPr>
-      <p:grpSpPr>
-        <a:xfrm>
-          <a:off x="0" y="0"/>
-          <a:ext cx="0" cy="0"/>
-          <a:chOff x="0" y="0"/>
-          <a:chExt cx="0" cy="0"/>
-        </a:xfrm>
-      </p:grpSpPr>
-      <p:sp>
-        <p:nvSpPr>
-          <p:cNvPr id="2" name="标题 1"/>
-          <p:cNvSpPr>
-            <a:spLocks noGrp="1"/>
-          </p:cNvSpPr>
-          <p:nvPr>
-            <p:ph type="title"/>
-          </p:nvPr>
-        </p:nvSpPr>
-        <p:spPr/>
-        <p:txBody>
-          <a:bodyPr/>
-          <a:lstStyle/>
-          <a:p>
-            <a:r>
-              <a:rPr lang="zh-CN" altLang="en-US" dirty="0"/>
-              <a:t>例子：</a:t>
-            </a:r>
-            <a:r>
-              <a:rPr lang="en-US" altLang="zh-CN" dirty="0"/>
-              <a:t>MFC</a:t>
-            </a:r>
-            <a:r>
-              <a:rPr lang="zh-CN" altLang="en-US" dirty="0"/>
-              <a:t>的文档视图模式</a:t>
-            </a:r>
-          </a:p>
-        </p:txBody>
-      </p:sp>
-      <p:pic>
-        <p:nvPicPr>
-          <p:cNvPr id="4" name="图片 3"/>
-          <p:cNvPicPr>
-            <a:picLocks noChangeAspect="1"/>
-          </p:cNvPicPr>
-          <p:nvPr/>
-        </p:nvPicPr>
-        <p:blipFill>
-          <a:blip r:embed="rId2"/>
-          <a:stretch>
-            <a:fillRect/>
-          </a:stretch>
-        </p:blipFill>
-        <p:spPr>
-          <a:xfrm>
-            <a:off x="1352600" y="1988840"/>
-            <a:ext cx="6988852" cy="4032448"/>
-          </a:xfrm>
-          <a:prstGeom prst="rect">
-            <a:avLst/>
-          </a:prstGeom>
-        </p:spPr>
-      </p:pic>
-    </p:spTree>
-    <p:extLst>
-      <p:ext uri="{BB962C8B-B14F-4D97-AF65-F5344CB8AC3E}">
-        <p14:creationId xmlns:p14="http://schemas.microsoft.com/office/powerpoint/2010/main" val="1349357892"/>
-      </p:ext>
-    </p:extLst>
-  </p:cSld>
-  <p:clrMapOvr>
-    <a:masterClrMapping/>
-  </p:clrMapOvr>
-</p:sld>
-</file>
-
 <file path=ppt/slides/slide16.xml><?xml version="1.0" encoding="utf-8"?>
 <p:sld xmlns:a="http://schemas.openxmlformats.org/drawingml/2006/main" xmlns:r="http://schemas.openxmlformats.org/officeDocument/2006/relationships" xmlns:p="http://schemas.openxmlformats.org/presentationml/2006/main">
   <p:cSld>
@@ -6464,203 +6468,48 @@
           <a:lstStyle/>
           <a:p>
             <a:r>
-              <a:rPr lang="zh-CN" altLang="en-US" dirty="0" smtClean="0"/>
-              <a:t>文档视图模式的主要类</a:t>
-            </a:r>
-            <a:endParaRPr lang="zh-CN" altLang="en-US" dirty="0"/>
+              <a:rPr lang="zh-CN" altLang="en-US" dirty="0"/>
+              <a:t>例子：</a:t>
+            </a:r>
+            <a:r>
+              <a:rPr lang="en-US" altLang="zh-CN" dirty="0"/>
+              <a:t>MFC</a:t>
+            </a:r>
+            <a:r>
+              <a:rPr lang="zh-CN" altLang="en-US" dirty="0"/>
+              <a:t>的文档视图模式</a:t>
+            </a:r>
           </a:p>
         </p:txBody>
       </p:sp>
-      <p:sp>
-        <p:nvSpPr>
-          <p:cNvPr id="3" name="内容占位符 2"/>
-          <p:cNvSpPr>
-            <a:spLocks noGrp="1"/>
-          </p:cNvSpPr>
-          <p:nvPr>
-            <p:ph sz="quarter" idx="1"/>
-          </p:nvPr>
-        </p:nvSpPr>
-        <p:spPr/>
-        <p:txBody>
-          <a:bodyPr>
-            <a:normAutofit fontScale="70000" lnSpcReduction="20000"/>
-          </a:bodyPr>
-          <a:lstStyle/>
-          <a:p>
-            <a:r>
-              <a:rPr lang="en-US" altLang="zh-CN" dirty="0" err="1" smtClean="0">
-                <a:solidFill>
-                  <a:srgbClr val="00B050"/>
-                </a:solidFill>
-              </a:rPr>
-              <a:t>CWinApp</a:t>
-            </a:r>
-            <a:r>
-              <a:rPr lang="zh-CN" altLang="en-US" dirty="0"/>
-              <a:t>类提供了用户与</a:t>
-            </a:r>
-            <a:r>
-              <a:rPr lang="en-US" altLang="zh-CN" dirty="0"/>
-              <a:t>Windows</a:t>
-            </a:r>
-            <a:r>
-              <a:rPr lang="zh-CN" altLang="en-US" dirty="0"/>
-              <a:t>应用程序之间进行交流的界面</a:t>
-            </a:r>
-            <a:r>
-              <a:rPr lang="zh-CN" altLang="en-US" dirty="0" smtClean="0"/>
-              <a:t>。接收</a:t>
-            </a:r>
-            <a:r>
-              <a:rPr lang="en-US" altLang="zh-CN" dirty="0"/>
-              <a:t>WINDOWS</a:t>
-            </a:r>
-            <a:r>
-              <a:rPr lang="zh-CN" altLang="en-US" dirty="0"/>
-              <a:t>传送的消息，并交给程序中相应的对象去处理，免去了程序员许多的</a:t>
-            </a:r>
-            <a:r>
-              <a:rPr lang="zh-CN" altLang="en-US" dirty="0" smtClean="0"/>
-              <a:t>工作。</a:t>
-            </a:r>
-            <a:endParaRPr lang="zh-CN" altLang="en-US" dirty="0"/>
-          </a:p>
-          <a:p>
-            <a:r>
-              <a:rPr lang="en-US" altLang="zh-CN" dirty="0" err="1">
-                <a:solidFill>
-                  <a:srgbClr val="00B050"/>
-                </a:solidFill>
-              </a:rPr>
-              <a:t>CFrameWnd</a:t>
-            </a:r>
-            <a:r>
-              <a:rPr lang="zh-CN" altLang="en-US" dirty="0"/>
-              <a:t>类（框架窗口类）是应用程序的框架窗口。所谓框架窗口是指包括菜单、工具栏、状态栏和窗口客户区的整个应用程序的主窗口，相当于简单应用程序框架中所提到的主窗口。</a:t>
-            </a:r>
-          </a:p>
-          <a:p>
-            <a:r>
-              <a:rPr lang="en-US" altLang="zh-CN" dirty="0" err="1">
-                <a:solidFill>
-                  <a:srgbClr val="00B050"/>
-                </a:solidFill>
-              </a:rPr>
-              <a:t>CView</a:t>
-            </a:r>
-            <a:r>
-              <a:rPr lang="zh-CN" altLang="en-US" dirty="0"/>
-              <a:t>类派生于</a:t>
-            </a:r>
-            <a:r>
-              <a:rPr lang="en-US" altLang="zh-CN" dirty="0" err="1"/>
-              <a:t>Cwnd</a:t>
-            </a:r>
-            <a:r>
-              <a:rPr lang="zh-CN" altLang="en-US" dirty="0"/>
-              <a:t>类，用于管理文档</a:t>
-            </a:r>
-            <a:r>
-              <a:rPr lang="en-US" altLang="zh-CN" dirty="0"/>
-              <a:t>/</a:t>
-            </a:r>
-            <a:r>
-              <a:rPr lang="zh-CN" altLang="en-US" dirty="0"/>
-              <a:t>视图结构中的窗口客户区，这个窗口在文档</a:t>
-            </a:r>
-            <a:r>
-              <a:rPr lang="en-US" altLang="zh-CN" dirty="0"/>
-              <a:t>/</a:t>
-            </a:r>
-            <a:r>
-              <a:rPr lang="zh-CN" altLang="en-US" dirty="0"/>
-              <a:t>视图结构中称视。视图类专门用于对应用程序的数据进行显示，在视图类中有一个很重要的函数</a:t>
-            </a:r>
-            <a:r>
-              <a:rPr lang="en-US" altLang="zh-CN" dirty="0" err="1"/>
-              <a:t>OnDraw</a:t>
-            </a:r>
-            <a:r>
-              <a:rPr lang="en-US" altLang="zh-CN" dirty="0"/>
-              <a:t>(),</a:t>
-            </a:r>
-            <a:r>
-              <a:rPr lang="en-US" altLang="zh-CN" dirty="0" err="1"/>
-              <a:t>OnDraw</a:t>
-            </a:r>
-            <a:r>
-              <a:rPr lang="en-US" altLang="zh-CN" dirty="0"/>
-              <a:t>()</a:t>
-            </a:r>
-            <a:r>
-              <a:rPr lang="zh-CN" altLang="en-US" dirty="0"/>
-              <a:t>函数是用于进行应用程序数据显示的函数，一般在派生类中要重写这一个函数</a:t>
-            </a:r>
-            <a:r>
-              <a:rPr lang="zh-CN" altLang="en-US" dirty="0" smtClean="0"/>
-              <a:t>。</a:t>
-            </a:r>
-            <a:endParaRPr lang="en-US" altLang="zh-CN" dirty="0" smtClean="0"/>
-          </a:p>
-          <a:p>
-            <a:r>
-              <a:rPr lang="en-US" altLang="zh-CN" dirty="0" err="1" smtClean="0">
-                <a:solidFill>
-                  <a:srgbClr val="00B050"/>
-                </a:solidFill>
-              </a:rPr>
-              <a:t>CDocument</a:t>
-            </a:r>
-            <a:r>
-              <a:rPr lang="zh-CN" altLang="en-US" dirty="0" smtClean="0"/>
-              <a:t>类管理数据。文档</a:t>
-            </a:r>
-            <a:r>
-              <a:rPr lang="zh-CN" altLang="en-US" dirty="0"/>
-              <a:t>类将直接与磁盘相联系，把文档类中的数据存盘，或从磁盘中取出存盘的数据。</a:t>
-            </a:r>
-          </a:p>
-          <a:p>
-            <a:r>
-              <a:rPr lang="en-US" altLang="zh-CN" dirty="0" err="1" smtClean="0">
-                <a:solidFill>
-                  <a:srgbClr val="00B050"/>
-                </a:solidFill>
-              </a:rPr>
-              <a:t>CDocTemplate</a:t>
-            </a:r>
-            <a:r>
-              <a:rPr lang="zh-CN" altLang="en-US" dirty="0" smtClean="0"/>
-              <a:t>类的</a:t>
-            </a:r>
-            <a:r>
-              <a:rPr lang="zh-CN" altLang="en-US" dirty="0"/>
-              <a:t>作用是连接文档</a:t>
-            </a:r>
-            <a:r>
-              <a:rPr lang="en-US" altLang="zh-CN" dirty="0"/>
-              <a:t>/</a:t>
-            </a:r>
-            <a:r>
-              <a:rPr lang="zh-CN" altLang="en-US" dirty="0"/>
-              <a:t>视图结构中文档类，视图类和框架窗口类之间的关系，文档类，视图类和框架窗口类之间的关系是在文档模板类中建立起来的，同时文档模板类还加载了菜单以及与菜单资源使用一个</a:t>
-            </a:r>
-            <a:r>
-              <a:rPr lang="en-US" altLang="zh-CN" dirty="0"/>
-              <a:t>ID</a:t>
-            </a:r>
-            <a:r>
-              <a:rPr lang="zh-CN" altLang="en-US" dirty="0"/>
-              <a:t>的快捷键等资源</a:t>
-            </a:r>
-          </a:p>
-        </p:txBody>
-      </p:sp>
+      <p:pic>
+        <p:nvPicPr>
+          <p:cNvPr id="4" name="图片 3"/>
+          <p:cNvPicPr>
+            <a:picLocks noChangeAspect="1"/>
+          </p:cNvPicPr>
+          <p:nvPr/>
+        </p:nvPicPr>
+        <p:blipFill>
+          <a:blip r:embed="rId2"/>
+          <a:stretch>
+            <a:fillRect/>
+          </a:stretch>
+        </p:blipFill>
+        <p:spPr>
+          <a:xfrm>
+            <a:off x="1352600" y="1988840"/>
+            <a:ext cx="6988852" cy="4032448"/>
+          </a:xfrm>
+          <a:prstGeom prst="rect">
+            <a:avLst/>
+          </a:prstGeom>
+        </p:spPr>
+      </p:pic>
     </p:spTree>
     <p:extLst>
       <p:ext uri="{BB962C8B-B14F-4D97-AF65-F5344CB8AC3E}">
-        <p14:creationId xmlns:p14="http://schemas.microsoft.com/office/powerpoint/2010/main" val="2377558377"/>
+        <p14:creationId xmlns:p14="http://schemas.microsoft.com/office/powerpoint/2010/main" val="1349357892"/>
       </p:ext>
     </p:extLst>
   </p:cSld>
@@ -6704,40 +6553,202 @@
           <a:p>
             <a:r>
               <a:rPr lang="zh-CN" altLang="en-US" dirty="0" smtClean="0"/>
-              <a:t>初始化代码</a:t>
+              <a:t>文档视图模式的主要类</a:t>
             </a:r>
             <a:endParaRPr lang="zh-CN" altLang="en-US" dirty="0"/>
           </a:p>
         </p:txBody>
       </p:sp>
-      <p:pic>
-        <p:nvPicPr>
-          <p:cNvPr id="4" name="图片 3"/>
-          <p:cNvPicPr>
-            <a:picLocks noChangeAspect="1"/>
-          </p:cNvPicPr>
-          <p:nvPr/>
-        </p:nvPicPr>
-        <p:blipFill>
-          <a:blip r:embed="rId2"/>
-          <a:stretch>
-            <a:fillRect/>
-          </a:stretch>
-        </p:blipFill>
-        <p:spPr>
-          <a:xfrm>
-            <a:off x="1496616" y="1700808"/>
-            <a:ext cx="6163632" cy="4896544"/>
-          </a:xfrm>
-          <a:prstGeom prst="rect">
-            <a:avLst/>
-          </a:prstGeom>
-        </p:spPr>
-      </p:pic>
+      <p:sp>
+        <p:nvSpPr>
+          <p:cNvPr id="3" name="内容占位符 2"/>
+          <p:cNvSpPr>
+            <a:spLocks noGrp="1"/>
+          </p:cNvSpPr>
+          <p:nvPr>
+            <p:ph sz="quarter" idx="1"/>
+          </p:nvPr>
+        </p:nvSpPr>
+        <p:spPr/>
+        <p:txBody>
+          <a:bodyPr>
+            <a:normAutofit fontScale="70000" lnSpcReduction="20000"/>
+          </a:bodyPr>
+          <a:lstStyle/>
+          <a:p>
+            <a:r>
+              <a:rPr lang="en-US" altLang="zh-CN" dirty="0" err="1" smtClean="0">
+                <a:solidFill>
+                  <a:srgbClr val="00B050"/>
+                </a:solidFill>
+              </a:rPr>
+              <a:t>CWinApp</a:t>
+            </a:r>
+            <a:r>
+              <a:rPr lang="zh-CN" altLang="en-US" dirty="0"/>
+              <a:t>类提供了用户与</a:t>
+            </a:r>
+            <a:r>
+              <a:rPr lang="en-US" altLang="zh-CN" dirty="0"/>
+              <a:t>Windows</a:t>
+            </a:r>
+            <a:r>
+              <a:rPr lang="zh-CN" altLang="en-US" dirty="0"/>
+              <a:t>应用程序之间进行交流的界面</a:t>
+            </a:r>
+            <a:r>
+              <a:rPr lang="zh-CN" altLang="en-US" dirty="0" smtClean="0"/>
+              <a:t>。接收</a:t>
+            </a:r>
+            <a:r>
+              <a:rPr lang="en-US" altLang="zh-CN" dirty="0"/>
+              <a:t>WINDOWS</a:t>
+            </a:r>
+            <a:r>
+              <a:rPr lang="zh-CN" altLang="en-US" dirty="0"/>
+              <a:t>传送的消息，并交给程序中相应的对象去处理，免去了程序员许多的</a:t>
+            </a:r>
+            <a:r>
+              <a:rPr lang="zh-CN" altLang="en-US" dirty="0" smtClean="0"/>
+              <a:t>工作。</a:t>
+            </a:r>
+            <a:endParaRPr lang="zh-CN" altLang="en-US" dirty="0"/>
+          </a:p>
+          <a:p>
+            <a:r>
+              <a:rPr lang="en-US" altLang="zh-CN" dirty="0" err="1">
+                <a:solidFill>
+                  <a:srgbClr val="00B050"/>
+                </a:solidFill>
+              </a:rPr>
+              <a:t>CFrameWnd</a:t>
+            </a:r>
+            <a:r>
+              <a:rPr lang="zh-CN" altLang="en-US" dirty="0"/>
+              <a:t>类（框架窗口类）是应用程序的框架窗口。所谓框架窗口是指包括菜单、工具栏、状态栏和窗口客户区的整个应用程序的主窗口，相当于简单应用程序框架中所提到的主窗口。</a:t>
+            </a:r>
+          </a:p>
+          <a:p>
+            <a:r>
+              <a:rPr lang="en-US" altLang="zh-CN" dirty="0" err="1">
+                <a:solidFill>
+                  <a:srgbClr val="00B050"/>
+                </a:solidFill>
+              </a:rPr>
+              <a:t>CView</a:t>
+            </a:r>
+            <a:r>
+              <a:rPr lang="zh-CN" altLang="en-US" dirty="0"/>
+              <a:t>类派生于</a:t>
+            </a:r>
+            <a:r>
+              <a:rPr lang="en-US" altLang="zh-CN" dirty="0" err="1"/>
+              <a:t>Cwnd</a:t>
+            </a:r>
+            <a:r>
+              <a:rPr lang="zh-CN" altLang="en-US" dirty="0"/>
+              <a:t>类，用于管理文档</a:t>
+            </a:r>
+            <a:r>
+              <a:rPr lang="en-US" altLang="zh-CN" dirty="0"/>
+              <a:t>/</a:t>
+            </a:r>
+            <a:r>
+              <a:rPr lang="zh-CN" altLang="en-US" dirty="0"/>
+              <a:t>视图结构中的窗口客户区，这个窗口在文档</a:t>
+            </a:r>
+            <a:r>
+              <a:rPr lang="en-US" altLang="zh-CN" dirty="0"/>
+              <a:t>/</a:t>
+            </a:r>
+            <a:r>
+              <a:rPr lang="zh-CN" altLang="en-US" dirty="0"/>
+              <a:t>视图结构中称视。视图类专门用于对应用程序的数据进行显示，在视图类中有一个很重要的函数</a:t>
+            </a:r>
+            <a:r>
+              <a:rPr lang="en-US" altLang="zh-CN" dirty="0" err="1"/>
+              <a:t>OnDraw</a:t>
+            </a:r>
+            <a:r>
+              <a:rPr lang="en-US" altLang="zh-CN" dirty="0"/>
+              <a:t>(),</a:t>
+            </a:r>
+            <a:r>
+              <a:rPr lang="en-US" altLang="zh-CN" dirty="0" err="1"/>
+              <a:t>OnDraw</a:t>
+            </a:r>
+            <a:r>
+              <a:rPr lang="en-US" altLang="zh-CN" dirty="0"/>
+              <a:t>()</a:t>
+            </a:r>
+            <a:r>
+              <a:rPr lang="zh-CN" altLang="en-US" dirty="0"/>
+              <a:t>函数是用于进行应用程序数据显示的函数，一般在派生类中要重写这一个函数</a:t>
+            </a:r>
+            <a:r>
+              <a:rPr lang="zh-CN" altLang="en-US" dirty="0" smtClean="0"/>
+              <a:t>。</a:t>
+            </a:r>
+            <a:endParaRPr lang="en-US" altLang="zh-CN" dirty="0" smtClean="0"/>
+          </a:p>
+          <a:p>
+            <a:r>
+              <a:rPr lang="en-US" altLang="zh-CN" dirty="0" err="1" smtClean="0">
+                <a:solidFill>
+                  <a:srgbClr val="00B050"/>
+                </a:solidFill>
+              </a:rPr>
+              <a:t>CDocument</a:t>
+            </a:r>
+            <a:r>
+              <a:rPr lang="zh-CN" altLang="en-US" dirty="0" smtClean="0"/>
+              <a:t>类管理数据。文档</a:t>
+            </a:r>
+            <a:r>
+              <a:rPr lang="zh-CN" altLang="en-US" dirty="0"/>
+              <a:t>类将直接与磁盘相联系，把文档类中的数据存盘，或从磁盘中取出存盘的数据。</a:t>
+            </a:r>
+          </a:p>
+          <a:p>
+            <a:r>
+              <a:rPr lang="en-US" altLang="zh-CN" dirty="0" err="1" smtClean="0">
+                <a:solidFill>
+                  <a:srgbClr val="00B050"/>
+                </a:solidFill>
+              </a:rPr>
+              <a:t>CDocTemplate</a:t>
+            </a:r>
+            <a:r>
+              <a:rPr lang="zh-CN" altLang="en-US" dirty="0" smtClean="0"/>
+              <a:t>类的</a:t>
+            </a:r>
+            <a:r>
+              <a:rPr lang="zh-CN" altLang="en-US" dirty="0"/>
+              <a:t>作用是连接文档</a:t>
+            </a:r>
+            <a:r>
+              <a:rPr lang="en-US" altLang="zh-CN" dirty="0"/>
+              <a:t>/</a:t>
+            </a:r>
+            <a:r>
+              <a:rPr lang="zh-CN" altLang="en-US" dirty="0"/>
+              <a:t>视图结构中文档类，视图类和框架窗口类之间的关系，文档类，视图类和框架窗口类之间的关系是在文档模板类中建立起来的，同时文档模板类还加载了菜单以及与菜单资源使用一个</a:t>
+            </a:r>
+            <a:r>
+              <a:rPr lang="en-US" altLang="zh-CN" dirty="0"/>
+              <a:t>ID</a:t>
+            </a:r>
+            <a:r>
+              <a:rPr lang="zh-CN" altLang="en-US" dirty="0"/>
+              <a:t>的快捷键等资源</a:t>
+            </a:r>
+          </a:p>
+        </p:txBody>
+      </p:sp>
     </p:spTree>
     <p:extLst>
       <p:ext uri="{BB962C8B-B14F-4D97-AF65-F5344CB8AC3E}">
-        <p14:creationId xmlns:p14="http://schemas.microsoft.com/office/powerpoint/2010/main" val="2727231942"/>
+        <p14:creationId xmlns:p14="http://schemas.microsoft.com/office/powerpoint/2010/main" val="2377558377"/>
       </p:ext>
     </p:extLst>
   </p:cSld>
@@ -6781,7 +6792,7 @@
           <a:p>
             <a:r>
               <a:rPr lang="zh-CN" altLang="en-US" dirty="0" smtClean="0"/>
-              <a:t>文档视图类之间的关系</a:t>
+              <a:t>初始化代码</a:t>
             </a:r>
             <a:endParaRPr lang="zh-CN" altLang="en-US" dirty="0"/>
           </a:p>
@@ -6803,8 +6814,8 @@
         </p:blipFill>
         <p:spPr>
           <a:xfrm>
-            <a:off x="1712640" y="1916832"/>
-            <a:ext cx="5904656" cy="4431370"/>
+            <a:off x="1496616" y="1700808"/>
+            <a:ext cx="6163632" cy="4896544"/>
           </a:xfrm>
           <a:prstGeom prst="rect">
             <a:avLst/>
@@ -6814,7 +6825,7 @@
     </p:spTree>
     <p:extLst>
       <p:ext uri="{BB962C8B-B14F-4D97-AF65-F5344CB8AC3E}">
-        <p14:creationId xmlns:p14="http://schemas.microsoft.com/office/powerpoint/2010/main" val="3165659159"/>
+        <p14:creationId xmlns:p14="http://schemas.microsoft.com/office/powerpoint/2010/main" val="2727231942"/>
       </p:ext>
     </p:extLst>
   </p:cSld>
@@ -6857,60 +6868,41 @@
           <a:lstStyle/>
           <a:p>
             <a:r>
-              <a:rPr lang="en-US" altLang="zh-CN" dirty="0"/>
-              <a:t>MVC</a:t>
-            </a:r>
-            <a:r>
-              <a:rPr lang="zh-CN" altLang="en-US" dirty="0"/>
-              <a:t>的优点</a:t>
-            </a:r>
+              <a:rPr lang="zh-CN" altLang="en-US" dirty="0" smtClean="0"/>
+              <a:t>文档视图类之间的关系</a:t>
+            </a:r>
+            <a:endParaRPr lang="zh-CN" altLang="en-US" dirty="0"/>
           </a:p>
         </p:txBody>
       </p:sp>
-      <p:sp>
-        <p:nvSpPr>
-          <p:cNvPr id="3" name="内容占位符 2"/>
-          <p:cNvSpPr>
-            <a:spLocks noGrp="1"/>
-          </p:cNvSpPr>
-          <p:nvPr>
-            <p:ph sz="quarter" idx="1"/>
-          </p:nvPr>
-        </p:nvSpPr>
-        <p:spPr/>
-        <p:txBody>
-          <a:bodyPr/>
-          <a:lstStyle/>
-          <a:p>
-            <a:r>
-              <a:rPr lang="zh-CN" altLang="en-US" dirty="0"/>
-              <a:t>将各方面问题分解开来考虑，简化了系统设计，保证了系统的可扩展性</a:t>
-            </a:r>
-          </a:p>
-          <a:p>
-            <a:r>
-              <a:rPr lang="zh-CN" altLang="en-US" dirty="0"/>
-              <a:t>改变界面不影响应用程序的功能内核，使得系统易于演化开发，可维护性好</a:t>
-            </a:r>
-          </a:p>
-          <a:p>
-            <a:r>
-              <a:rPr lang="zh-CN" altLang="en-US" dirty="0"/>
-              <a:t>易于改变，甚至可能在运行时改变，提供了良好的动态机制</a:t>
-            </a:r>
-          </a:p>
-          <a:p>
-            <a:pPr marL="0" indent="0">
-              <a:buNone/>
-            </a:pPr>
-            <a:endParaRPr lang="zh-CN" altLang="en-US" dirty="0"/>
-          </a:p>
-        </p:txBody>
-      </p:sp>
+      <p:pic>
+        <p:nvPicPr>
+          <p:cNvPr id="4" name="图片 3"/>
+          <p:cNvPicPr>
+            <a:picLocks noChangeAspect="1"/>
+          </p:cNvPicPr>
+          <p:nvPr/>
+        </p:nvPicPr>
+        <p:blipFill>
+          <a:blip r:embed="rId2"/>
+          <a:stretch>
+            <a:fillRect/>
+          </a:stretch>
+        </p:blipFill>
+        <p:spPr>
+          <a:xfrm>
+            <a:off x="1712640" y="1916832"/>
+            <a:ext cx="5904656" cy="4431370"/>
+          </a:xfrm>
+          <a:prstGeom prst="rect">
+            <a:avLst/>
+          </a:prstGeom>
+        </p:spPr>
+      </p:pic>
     </p:spTree>
     <p:extLst>
       <p:ext uri="{BB962C8B-B14F-4D97-AF65-F5344CB8AC3E}">
-        <p14:creationId xmlns:p14="http://schemas.microsoft.com/office/powerpoint/2010/main" val="1610870273"/>
+        <p14:creationId xmlns:p14="http://schemas.microsoft.com/office/powerpoint/2010/main" val="3165659159"/>
       </p:ext>
     </p:extLst>
   </p:cSld>
@@ -6939,26 +6931,7 @@
       </p:grpSpPr>
       <p:sp>
         <p:nvSpPr>
-          <p:cNvPr id="2" name="文本占位符 1"/>
-          <p:cNvSpPr>
-            <a:spLocks noGrp="1"/>
-          </p:cNvSpPr>
-          <p:nvPr>
-            <p:ph type="body" idx="1"/>
-          </p:nvPr>
-        </p:nvSpPr>
-        <p:spPr/>
-        <p:txBody>
-          <a:bodyPr/>
-          <a:lstStyle/>
-          <a:p>
-            <a:endParaRPr lang="zh-CN" altLang="en-US" dirty="0"/>
-          </a:p>
-        </p:txBody>
-      </p:sp>
-      <p:sp>
-        <p:nvSpPr>
-          <p:cNvPr id="3" name="标题 2"/>
+          <p:cNvPr id="2" name="标题 1"/>
           <p:cNvSpPr>
             <a:spLocks noGrp="1"/>
           </p:cNvSpPr>
@@ -6972,29 +6945,156 @@
           <a:lstStyle/>
           <a:p>
             <a:r>
+              <a:rPr lang="zh-CN" altLang="en-US" dirty="0" smtClean="0"/>
+              <a:t>回顾</a:t>
+            </a:r>
+            <a:endParaRPr lang="zh-CN" altLang="en-US" dirty="0"/>
+          </a:p>
+        </p:txBody>
+      </p:sp>
+      <p:sp>
+        <p:nvSpPr>
+          <p:cNvPr id="3" name="内容占位符 2"/>
+          <p:cNvSpPr>
+            <a:spLocks noGrp="1"/>
+          </p:cNvSpPr>
+          <p:nvPr>
+            <p:ph sz="quarter" idx="1"/>
+          </p:nvPr>
+        </p:nvSpPr>
+        <p:spPr/>
+        <p:txBody>
+          <a:bodyPr/>
+          <a:lstStyle/>
+          <a:p>
+            <a:r>
               <a:rPr lang="zh-CN" altLang="en-US" dirty="0"/>
-              <a:t>事件、解释器体系结构风格</a:t>
-            </a:r>
+              <a:t>数据流</a:t>
+            </a:r>
+            <a:r>
+              <a:rPr lang="zh-CN" altLang="en-US" dirty="0" smtClean="0"/>
+              <a:t>风格</a:t>
+            </a:r>
+            <a:endParaRPr lang="en-US" altLang="zh-CN" dirty="0" smtClean="0"/>
+          </a:p>
+          <a:p>
+            <a:pPr lvl="1"/>
+            <a:r>
+              <a:rPr lang="zh-CN" altLang="en-US" b="1" dirty="0">
+                <a:solidFill>
+                  <a:srgbClr val="0066FF"/>
+                </a:solidFill>
+              </a:rPr>
+              <a:t>管道与过滤器</a:t>
+            </a:r>
+          </a:p>
+          <a:p>
+            <a:pPr lvl="1"/>
+            <a:r>
+              <a:rPr lang="zh-CN" altLang="en-US" b="1" dirty="0">
+                <a:solidFill>
+                  <a:srgbClr val="0066FF"/>
+                </a:solidFill>
+              </a:rPr>
+              <a:t>批处理</a:t>
+            </a:r>
+          </a:p>
+          <a:p>
+            <a:pPr lvl="1"/>
+            <a:r>
+              <a:rPr lang="zh-CN" altLang="en-US" b="1" dirty="0" smtClean="0">
+                <a:solidFill>
+                  <a:srgbClr val="0066FF"/>
+                </a:solidFill>
+              </a:rPr>
+              <a:t>控制流</a:t>
+            </a:r>
+            <a:endParaRPr lang="en-US" altLang="zh-CN" b="1" dirty="0" smtClean="0">
+              <a:solidFill>
+                <a:srgbClr val="0066FF"/>
+              </a:solidFill>
+            </a:endParaRPr>
+          </a:p>
+          <a:p>
+            <a:r>
+              <a:rPr lang="zh-CN" altLang="en-US" b="1" dirty="0">
+                <a:solidFill>
+                  <a:srgbClr val="0066FF"/>
+                </a:solidFill>
+              </a:rPr>
+              <a:t>调用返回信息</a:t>
+            </a:r>
+            <a:r>
+              <a:rPr lang="zh-CN" altLang="en-US" b="1" dirty="0" smtClean="0">
+                <a:solidFill>
+                  <a:srgbClr val="0066FF"/>
+                </a:solidFill>
+              </a:rPr>
+              <a:t>隐藏</a:t>
+            </a:r>
+            <a:endParaRPr lang="en-US" altLang="zh-CN" b="1" dirty="0" smtClean="0">
+              <a:solidFill>
+                <a:srgbClr val="0066FF"/>
+              </a:solidFill>
+            </a:endParaRPr>
+          </a:p>
+          <a:p>
+            <a:pPr lvl="1"/>
+            <a:r>
+              <a:rPr lang="zh-CN" altLang="en-US" b="1" dirty="0">
+                <a:solidFill>
+                  <a:srgbClr val="0066FF"/>
+                </a:solidFill>
+              </a:rPr>
+              <a:t>主程序、子调用</a:t>
+            </a:r>
+          </a:p>
+          <a:p>
+            <a:pPr lvl="1"/>
+            <a:r>
+              <a:rPr lang="zh-CN" altLang="en-US" b="1" dirty="0">
+                <a:solidFill>
+                  <a:srgbClr val="0066FF"/>
+                </a:solidFill>
+              </a:rPr>
+              <a:t>抽象数据类型，面向对象的风格</a:t>
+            </a:r>
+          </a:p>
+          <a:p>
+            <a:pPr lvl="1"/>
+            <a:r>
+              <a:rPr lang="zh-CN" altLang="en-US" b="1" dirty="0">
+                <a:solidFill>
+                  <a:srgbClr val="0066FF"/>
+                </a:solidFill>
+              </a:rPr>
+              <a:t>层次结构</a:t>
+            </a:r>
+          </a:p>
+          <a:p>
+            <a:pPr lvl="1"/>
+            <a:endParaRPr lang="zh-CN" altLang="en-US" b="1" dirty="0">
+              <a:solidFill>
+                <a:srgbClr val="0066FF"/>
+              </a:solidFill>
+            </a:endParaRPr>
+          </a:p>
+          <a:p>
+            <a:pPr lvl="1"/>
+            <a:endParaRPr lang="zh-CN" altLang="en-US" dirty="0"/>
           </a:p>
         </p:txBody>
       </p:sp>
     </p:spTree>
     <p:extLst>
       <p:ext uri="{BB962C8B-B14F-4D97-AF65-F5344CB8AC3E}">
-        <p14:creationId xmlns:p14="http://schemas.microsoft.com/office/powerpoint/2010/main" val="774146446"/>
+        <p14:creationId xmlns:p14="http://schemas.microsoft.com/office/powerpoint/2010/main" val="1846011329"/>
       </p:ext>
     </p:extLst>
   </p:cSld>
   <p:clrMapOvr>
     <a:masterClrMapping/>
   </p:clrMapOvr>
-  <p:timing>
-    <p:tnLst>
-      <p:par>
-        <p:cTn id="1" dur="indefinite" restart="never" nodeType="tmRoot"/>
-      </p:par>
-    </p:tnLst>
-  </p:timing>
 </p:sld>
 </file>
 
@@ -7031,14 +7131,13 @@
           <a:lstStyle/>
           <a:p>
             <a:r>
-              <a:rPr lang="en-US" altLang="zh-CN" dirty="0" smtClean="0"/>
+              <a:rPr lang="en-US" altLang="zh-CN" dirty="0"/>
               <a:t>MVC</a:t>
             </a:r>
             <a:r>
-              <a:rPr lang="zh-CN" altLang="en-US" dirty="0" smtClean="0"/>
-              <a:t>的缺点</a:t>
-            </a:r>
-            <a:endParaRPr lang="zh-CN" altLang="en-US" dirty="0"/>
+              <a:rPr lang="zh-CN" altLang="en-US" dirty="0"/>
+              <a:t>的优点</a:t>
+            </a:r>
           </a:p>
         </p:txBody>
       </p:sp>
@@ -7059,6 +7158,103 @@
           <a:p>
             <a:r>
               <a:rPr lang="zh-CN" altLang="en-US" dirty="0"/>
+              <a:t>将各方面问题分解开来考虑，简化了系统设计，保证了系统的可扩展性</a:t>
+            </a:r>
+          </a:p>
+          <a:p>
+            <a:r>
+              <a:rPr lang="zh-CN" altLang="en-US" dirty="0"/>
+              <a:t>改变界面不影响应用程序的功能内核，使得系统易于演化开发，可维护性好</a:t>
+            </a:r>
+          </a:p>
+          <a:p>
+            <a:r>
+              <a:rPr lang="zh-CN" altLang="en-US" dirty="0"/>
+              <a:t>易于改变，甚至可能在运行时改变，提供了良好的动态机制</a:t>
+            </a:r>
+          </a:p>
+          <a:p>
+            <a:pPr marL="0" indent="0">
+              <a:buNone/>
+            </a:pPr>
+            <a:endParaRPr lang="zh-CN" altLang="en-US" dirty="0"/>
+          </a:p>
+        </p:txBody>
+      </p:sp>
+    </p:spTree>
+    <p:extLst>
+      <p:ext uri="{BB962C8B-B14F-4D97-AF65-F5344CB8AC3E}">
+        <p14:creationId xmlns:p14="http://schemas.microsoft.com/office/powerpoint/2010/main" val="1610870273"/>
+      </p:ext>
+    </p:extLst>
+  </p:cSld>
+  <p:clrMapOvr>
+    <a:masterClrMapping/>
+  </p:clrMapOvr>
+</p:sld>
+</file>
+
+<file path=ppt/slides/slide21.xml><?xml version="1.0" encoding="utf-8"?>
+<p:sld xmlns:a="http://schemas.openxmlformats.org/drawingml/2006/main" xmlns:r="http://schemas.openxmlformats.org/officeDocument/2006/relationships" xmlns:p="http://schemas.openxmlformats.org/presentationml/2006/main">
+  <p:cSld>
+    <p:spTree>
+      <p:nvGrpSpPr>
+        <p:cNvPr id="1" name=""/>
+        <p:cNvGrpSpPr/>
+        <p:nvPr/>
+      </p:nvGrpSpPr>
+      <p:grpSpPr>
+        <a:xfrm>
+          <a:off x="0" y="0"/>
+          <a:ext cx="0" cy="0"/>
+          <a:chOff x="0" y="0"/>
+          <a:chExt cx="0" cy="0"/>
+        </a:xfrm>
+      </p:grpSpPr>
+      <p:sp>
+        <p:nvSpPr>
+          <p:cNvPr id="2" name="标题 1"/>
+          <p:cNvSpPr>
+            <a:spLocks noGrp="1"/>
+          </p:cNvSpPr>
+          <p:nvPr>
+            <p:ph type="title"/>
+          </p:nvPr>
+        </p:nvSpPr>
+        <p:spPr/>
+        <p:txBody>
+          <a:bodyPr/>
+          <a:lstStyle/>
+          <a:p>
+            <a:r>
+              <a:rPr lang="en-US" altLang="zh-CN" dirty="0" smtClean="0"/>
+              <a:t>MVC</a:t>
+            </a:r>
+            <a:r>
+              <a:rPr lang="zh-CN" altLang="en-US" dirty="0" smtClean="0"/>
+              <a:t>的缺点</a:t>
+            </a:r>
+            <a:endParaRPr lang="zh-CN" altLang="en-US" dirty="0"/>
+          </a:p>
+        </p:txBody>
+      </p:sp>
+      <p:sp>
+        <p:nvSpPr>
+          <p:cNvPr id="3" name="内容占位符 2"/>
+          <p:cNvSpPr>
+            <a:spLocks noGrp="1"/>
+          </p:cNvSpPr>
+          <p:nvPr>
+            <p:ph sz="quarter" idx="1"/>
+          </p:nvPr>
+        </p:nvSpPr>
+        <p:spPr/>
+        <p:txBody>
+          <a:bodyPr/>
+          <a:lstStyle/>
+          <a:p>
+            <a:r>
+              <a:rPr lang="zh-CN" altLang="en-US" dirty="0"/>
               <a:t>主要局限在应用软件的用户界面开发</a:t>
             </a:r>
             <a:r>
@@ -7082,7 +7278,7 @@
 </p:sld>
 </file>
 
-<file path=ppt/slides/slide21.xml><?xml version="1.0" encoding="utf-8"?>
+<file path=ppt/slides/slide22.xml><?xml version="1.0" encoding="utf-8"?>
 <p:sld xmlns:a="http://schemas.openxmlformats.org/drawingml/2006/main" xmlns:r="http://schemas.openxmlformats.org/officeDocument/2006/relationships" xmlns:p="http://schemas.openxmlformats.org/presentationml/2006/main">
   <p:cSld>
     <p:spTree>
@@ -7154,7 +7350,7 @@
 </p:sld>
 </file>
 
-<file path=ppt/slides/slide22.xml><?xml version="1.0" encoding="utf-8"?>
+<file path=ppt/slides/slide23.xml><?xml version="1.0" encoding="utf-8"?>
 <p:sld xmlns:a="http://schemas.openxmlformats.org/drawingml/2006/main" xmlns:r="http://schemas.openxmlformats.org/officeDocument/2006/relationships" xmlns:p="http://schemas.openxmlformats.org/presentationml/2006/main">
   <p:cSld>
     <p:spTree>
@@ -8899,7 +9095,7 @@
 </p:sld>
 </file>
 
-<file path=ppt/slides/slide23.xml><?xml version="1.0" encoding="utf-8"?>
+<file path=ppt/slides/slide24.xml><?xml version="1.0" encoding="utf-8"?>
 <p:sld xmlns:a="http://schemas.openxmlformats.org/drawingml/2006/main" xmlns:r="http://schemas.openxmlformats.org/officeDocument/2006/relationships" xmlns:p="http://schemas.openxmlformats.org/presentationml/2006/main">
   <p:cSld>
     <p:spTree>
@@ -9266,7 +9462,7 @@
 </p:sld>
 </file>
 
-<file path=ppt/slides/slide24.xml><?xml version="1.0" encoding="utf-8"?>
+<file path=ppt/slides/slide25.xml><?xml version="1.0" encoding="utf-8"?>
 <p:sld xmlns:a="http://schemas.openxmlformats.org/drawingml/2006/main" xmlns:r="http://schemas.openxmlformats.org/officeDocument/2006/relationships" xmlns:p="http://schemas.openxmlformats.org/presentationml/2006/main">
   <p:cSld>
     <p:spTree>
@@ -20464,7 +20660,7 @@
 </p:sld>
 </file>
 
-<file path=ppt/slides/slide25.xml><?xml version="1.0" encoding="utf-8"?>
+<file path=ppt/slides/slide26.xml><?xml version="1.0" encoding="utf-8"?>
 <p:sld xmlns:a="http://schemas.openxmlformats.org/drawingml/2006/main" xmlns:r="http://schemas.openxmlformats.org/officeDocument/2006/relationships" xmlns:p="http://schemas.openxmlformats.org/presentationml/2006/main">
   <p:cSld>
     <p:spTree>
@@ -21210,7 +21406,7 @@
 </p:sld>
 </file>
 
-<file path=ppt/slides/slide26.xml><?xml version="1.0" encoding="utf-8"?>
+<file path=ppt/slides/slide27.xml><?xml version="1.0" encoding="utf-8"?>
 <p:sld xmlns:a="http://schemas.openxmlformats.org/drawingml/2006/main" xmlns:r="http://schemas.openxmlformats.org/officeDocument/2006/relationships" xmlns:p="http://schemas.openxmlformats.org/presentationml/2006/main">
   <p:cSld>
     <p:spTree>
@@ -22624,7 +22820,7 @@
 </p:sld>
 </file>
 
-<file path=ppt/slides/slide27.xml><?xml version="1.0" encoding="utf-8"?>
+<file path=ppt/slides/slide28.xml><?xml version="1.0" encoding="utf-8"?>
 <p:sld xmlns:a="http://schemas.openxmlformats.org/drawingml/2006/main" xmlns:r="http://schemas.openxmlformats.org/officeDocument/2006/relationships" xmlns:p="http://schemas.openxmlformats.org/presentationml/2006/main">
   <p:cSld>
     <p:spTree>
@@ -22770,7 +22966,7 @@
 </p:sld>
 </file>
 
-<file path=ppt/slides/slide28.xml><?xml version="1.0" encoding="utf-8"?>
+<file path=ppt/slides/slide29.xml><?xml version="1.0" encoding="utf-8"?>
 <p:sld xmlns:a="http://schemas.openxmlformats.org/drawingml/2006/main" xmlns:r="http://schemas.openxmlformats.org/officeDocument/2006/relationships" xmlns:p="http://schemas.openxmlformats.org/presentationml/2006/main">
   <p:cSld>
     <p:spTree>
@@ -22860,7 +23056,85 @@
 </p:sld>
 </file>
 
-<file path=ppt/slides/slide29.xml><?xml version="1.0" encoding="utf-8"?>
+<file path=ppt/slides/slide3.xml><?xml version="1.0" encoding="utf-8"?>
+<p:sld xmlns:a="http://schemas.openxmlformats.org/drawingml/2006/main" xmlns:r="http://schemas.openxmlformats.org/officeDocument/2006/relationships" xmlns:p="http://schemas.openxmlformats.org/presentationml/2006/main">
+  <p:cSld>
+    <p:spTree>
+      <p:nvGrpSpPr>
+        <p:cNvPr id="1" name=""/>
+        <p:cNvGrpSpPr/>
+        <p:nvPr/>
+      </p:nvGrpSpPr>
+      <p:grpSpPr>
+        <a:xfrm>
+          <a:off x="0" y="0"/>
+          <a:ext cx="0" cy="0"/>
+          <a:chOff x="0" y="0"/>
+          <a:chExt cx="0" cy="0"/>
+        </a:xfrm>
+      </p:grpSpPr>
+      <p:sp>
+        <p:nvSpPr>
+          <p:cNvPr id="2" name="文本占位符 1"/>
+          <p:cNvSpPr>
+            <a:spLocks noGrp="1"/>
+          </p:cNvSpPr>
+          <p:nvPr>
+            <p:ph type="body" idx="1"/>
+          </p:nvPr>
+        </p:nvSpPr>
+        <p:spPr/>
+        <p:txBody>
+          <a:bodyPr/>
+          <a:lstStyle/>
+          <a:p>
+            <a:endParaRPr lang="zh-CN" altLang="en-US" dirty="0"/>
+          </a:p>
+        </p:txBody>
+      </p:sp>
+      <p:sp>
+        <p:nvSpPr>
+          <p:cNvPr id="3" name="标题 2"/>
+          <p:cNvSpPr>
+            <a:spLocks noGrp="1"/>
+          </p:cNvSpPr>
+          <p:nvPr>
+            <p:ph type="title"/>
+          </p:nvPr>
+        </p:nvSpPr>
+        <p:spPr/>
+        <p:txBody>
+          <a:bodyPr/>
+          <a:lstStyle/>
+          <a:p>
+            <a:r>
+              <a:rPr lang="zh-CN" altLang="en-US" dirty="0"/>
+              <a:t>事件、解释器体系结构风格</a:t>
+            </a:r>
+          </a:p>
+        </p:txBody>
+      </p:sp>
+    </p:spTree>
+    <p:extLst>
+      <p:ext uri="{BB962C8B-B14F-4D97-AF65-F5344CB8AC3E}">
+        <p14:creationId xmlns:p14="http://schemas.microsoft.com/office/powerpoint/2010/main" val="774146446"/>
+      </p:ext>
+    </p:extLst>
+  </p:cSld>
+  <p:clrMapOvr>
+    <a:masterClrMapping/>
+  </p:clrMapOvr>
+  <p:timing>
+    <p:tnLst>
+      <p:par>
+        <p:cTn id="1" dur="indefinite" restart="never" nodeType="tmRoot"/>
+      </p:par>
+    </p:tnLst>
+  </p:timing>
+</p:sld>
+</file>
+
+<file path=ppt/slides/slide30.xml><?xml version="1.0" encoding="utf-8"?>
 <p:sld xmlns:a="http://schemas.openxmlformats.org/drawingml/2006/main" xmlns:r="http://schemas.openxmlformats.org/officeDocument/2006/relationships" xmlns:p="http://schemas.openxmlformats.org/presentationml/2006/main">
   <p:cSld>
     <p:spTree>
@@ -23480,94 +23754,7 @@
 </p:sld>
 </file>
 
-<file path=ppt/slides/slide3.xml><?xml version="1.0" encoding="utf-8"?>
-<p:sld xmlns:a="http://schemas.openxmlformats.org/drawingml/2006/main" xmlns:r="http://schemas.openxmlformats.org/officeDocument/2006/relationships" xmlns:p="http://schemas.openxmlformats.org/presentationml/2006/main">
-  <p:cSld>
-    <p:spTree>
-      <p:nvGrpSpPr>
-        <p:cNvPr id="1" name=""/>
-        <p:cNvGrpSpPr/>
-        <p:nvPr/>
-      </p:nvGrpSpPr>
-      <p:grpSpPr>
-        <a:xfrm>
-          <a:off x="0" y="0"/>
-          <a:ext cx="0" cy="0"/>
-          <a:chOff x="0" y="0"/>
-          <a:chExt cx="0" cy="0"/>
-        </a:xfrm>
-      </p:grpSpPr>
-      <p:sp>
-        <p:nvSpPr>
-          <p:cNvPr id="2" name="标题 1"/>
-          <p:cNvSpPr>
-            <a:spLocks noGrp="1"/>
-          </p:cNvSpPr>
-          <p:nvPr>
-            <p:ph type="title"/>
-          </p:nvPr>
-        </p:nvSpPr>
-        <p:spPr/>
-        <p:txBody>
-          <a:bodyPr/>
-          <a:lstStyle/>
-          <a:p>
-            <a:r>
-              <a:rPr lang="zh-CN" altLang="en-US" dirty="0" smtClean="0"/>
-              <a:t>例子：调试器</a:t>
-            </a:r>
-            <a:r>
-              <a:rPr lang="en-US" altLang="zh-CN" dirty="0" err="1" smtClean="0"/>
-              <a:t>Debuger</a:t>
-            </a:r>
-            <a:endParaRPr lang="zh-CN" altLang="en-US" dirty="0"/>
-          </a:p>
-        </p:txBody>
-      </p:sp>
-      <p:pic>
-        <p:nvPicPr>
-          <p:cNvPr id="4" name="Picture 4" descr="31"/>
-          <p:cNvPicPr>
-            <a:picLocks noGrp="1" noChangeAspect="1" noChangeArrowheads="1"/>
-          </p:cNvPicPr>
-          <p:nvPr>
-            <p:ph sz="quarter" idx="1"/>
-          </p:nvPr>
-        </p:nvPicPr>
-        <p:blipFill>
-          <a:blip r:embed="rId2">
-            <a:extLst>
-              <a:ext uri="{28A0092B-C50C-407E-A947-70E740481C1C}">
-                <a14:useLocalDpi xmlns:a14="http://schemas.microsoft.com/office/drawing/2010/main" val="0"/>
-              </a:ext>
-            </a:extLst>
-          </a:blip>
-          <a:srcRect/>
-          <a:stretch>
-            <a:fillRect/>
-          </a:stretch>
-        </p:blipFill>
-        <p:spPr>
-          <a:xfrm>
-            <a:off x="2000672" y="1772816"/>
-            <a:ext cx="5994400" cy="4495800"/>
-          </a:xfrm>
-        </p:spPr>
-      </p:pic>
-    </p:spTree>
-    <p:extLst>
-      <p:ext uri="{BB962C8B-B14F-4D97-AF65-F5344CB8AC3E}">
-        <p14:creationId xmlns:p14="http://schemas.microsoft.com/office/powerpoint/2010/main" val="1747342370"/>
-      </p:ext>
-    </p:extLst>
-  </p:cSld>
-  <p:clrMapOvr>
-    <a:masterClrMapping/>
-  </p:clrMapOvr>
-</p:sld>
-</file>
-
-<file path=ppt/slides/slide30.xml><?xml version="1.0" encoding="utf-8"?>
+<file path=ppt/slides/slide31.xml><?xml version="1.0" encoding="utf-8"?>
 <p:sld xmlns:a="http://schemas.openxmlformats.org/drawingml/2006/main" xmlns:r="http://schemas.openxmlformats.org/officeDocument/2006/relationships" xmlns:p="http://schemas.openxmlformats.org/presentationml/2006/main">
   <p:cSld>
     <p:spTree>
@@ -24670,7 +24857,7 @@
 </p:sld>
 </file>
 
-<file path=ppt/slides/slide31.xml><?xml version="1.0" encoding="utf-8"?>
+<file path=ppt/slides/slide32.xml><?xml version="1.0" encoding="utf-8"?>
 <p:sld xmlns:a="http://schemas.openxmlformats.org/drawingml/2006/main" xmlns:r="http://schemas.openxmlformats.org/officeDocument/2006/relationships" xmlns:p="http://schemas.openxmlformats.org/presentationml/2006/main">
   <p:cSld>
     <p:spTree>
@@ -27218,110 +27405,6 @@
 </p:sld>
 </file>
 
-<file path=ppt/slides/slide32.xml><?xml version="1.0" encoding="utf-8"?>
-<p:sld xmlns:a="http://schemas.openxmlformats.org/drawingml/2006/main" xmlns:r="http://schemas.openxmlformats.org/officeDocument/2006/relationships" xmlns:p="http://schemas.openxmlformats.org/presentationml/2006/main">
-  <p:cSld>
-    <p:spTree>
-      <p:nvGrpSpPr>
-        <p:cNvPr id="1" name=""/>
-        <p:cNvGrpSpPr/>
-        <p:nvPr/>
-      </p:nvGrpSpPr>
-      <p:grpSpPr>
-        <a:xfrm>
-          <a:off x="0" y="0"/>
-          <a:ext cx="0" cy="0"/>
-          <a:chOff x="0" y="0"/>
-          <a:chExt cx="0" cy="0"/>
-        </a:xfrm>
-      </p:grpSpPr>
-      <p:sp>
-        <p:nvSpPr>
-          <p:cNvPr id="2" name="标题 1"/>
-          <p:cNvSpPr>
-            <a:spLocks noGrp="1"/>
-          </p:cNvSpPr>
-          <p:nvPr>
-            <p:ph type="title"/>
-          </p:nvPr>
-        </p:nvSpPr>
-        <p:spPr/>
-        <p:txBody>
-          <a:bodyPr/>
-          <a:lstStyle/>
-          <a:p>
-            <a:r>
-              <a:rPr lang="zh-CN" altLang="en-US" dirty="0"/>
-              <a:t>黑板风格</a:t>
-            </a:r>
-          </a:p>
-        </p:txBody>
-      </p:sp>
-      <p:sp>
-        <p:nvSpPr>
-          <p:cNvPr id="3" name="内容占位符 2"/>
-          <p:cNvSpPr>
-            <a:spLocks noGrp="1"/>
-          </p:cNvSpPr>
-          <p:nvPr>
-            <p:ph sz="quarter" idx="1"/>
-          </p:nvPr>
-        </p:nvSpPr>
-        <p:spPr/>
-        <p:txBody>
-          <a:bodyPr/>
-          <a:lstStyle/>
-          <a:p>
-            <a:r>
-              <a:rPr lang="zh-CN" altLang="en-US" dirty="0" smtClean="0"/>
-              <a:t>组件</a:t>
-            </a:r>
-            <a:endParaRPr lang="en-US" altLang="zh-CN" dirty="0" smtClean="0"/>
-          </a:p>
-          <a:p>
-            <a:pPr lvl="1"/>
-            <a:r>
-              <a:rPr lang="zh-CN" altLang="en-US" dirty="0"/>
-              <a:t>中央数据单元</a:t>
-            </a:r>
-          </a:p>
-          <a:p>
-            <a:pPr lvl="1"/>
-            <a:r>
-              <a:rPr lang="zh-CN" altLang="en-US" dirty="0"/>
-              <a:t>知识源</a:t>
-            </a:r>
-          </a:p>
-          <a:p>
-            <a:pPr lvl="1"/>
-            <a:r>
-              <a:rPr lang="zh-CN" altLang="en-US" dirty="0" smtClean="0"/>
-              <a:t>控制单元</a:t>
-            </a:r>
-            <a:endParaRPr lang="zh-CN" altLang="en-US" dirty="0"/>
-          </a:p>
-        </p:txBody>
-      </p:sp>
-    </p:spTree>
-    <p:extLst>
-      <p:ext uri="{BB962C8B-B14F-4D97-AF65-F5344CB8AC3E}">
-        <p14:creationId xmlns:p14="http://schemas.microsoft.com/office/powerpoint/2010/main" val="778901586"/>
-      </p:ext>
-    </p:extLst>
-  </p:cSld>
-  <p:clrMapOvr>
-    <a:masterClrMapping/>
-  </p:clrMapOvr>
-  <p:timing>
-    <p:tnLst>
-      <p:par>
-        <p:cTn id="1" dur="indefinite" restart="never" nodeType="tmRoot"/>
-      </p:par>
-    </p:tnLst>
-  </p:timing>
-</p:sld>
-</file>
-
 <file path=ppt/slides/slide33.xml><?xml version="1.0" encoding="utf-8"?>
 <p:sld xmlns:a="http://schemas.openxmlformats.org/drawingml/2006/main" xmlns:r="http://schemas.openxmlformats.org/officeDocument/2006/relationships" xmlns:p="http://schemas.openxmlformats.org/presentationml/2006/main">
   <p:cSld>
@@ -27355,14 +27438,9 @@
           <a:lstStyle/>
           <a:p>
             <a:r>
-              <a:rPr lang="zh-CN" altLang="en-US" b="1" dirty="0">
-                <a:solidFill>
-                  <a:srgbClr val="FF6600"/>
-                </a:solidFill>
-              </a:rPr>
-              <a:t>中央数据单元</a:t>
-            </a:r>
-            <a:endParaRPr lang="zh-CN" altLang="en-US" dirty="0"/>
+              <a:rPr lang="zh-CN" altLang="en-US" dirty="0"/>
+              <a:t>黑板风格</a:t>
+            </a:r>
           </a:p>
         </p:txBody>
       </p:sp>
@@ -27381,61 +27459,32 @@
           <a:bodyPr/>
           <a:lstStyle/>
           <a:p>
-            <a:pPr>
-              <a:lnSpc>
-                <a:spcPct val="90000"/>
-              </a:lnSpc>
-            </a:pPr>
+            <a:r>
+              <a:rPr lang="zh-CN" altLang="en-US" dirty="0" smtClean="0"/>
+              <a:t>组件</a:t>
+            </a:r>
+            <a:endParaRPr lang="en-US" altLang="zh-CN" dirty="0" smtClean="0"/>
+          </a:p>
+          <a:p>
+            <a:pPr lvl="1"/>
             <a:r>
               <a:rPr lang="zh-CN" altLang="en-US" dirty="0"/>
-              <a:t>中央数据单元是整个系统的核心部件</a:t>
-            </a:r>
-          </a:p>
-          <a:p>
-            <a:pPr>
-              <a:lnSpc>
-                <a:spcPct val="90000"/>
-              </a:lnSpc>
-            </a:pPr>
+              <a:t>中央数据单元</a:t>
+            </a:r>
+          </a:p>
+          <a:p>
+            <a:pPr lvl="1"/>
             <a:r>
               <a:rPr lang="zh-CN" altLang="en-US" dirty="0"/>
-              <a:t>它对系统需要解决的问题预先进行了分析和定义，总结出了系统运行过程中将要出现的各种状态，并制定了这些状态下系统的相应策略。</a:t>
-            </a:r>
-          </a:p>
-          <a:p>
-            <a:pPr>
-              <a:lnSpc>
-                <a:spcPct val="90000"/>
-              </a:lnSpc>
-            </a:pPr>
-            <a:r>
-              <a:rPr lang="zh-CN" altLang="en-US" dirty="0"/>
-              <a:t>其中的数据不只是单纯的数据信息，它们代表了状态是状态信息。</a:t>
-            </a:r>
-          </a:p>
-          <a:p>
-            <a:pPr>
-              <a:lnSpc>
-                <a:spcPct val="90000"/>
-              </a:lnSpc>
-            </a:pPr>
-            <a:r>
-              <a:rPr lang="zh-CN" altLang="en-US" dirty="0"/>
-              <a:t>这些数据由数据源提供</a:t>
-            </a:r>
-          </a:p>
-          <a:p>
-            <a:pPr>
-              <a:lnSpc>
-                <a:spcPct val="90000"/>
-              </a:lnSpc>
-            </a:pPr>
-            <a:r>
-              <a:rPr lang="zh-CN" altLang="en-US" dirty="0"/>
-              <a:t>数据随数据源信息的改变而变化，从而实现系统的功能。</a:t>
-            </a:r>
-          </a:p>
-          <a:p>
+              <a:t>知识源</a:t>
+            </a:r>
+          </a:p>
+          <a:p>
+            <a:pPr lvl="1"/>
+            <a:r>
+              <a:rPr lang="zh-CN" altLang="en-US" dirty="0" smtClean="0"/>
+              <a:t>控制单元</a:t>
+            </a:r>
             <a:endParaRPr lang="zh-CN" altLang="en-US" dirty="0"/>
           </a:p>
         </p:txBody>
@@ -27443,7 +27492,7 @@
     </p:spTree>
     <p:extLst>
       <p:ext uri="{BB962C8B-B14F-4D97-AF65-F5344CB8AC3E}">
-        <p14:creationId xmlns:p14="http://schemas.microsoft.com/office/powerpoint/2010/main" val="2631932959"/>
+        <p14:creationId xmlns:p14="http://schemas.microsoft.com/office/powerpoint/2010/main" val="778901586"/>
       </p:ext>
     </p:extLst>
   </p:cSld>
@@ -27493,8 +27542,12 @@
           <a:lstStyle/>
           <a:p>
             <a:r>
-              <a:rPr lang="zh-CN" altLang="en-US" dirty="0" smtClean="0"/>
-              <a:t>知识源</a:t>
+              <a:rPr lang="zh-CN" altLang="en-US" b="1" dirty="0">
+                <a:solidFill>
+                  <a:srgbClr val="FF6600"/>
+                </a:solidFill>
+              </a:rPr>
+              <a:t>中央数据单元</a:t>
             </a:r>
             <a:endParaRPr lang="zh-CN" altLang="en-US" dirty="0"/>
           </a:p>
@@ -27515,21 +27568,58 @@
           <a:bodyPr/>
           <a:lstStyle/>
           <a:p>
+            <a:pPr>
+              <a:lnSpc>
+                <a:spcPct val="90000"/>
+              </a:lnSpc>
+            </a:pPr>
             <a:r>
               <a:rPr lang="zh-CN" altLang="en-US" dirty="0"/>
-              <a:t>它们是知识库中信息的来源</a:t>
-            </a:r>
-          </a:p>
-          <a:p>
+              <a:t>中央数据单元是整个系统的核心部件</a:t>
+            </a:r>
+          </a:p>
+          <a:p>
+            <a:pPr>
+              <a:lnSpc>
+                <a:spcPct val="90000"/>
+              </a:lnSpc>
+            </a:pPr>
             <a:r>
               <a:rPr lang="zh-CN" altLang="en-US" dirty="0"/>
-              <a:t>彼此之间在逻辑上和物理上是相互独立的</a:t>
-            </a:r>
-          </a:p>
-          <a:p>
+              <a:t>它对系统需要解决的问题预先进行了分析和定义，总结出了系统运行过程中将要出现的各种状态，并制定了这些状态下系统的相应策略。</a:t>
+            </a:r>
+          </a:p>
+          <a:p>
+            <a:pPr>
+              <a:lnSpc>
+                <a:spcPct val="90000"/>
+              </a:lnSpc>
+            </a:pPr>
             <a:r>
               <a:rPr lang="zh-CN" altLang="en-US" dirty="0"/>
-              <a:t>多个数据源之间通过中央数据单元协调进行交互</a:t>
+              <a:t>其中的数据不只是单纯的数据信息，它们代表了状态是状态信息。</a:t>
+            </a:r>
+          </a:p>
+          <a:p>
+            <a:pPr>
+              <a:lnSpc>
+                <a:spcPct val="90000"/>
+              </a:lnSpc>
+            </a:pPr>
+            <a:r>
+              <a:rPr lang="zh-CN" altLang="en-US" dirty="0"/>
+              <a:t>这些数据由数据源提供</a:t>
+            </a:r>
+          </a:p>
+          <a:p>
+            <a:pPr>
+              <a:lnSpc>
+                <a:spcPct val="90000"/>
+              </a:lnSpc>
+            </a:pPr>
+            <a:r>
+              <a:rPr lang="zh-CN" altLang="en-US" dirty="0"/>
+              <a:t>数据随数据源信息的改变而变化，从而实现系统的功能。</a:t>
             </a:r>
           </a:p>
           <a:p>
@@ -27540,7 +27630,7 @@
     </p:spTree>
     <p:extLst>
       <p:ext uri="{BB962C8B-B14F-4D97-AF65-F5344CB8AC3E}">
-        <p14:creationId xmlns:p14="http://schemas.microsoft.com/office/powerpoint/2010/main" val="116398464"/>
+        <p14:creationId xmlns:p14="http://schemas.microsoft.com/office/powerpoint/2010/main" val="2631932959"/>
       </p:ext>
     </p:extLst>
   </p:cSld>
@@ -27590,9 +27680,10 @@
           <a:lstStyle/>
           <a:p>
             <a:r>
-              <a:rPr lang="zh-CN" altLang="en-US" dirty="0"/>
-              <a:t>控制单元</a:t>
-            </a:r>
+              <a:rPr lang="zh-CN" altLang="en-US" dirty="0" smtClean="0"/>
+              <a:t>知识源</a:t>
+            </a:r>
+            <a:endParaRPr lang="zh-CN" altLang="en-US" dirty="0"/>
           </a:p>
         </p:txBody>
       </p:sp>
@@ -27613,15 +27704,30 @@
           <a:p>
             <a:r>
               <a:rPr lang="zh-CN" altLang="en-US" dirty="0"/>
-              <a:t>控制单元的驱动完全是由知识库的状态变化承担的；知识源将系统需要处理的信息源源不断地输入到知识库中，导致知识库的状态信息发生变化，当状态信息的变化符合系统预先定义好的某些控制策略时，相应的控制单元就被触发，也就实现了系统的功能控制</a:t>
-            </a:r>
+              <a:t>它们是知识库中信息的来源</a:t>
+            </a:r>
+          </a:p>
+          <a:p>
+            <a:r>
+              <a:rPr lang="zh-CN" altLang="en-US" dirty="0"/>
+              <a:t>彼此之间在逻辑上和物理上是相互独立的</a:t>
+            </a:r>
+          </a:p>
+          <a:p>
+            <a:r>
+              <a:rPr lang="zh-CN" altLang="en-US" dirty="0"/>
+              <a:t>多个数据源之间通过中央数据单元协调进行交互</a:t>
+            </a:r>
+          </a:p>
+          <a:p>
+            <a:endParaRPr lang="zh-CN" altLang="en-US" dirty="0"/>
           </a:p>
         </p:txBody>
       </p:sp>
     </p:spTree>
     <p:extLst>
       <p:ext uri="{BB962C8B-B14F-4D97-AF65-F5344CB8AC3E}">
-        <p14:creationId xmlns:p14="http://schemas.microsoft.com/office/powerpoint/2010/main" val="1859123489"/>
+        <p14:creationId xmlns:p14="http://schemas.microsoft.com/office/powerpoint/2010/main" val="116398464"/>
       </p:ext>
     </p:extLst>
   </p:cSld>
@@ -27671,10 +27777,9 @@
           <a:lstStyle/>
           <a:p>
             <a:r>
-              <a:rPr lang="zh-CN" altLang="en-US" dirty="0" smtClean="0"/>
-              <a:t>例子：专家系统</a:t>
-            </a:r>
-            <a:endParaRPr lang="zh-CN" altLang="en-US" dirty="0"/>
+              <a:rPr lang="zh-CN" altLang="en-US" dirty="0"/>
+              <a:t>控制单元</a:t>
+            </a:r>
           </a:p>
         </p:txBody>
       </p:sp>
@@ -27695,7 +27800,7 @@
           <a:p>
             <a:r>
               <a:rPr lang="zh-CN" altLang="en-US" dirty="0"/>
-              <a:t>人工智能领域：专家系统（在某个领域内具有专家水平解题能力的系统；由一个专门领域的知识库，以及一个能获取和运用知识的机构构成的解题程序系统）</a:t>
+              <a:t>控制单元的驱动完全是由知识库的状态变化承担的；知识源将系统需要处理的信息源源不断地输入到知识库中，导致知识库的状态信息发生变化，当状态信息的变化符合系统预先定义好的某些控制策略时，相应的控制单元就被触发，也就实现了系统的功能控制</a:t>
             </a:r>
           </a:p>
         </p:txBody>
@@ -27703,7 +27808,7 @@
     </p:spTree>
     <p:extLst>
       <p:ext uri="{BB962C8B-B14F-4D97-AF65-F5344CB8AC3E}">
-        <p14:creationId xmlns:p14="http://schemas.microsoft.com/office/powerpoint/2010/main" val="1003739661"/>
+        <p14:creationId xmlns:p14="http://schemas.microsoft.com/office/powerpoint/2010/main" val="1859123489"/>
       </p:ext>
     </p:extLst>
   </p:cSld>
@@ -27739,37 +27844,7 @@
       </p:grpSpPr>
       <p:sp>
         <p:nvSpPr>
-          <p:cNvPr id="2" name="文本占位符 1"/>
-          <p:cNvSpPr>
-            <a:spLocks noGrp="1"/>
-          </p:cNvSpPr>
-          <p:nvPr>
-            <p:ph type="body" idx="1"/>
-          </p:nvPr>
-        </p:nvSpPr>
-        <p:spPr/>
-        <p:txBody>
-          <a:bodyPr/>
-          <a:lstStyle/>
-          <a:p>
-            <a:r>
-              <a:rPr lang="zh-CN" altLang="en-US" dirty="0"/>
-              <a:t>它的数据和处理分布在一定范围的多个构件上，    </a:t>
-            </a:r>
-            <a:r>
-              <a:rPr lang="zh-CN" altLang="en-US" dirty="0" smtClean="0"/>
-              <a:t>构件</a:t>
-            </a:r>
-            <a:r>
-              <a:rPr lang="zh-CN" altLang="en-US" dirty="0"/>
-              <a:t>之间通过网络连接</a:t>
-            </a:r>
-          </a:p>
-        </p:txBody>
-      </p:sp>
-      <p:sp>
-        <p:nvSpPr>
-          <p:cNvPr id="3" name="标题 2"/>
+          <p:cNvPr id="2" name="标题 1"/>
           <p:cNvSpPr>
             <a:spLocks noGrp="1"/>
           </p:cNvSpPr>
@@ -27783,17 +27858,39 @@
           <a:lstStyle/>
           <a:p>
             <a:r>
-              <a:rPr lang="en-US" altLang="zh-CN" dirty="0" smtClean="0"/>
-              <a:t>Client/Server</a:t>
+              <a:rPr lang="zh-CN" altLang="en-US" dirty="0" smtClean="0"/>
+              <a:t>例子：专家系统</a:t>
             </a:r>
             <a:endParaRPr lang="zh-CN" altLang="en-US" dirty="0"/>
+          </a:p>
+        </p:txBody>
+      </p:sp>
+      <p:sp>
+        <p:nvSpPr>
+          <p:cNvPr id="3" name="内容占位符 2"/>
+          <p:cNvSpPr>
+            <a:spLocks noGrp="1"/>
+          </p:cNvSpPr>
+          <p:nvPr>
+            <p:ph sz="quarter" idx="1"/>
+          </p:nvPr>
+        </p:nvSpPr>
+        <p:spPr/>
+        <p:txBody>
+          <a:bodyPr/>
+          <a:lstStyle/>
+          <a:p>
+            <a:r>
+              <a:rPr lang="zh-CN" altLang="en-US" dirty="0"/>
+              <a:t>人工智能领域：专家系统（在某个领域内具有专家水平解题能力的系统；由一个专门领域的知识库，以及一个能获取和运用知识的机构构成的解题程序系统）</a:t>
+            </a:r>
           </a:p>
         </p:txBody>
       </p:sp>
     </p:spTree>
     <p:extLst>
       <p:ext uri="{BB962C8B-B14F-4D97-AF65-F5344CB8AC3E}">
-        <p14:creationId xmlns:p14="http://schemas.microsoft.com/office/powerpoint/2010/main" val="239802447"/>
+        <p14:creationId xmlns:p14="http://schemas.microsoft.com/office/powerpoint/2010/main" val="1003739661"/>
       </p:ext>
     </p:extLst>
   </p:cSld>
@@ -27829,6 +27926,96 @@
       </p:grpSpPr>
       <p:sp>
         <p:nvSpPr>
+          <p:cNvPr id="2" name="文本占位符 1"/>
+          <p:cNvSpPr>
+            <a:spLocks noGrp="1"/>
+          </p:cNvSpPr>
+          <p:nvPr>
+            <p:ph type="body" idx="1"/>
+          </p:nvPr>
+        </p:nvSpPr>
+        <p:spPr/>
+        <p:txBody>
+          <a:bodyPr/>
+          <a:lstStyle/>
+          <a:p>
+            <a:r>
+              <a:rPr lang="zh-CN" altLang="en-US" dirty="0"/>
+              <a:t>它的数据和处理分布在一定范围的多个构件上，    </a:t>
+            </a:r>
+            <a:r>
+              <a:rPr lang="zh-CN" altLang="en-US" dirty="0" smtClean="0"/>
+              <a:t>构件</a:t>
+            </a:r>
+            <a:r>
+              <a:rPr lang="zh-CN" altLang="en-US" dirty="0"/>
+              <a:t>之间通过网络连接</a:t>
+            </a:r>
+          </a:p>
+        </p:txBody>
+      </p:sp>
+      <p:sp>
+        <p:nvSpPr>
+          <p:cNvPr id="3" name="标题 2"/>
+          <p:cNvSpPr>
+            <a:spLocks noGrp="1"/>
+          </p:cNvSpPr>
+          <p:nvPr>
+            <p:ph type="title"/>
+          </p:nvPr>
+        </p:nvSpPr>
+        <p:spPr/>
+        <p:txBody>
+          <a:bodyPr/>
+          <a:lstStyle/>
+          <a:p>
+            <a:r>
+              <a:rPr lang="en-US" altLang="zh-CN" dirty="0" smtClean="0"/>
+              <a:t>Client/Server</a:t>
+            </a:r>
+            <a:endParaRPr lang="zh-CN" altLang="en-US" dirty="0"/>
+          </a:p>
+        </p:txBody>
+      </p:sp>
+    </p:spTree>
+    <p:extLst>
+      <p:ext uri="{BB962C8B-B14F-4D97-AF65-F5344CB8AC3E}">
+        <p14:creationId xmlns:p14="http://schemas.microsoft.com/office/powerpoint/2010/main" val="239802447"/>
+      </p:ext>
+    </p:extLst>
+  </p:cSld>
+  <p:clrMapOvr>
+    <a:masterClrMapping/>
+  </p:clrMapOvr>
+  <p:timing>
+    <p:tnLst>
+      <p:par>
+        <p:cTn id="1" dur="indefinite" restart="never" nodeType="tmRoot"/>
+      </p:par>
+    </p:tnLst>
+  </p:timing>
+</p:sld>
+</file>
+
+<file path=ppt/slides/slide39.xml><?xml version="1.0" encoding="utf-8"?>
+<p:sld xmlns:a="http://schemas.openxmlformats.org/drawingml/2006/main" xmlns:r="http://schemas.openxmlformats.org/officeDocument/2006/relationships" xmlns:p="http://schemas.openxmlformats.org/presentationml/2006/main">
+  <p:cSld>
+    <p:spTree>
+      <p:nvGrpSpPr>
+        <p:cNvPr id="1" name=""/>
+        <p:cNvGrpSpPr/>
+        <p:nvPr/>
+      </p:nvGrpSpPr>
+      <p:grpSpPr>
+        <a:xfrm>
+          <a:off x="0" y="0"/>
+          <a:ext cx="0" cy="0"/>
+          <a:chOff x="0" y="0"/>
+          <a:chExt cx="0" cy="0"/>
+        </a:xfrm>
+      </p:grpSpPr>
+      <p:sp>
+        <p:nvSpPr>
           <p:cNvPr id="2" name="标题 1"/>
           <p:cNvSpPr>
             <a:spLocks noGrp="1"/>
@@ -27989,7 +28176,101 @@
 </p:sld>
 </file>
 
-<file path=ppt/slides/slide39.xml><?xml version="1.0" encoding="utf-8"?>
+<file path=ppt/slides/slide4.xml><?xml version="1.0" encoding="utf-8"?>
+<p:sld xmlns:a="http://schemas.openxmlformats.org/drawingml/2006/main" xmlns:r="http://schemas.openxmlformats.org/officeDocument/2006/relationships" xmlns:p="http://schemas.openxmlformats.org/presentationml/2006/main">
+  <p:cSld>
+    <p:spTree>
+      <p:nvGrpSpPr>
+        <p:cNvPr id="1" name=""/>
+        <p:cNvGrpSpPr/>
+        <p:nvPr/>
+      </p:nvGrpSpPr>
+      <p:grpSpPr>
+        <a:xfrm>
+          <a:off x="0" y="0"/>
+          <a:ext cx="0" cy="0"/>
+          <a:chOff x="0" y="0"/>
+          <a:chExt cx="0" cy="0"/>
+        </a:xfrm>
+      </p:grpSpPr>
+      <p:sp>
+        <p:nvSpPr>
+          <p:cNvPr id="2" name="标题 1"/>
+          <p:cNvSpPr>
+            <a:spLocks noGrp="1"/>
+          </p:cNvSpPr>
+          <p:nvPr>
+            <p:ph type="title"/>
+          </p:nvPr>
+        </p:nvSpPr>
+        <p:spPr/>
+        <p:txBody>
+          <a:bodyPr/>
+          <a:lstStyle/>
+          <a:p>
+            <a:r>
+              <a:rPr lang="zh-CN" altLang="en-US" dirty="0" smtClean="0"/>
+              <a:t>例子：调试器</a:t>
+            </a:r>
+            <a:r>
+              <a:rPr lang="en-US" altLang="zh-CN" dirty="0" err="1" smtClean="0"/>
+              <a:t>Debuger</a:t>
+            </a:r>
+            <a:endParaRPr lang="zh-CN" altLang="en-US" dirty="0"/>
+          </a:p>
+        </p:txBody>
+      </p:sp>
+      <p:pic>
+        <p:nvPicPr>
+          <p:cNvPr id="4" name="Picture 4" descr="31"/>
+          <p:cNvPicPr>
+            <a:picLocks noGrp="1" noChangeAspect="1" noChangeArrowheads="1"/>
+          </p:cNvPicPr>
+          <p:nvPr>
+            <p:ph sz="quarter" idx="1"/>
+          </p:nvPr>
+        </p:nvPicPr>
+        <p:blipFill>
+          <a:blip r:embed="rId2">
+            <a:extLst>
+              <a:ext uri="{28A0092B-C50C-407E-A947-70E740481C1C}">
+                <a14:useLocalDpi xmlns:a14="http://schemas.microsoft.com/office/drawing/2010/main" val="0"/>
+              </a:ext>
+            </a:extLst>
+          </a:blip>
+          <a:srcRect/>
+          <a:stretch>
+            <a:fillRect/>
+          </a:stretch>
+        </p:blipFill>
+        <p:spPr>
+          <a:xfrm>
+            <a:off x="2000672" y="1772816"/>
+            <a:ext cx="5994400" cy="4495800"/>
+          </a:xfrm>
+        </p:spPr>
+      </p:pic>
+    </p:spTree>
+    <p:extLst>
+      <p:ext uri="{BB962C8B-B14F-4D97-AF65-F5344CB8AC3E}">
+        <p14:creationId xmlns:p14="http://schemas.microsoft.com/office/powerpoint/2010/main" val="1747342370"/>
+      </p:ext>
+    </p:extLst>
+  </p:cSld>
+  <p:clrMapOvr>
+    <a:masterClrMapping/>
+  </p:clrMapOvr>
+  <p:timing>
+    <p:tnLst>
+      <p:par>
+        <p:cTn id="1" dur="indefinite" restart="never" nodeType="tmRoot"/>
+      </p:par>
+    </p:tnLst>
+  </p:timing>
+</p:sld>
+</file>
+
+<file path=ppt/slides/slide40.xml><?xml version="1.0" encoding="utf-8"?>
 <p:sld xmlns:a="http://schemas.openxmlformats.org/drawingml/2006/main" xmlns:r="http://schemas.openxmlformats.org/officeDocument/2006/relationships" xmlns:p="http://schemas.openxmlformats.org/presentationml/2006/main">
   <p:cSld>
     <p:spTree>
@@ -28496,1857 +28777,7 @@
 </p:sld>
 </file>
 
-<file path=ppt/slides/slide4.xml><?xml version="1.0" encoding="utf-8"?>
-<p:sld xmlns:a="http://schemas.openxmlformats.org/drawingml/2006/main" xmlns:r="http://schemas.openxmlformats.org/officeDocument/2006/relationships" xmlns:p="http://schemas.openxmlformats.org/presentationml/2006/main">
-  <p:cSld>
-    <p:spTree>
-      <p:nvGrpSpPr>
-        <p:cNvPr id="1" name=""/>
-        <p:cNvGrpSpPr/>
-        <p:nvPr/>
-      </p:nvGrpSpPr>
-      <p:grpSpPr>
-        <a:xfrm>
-          <a:off x="0" y="0"/>
-          <a:ext cx="0" cy="0"/>
-          <a:chOff x="0" y="0"/>
-          <a:chExt cx="0" cy="0"/>
-        </a:xfrm>
-      </p:grpSpPr>
-      <p:sp>
-        <p:nvSpPr>
-          <p:cNvPr id="2" name="标题 1"/>
-          <p:cNvSpPr>
-            <a:spLocks noGrp="1"/>
-          </p:cNvSpPr>
-          <p:nvPr>
-            <p:ph type="title"/>
-          </p:nvPr>
-        </p:nvSpPr>
-        <p:spPr/>
-        <p:txBody>
-          <a:bodyPr/>
-          <a:lstStyle/>
-          <a:p>
-            <a:endParaRPr lang="zh-CN" altLang="en-US"/>
-          </a:p>
-        </p:txBody>
-      </p:sp>
-      <p:grpSp>
-        <p:nvGrpSpPr>
-          <p:cNvPr id="4" name="Group 18"/>
-          <p:cNvGrpSpPr>
-            <a:grpSpLocks/>
-          </p:cNvGrpSpPr>
-          <p:nvPr/>
-        </p:nvGrpSpPr>
-        <p:grpSpPr bwMode="auto">
-          <a:xfrm>
-            <a:off x="2916238" y="4437063"/>
-            <a:ext cx="5976937" cy="1152525"/>
-            <a:chOff x="1837" y="2795"/>
-            <a:chExt cx="3765" cy="726"/>
-          </a:xfrm>
-        </p:grpSpPr>
-        <p:sp>
-          <p:nvSpPr>
-            <p:cNvPr id="5" name="AutoShape 4"/>
-            <p:cNvSpPr>
-              <a:spLocks noChangeArrowheads="1"/>
-            </p:cNvSpPr>
-            <p:nvPr/>
-          </p:nvSpPr>
-          <p:spPr bwMode="auto">
-            <a:xfrm>
-              <a:off x="1837" y="2795"/>
-              <a:ext cx="1633" cy="726"/>
-            </a:xfrm>
-            <a:prstGeom prst="cube">
-              <a:avLst>
-                <a:gd name="adj" fmla="val 25000"/>
-              </a:avLst>
-            </a:prstGeom>
-            <a:solidFill>
-              <a:srgbClr val="CCFFCC"/>
-            </a:solidFill>
-            <a:ln w="9525">
-              <a:solidFill>
-                <a:schemeClr val="tx1"/>
-              </a:solidFill>
-              <a:miter lim="800000"/>
-              <a:headEnd/>
-              <a:tailEnd/>
-            </a:ln>
-            <a:effectLst/>
-            <a:extLst>
-              <a:ext uri="{AF507438-7753-43E0-B8FC-AC1667EBCBE1}">
-                <a14:hiddenEffects xmlns:a14="http://schemas.microsoft.com/office/drawing/2010/main">
-                  <a:effectLst>
-                    <a:outerShdw dist="35921" dir="2700000" algn="ctr" rotWithShape="0">
-                      <a:schemeClr val="bg2"/>
-                    </a:outerShdw>
-                  </a:effectLst>
-                </a14:hiddenEffects>
-              </a:ext>
-            </a:extLst>
-          </p:spPr>
-          <p:txBody>
-            <a:bodyPr wrap="none" anchor="ctr"/>
-            <a:lstStyle/>
-            <a:p>
-              <a:pPr algn="ctr"/>
-              <a:r>
-                <a:rPr lang="zh-CN" altLang="en-US"/>
-                <a:t>文本编辑器</a:t>
-              </a:r>
-            </a:p>
-          </p:txBody>
-        </p:sp>
-        <p:sp>
-          <p:nvSpPr>
-            <p:cNvPr id="6" name="AutoShape 5"/>
-            <p:cNvSpPr>
-              <a:spLocks noChangeArrowheads="1"/>
-            </p:cNvSpPr>
-            <p:nvPr/>
-          </p:nvSpPr>
-          <p:spPr bwMode="auto">
-            <a:xfrm>
-              <a:off x="3969" y="2795"/>
-              <a:ext cx="1633" cy="681"/>
-            </a:xfrm>
-            <a:prstGeom prst="cube">
-              <a:avLst>
-                <a:gd name="adj" fmla="val 25000"/>
-              </a:avLst>
-            </a:prstGeom>
-            <a:solidFill>
-              <a:srgbClr val="99CCFF"/>
-            </a:solidFill>
-            <a:ln w="9525">
-              <a:solidFill>
-                <a:schemeClr val="tx1"/>
-              </a:solidFill>
-              <a:miter lim="800000"/>
-              <a:headEnd/>
-              <a:tailEnd/>
-            </a:ln>
-            <a:effectLst/>
-            <a:extLst>
-              <a:ext uri="{AF507438-7753-43E0-B8FC-AC1667EBCBE1}">
-                <a14:hiddenEffects xmlns:a14="http://schemas.microsoft.com/office/drawing/2010/main">
-                  <a:effectLst>
-                    <a:outerShdw dist="35921" dir="2700000" algn="ctr" rotWithShape="0">
-                      <a:schemeClr val="bg2"/>
-                    </a:outerShdw>
-                  </a:effectLst>
-                </a14:hiddenEffects>
-              </a:ext>
-            </a:extLst>
-          </p:spPr>
-          <p:txBody>
-            <a:bodyPr wrap="none" anchor="ctr"/>
-            <a:lstStyle/>
-            <a:p>
-              <a:pPr algn="ctr"/>
-              <a:r>
-                <a:rPr lang="zh-CN" altLang="en-US"/>
-                <a:t>变量编辑器</a:t>
-              </a:r>
-            </a:p>
-          </p:txBody>
-        </p:sp>
-      </p:grpSp>
-      <p:sp>
-        <p:nvSpPr>
-          <p:cNvPr id="7" name="AutoShape 6"/>
-          <p:cNvSpPr>
-            <a:spLocks noChangeArrowheads="1"/>
-          </p:cNvSpPr>
-          <p:nvPr/>
-        </p:nvSpPr>
-        <p:spPr bwMode="auto">
-          <a:xfrm>
-            <a:off x="971550" y="2060575"/>
-            <a:ext cx="2592388" cy="1081088"/>
-          </a:xfrm>
-          <a:prstGeom prst="cube">
-            <a:avLst>
-              <a:gd name="adj" fmla="val 25000"/>
-            </a:avLst>
-          </a:prstGeom>
-          <a:solidFill>
-            <a:schemeClr val="accent1"/>
-          </a:solidFill>
-          <a:ln w="9525">
-            <a:solidFill>
-              <a:schemeClr val="tx1"/>
-            </a:solidFill>
-            <a:miter lim="800000"/>
-            <a:headEnd/>
-            <a:tailEnd/>
-          </a:ln>
-          <a:effectLst/>
-          <a:extLst>
-            <a:ext uri="{AF507438-7753-43E0-B8FC-AC1667EBCBE1}">
-              <a14:hiddenEffects xmlns:a14="http://schemas.microsoft.com/office/drawing/2010/main">
-                <a:effectLst>
-                  <a:outerShdw dist="35921" dir="2700000" algn="ctr" rotWithShape="0">
-                    <a:schemeClr val="bg2"/>
-                  </a:outerShdw>
-                </a:effectLst>
-              </a14:hiddenEffects>
-            </a:ext>
-          </a:extLst>
-        </p:spPr>
-        <p:txBody>
-          <a:bodyPr wrap="none" anchor="ctr"/>
-          <a:lstStyle/>
-          <a:p>
-            <a:pPr algn="ctr"/>
-            <a:r>
-              <a:rPr lang="zh-CN" altLang="en-US"/>
-              <a:t>调试器</a:t>
-            </a:r>
-          </a:p>
-        </p:txBody>
-      </p:sp>
-      <p:sp>
-        <p:nvSpPr>
-          <p:cNvPr id="8" name="AutoShape 7"/>
-          <p:cNvSpPr>
-            <a:spLocks noChangeArrowheads="1"/>
-          </p:cNvSpPr>
-          <p:nvPr/>
-        </p:nvSpPr>
-        <p:spPr bwMode="auto">
-          <a:xfrm>
-            <a:off x="3635375" y="1989138"/>
-            <a:ext cx="1512888" cy="1223962"/>
-          </a:xfrm>
-          <a:prstGeom prst="rightArrow">
-            <a:avLst>
-              <a:gd name="adj1" fmla="val 50000"/>
-              <a:gd name="adj2" fmla="val 30901"/>
-            </a:avLst>
-          </a:prstGeom>
-          <a:solidFill>
-            <a:schemeClr val="accent1"/>
-          </a:solidFill>
-          <a:ln w="9525">
-            <a:solidFill>
-              <a:schemeClr val="tx1"/>
-            </a:solidFill>
-            <a:miter lim="800000"/>
-            <a:headEnd/>
-            <a:tailEnd/>
-          </a:ln>
-          <a:effectLst/>
-          <a:extLst>
-            <a:ext uri="{AF507438-7753-43E0-B8FC-AC1667EBCBE1}">
-              <a14:hiddenEffects xmlns:a14="http://schemas.microsoft.com/office/drawing/2010/main">
-                <a:effectLst>
-                  <a:outerShdw dist="35921" dir="2700000" algn="ctr" rotWithShape="0">
-                    <a:schemeClr val="bg2"/>
-                  </a:outerShdw>
-                </a:effectLst>
-              </a14:hiddenEffects>
-            </a:ext>
-          </a:extLst>
-        </p:spPr>
-        <p:txBody>
-          <a:bodyPr wrap="none" anchor="ctr"/>
-          <a:lstStyle/>
-          <a:p>
-            <a:pPr algn="ctr"/>
-            <a:r>
-              <a:rPr lang="zh-CN" altLang="en-US"/>
-              <a:t>声明</a:t>
-            </a:r>
-          </a:p>
-        </p:txBody>
-      </p:sp>
-      <p:sp>
-        <p:nvSpPr>
-          <p:cNvPr id="9" name="AutoShape 8"/>
-          <p:cNvSpPr>
-            <a:spLocks noChangeArrowheads="1"/>
-          </p:cNvSpPr>
-          <p:nvPr/>
-        </p:nvSpPr>
-        <p:spPr bwMode="auto">
-          <a:xfrm>
-            <a:off x="5148263" y="2349500"/>
-            <a:ext cx="2232025" cy="935038"/>
-          </a:xfrm>
-          <a:prstGeom prst="cloudCallout">
-            <a:avLst>
-              <a:gd name="adj1" fmla="val -12375"/>
-              <a:gd name="adj2" fmla="val 43718"/>
-            </a:avLst>
-          </a:prstGeom>
-          <a:solidFill>
-            <a:srgbClr val="FFFF99">
-              <a:alpha val="69000"/>
-            </a:srgbClr>
-          </a:solidFill>
-          <a:ln>
-            <a:noFill/>
-          </a:ln>
-          <a:effectLst/>
-          <a:extLst>
-            <a:ext uri="{91240B29-F687-4F45-9708-019B960494DF}">
-              <a14:hiddenLine xmlns:a14="http://schemas.microsoft.com/office/drawing/2010/main" w="9525">
-                <a:solidFill>
-                  <a:schemeClr val="tx1"/>
-                </a:solidFill>
-                <a:round/>
-                <a:headEnd/>
-                <a:tailEnd/>
-              </a14:hiddenLine>
-            </a:ext>
-            <a:ext uri="{AF507438-7753-43E0-B8FC-AC1667EBCBE1}">
-              <a14:hiddenEffects xmlns:a14="http://schemas.microsoft.com/office/drawing/2010/main">
-                <a:effectLst>
-                  <a:outerShdw dist="35921" dir="2700000" algn="ctr" rotWithShape="0">
-                    <a:schemeClr val="bg2"/>
-                  </a:outerShdw>
-                </a:effectLst>
-              </a14:hiddenEffects>
-            </a:ext>
-          </a:extLst>
-        </p:spPr>
-        <p:txBody>
-          <a:bodyPr/>
-          <a:lstStyle/>
-          <a:p>
-            <a:pPr algn="ctr"/>
-            <a:r>
-              <a:rPr lang="zh-CN" altLang="en-US"/>
-              <a:t>断点事件</a:t>
-            </a:r>
-          </a:p>
-        </p:txBody>
-      </p:sp>
-      <p:grpSp>
-        <p:nvGrpSpPr>
-          <p:cNvPr id="10" name="Group 13"/>
-          <p:cNvGrpSpPr>
-            <a:grpSpLocks/>
-          </p:cNvGrpSpPr>
-          <p:nvPr/>
-        </p:nvGrpSpPr>
-        <p:grpSpPr bwMode="auto">
-          <a:xfrm>
-            <a:off x="3851275" y="3284538"/>
-            <a:ext cx="1223963" cy="1152525"/>
-            <a:chOff x="2608" y="1991"/>
-            <a:chExt cx="771" cy="726"/>
-          </a:xfrm>
-        </p:grpSpPr>
-        <p:sp>
-          <p:nvSpPr>
-            <p:cNvPr id="11" name="AutoShape 9"/>
-            <p:cNvSpPr>
-              <a:spLocks noChangeArrowheads="1"/>
-            </p:cNvSpPr>
-            <p:nvPr/>
-          </p:nvSpPr>
-          <p:spPr bwMode="auto">
-            <a:xfrm rot="1800000">
-              <a:off x="2970" y="1991"/>
-              <a:ext cx="409" cy="726"/>
-            </a:xfrm>
-            <a:prstGeom prst="upArrow">
-              <a:avLst>
-                <a:gd name="adj1" fmla="val 50000"/>
-                <a:gd name="adj2" fmla="val 44377"/>
-              </a:avLst>
-            </a:prstGeom>
-            <a:solidFill>
-              <a:srgbClr val="CCFFCC"/>
-            </a:solidFill>
-            <a:ln w="9525">
-              <a:solidFill>
-                <a:schemeClr val="tx1"/>
-              </a:solidFill>
-              <a:miter lim="800000"/>
-              <a:headEnd/>
-              <a:tailEnd/>
-            </a:ln>
-            <a:effectLst/>
-            <a:extLst>
-              <a:ext uri="{AF507438-7753-43E0-B8FC-AC1667EBCBE1}">
-                <a14:hiddenEffects xmlns:a14="http://schemas.microsoft.com/office/drawing/2010/main">
-                  <a:effectLst>
-                    <a:outerShdw dist="35921" dir="2700000" algn="ctr" rotWithShape="0">
-                      <a:schemeClr val="bg2"/>
-                    </a:outerShdw>
-                  </a:effectLst>
-                </a14:hiddenEffects>
-              </a:ext>
-            </a:extLst>
-          </p:spPr>
-          <p:txBody>
-            <a:bodyPr vert="eaVert" wrap="none" anchor="ctr"/>
-            <a:lstStyle/>
-            <a:p>
-              <a:endParaRPr lang="zh-CN" altLang="en-US"/>
-            </a:p>
-          </p:txBody>
-        </p:sp>
-        <p:sp>
-          <p:nvSpPr>
-            <p:cNvPr id="12" name="Rectangle 11"/>
-            <p:cNvSpPr>
-              <a:spLocks noChangeArrowheads="1"/>
-            </p:cNvSpPr>
-            <p:nvPr/>
-          </p:nvSpPr>
-          <p:spPr bwMode="auto">
-            <a:xfrm>
-              <a:off x="2608" y="2115"/>
-              <a:ext cx="453" cy="363"/>
-            </a:xfrm>
-            <a:prstGeom prst="rect">
-              <a:avLst/>
-            </a:prstGeom>
-            <a:noFill/>
-            <a:ln>
-              <a:noFill/>
-            </a:ln>
-            <a:effectLst/>
-            <a:extLst>
-              <a:ext uri="{909E8E84-426E-40DD-AFC4-6F175D3DCCD1}">
-                <a14:hiddenFill xmlns:a14="http://schemas.microsoft.com/office/drawing/2010/main">
-                  <a:solidFill>
-                    <a:schemeClr val="accent1"/>
-                  </a:solidFill>
-                </a14:hiddenFill>
-              </a:ext>
-              <a:ext uri="{91240B29-F687-4F45-9708-019B960494DF}">
-                <a14:hiddenLine xmlns:a14="http://schemas.microsoft.com/office/drawing/2010/main" w="9525">
-                  <a:solidFill>
-                    <a:schemeClr val="tx1"/>
-                  </a:solidFill>
-                  <a:miter lim="800000"/>
-                  <a:headEnd/>
-                  <a:tailEnd/>
-                </a14:hiddenLine>
-              </a:ext>
-              <a:ext uri="{AF507438-7753-43E0-B8FC-AC1667EBCBE1}">
-                <a14:hiddenEffects xmlns:a14="http://schemas.microsoft.com/office/drawing/2010/main">
-                  <a:effectLst>
-                    <a:outerShdw dist="35921" dir="2700000" algn="ctr" rotWithShape="0">
-                      <a:schemeClr val="bg2"/>
-                    </a:outerShdw>
-                  </a:effectLst>
-                </a14:hiddenEffects>
-              </a:ext>
-            </a:extLst>
-          </p:spPr>
-          <p:txBody>
-            <a:bodyPr wrap="none" anchor="ctr"/>
-            <a:lstStyle/>
-            <a:p>
-              <a:pPr algn="ctr"/>
-              <a:r>
-                <a:rPr lang="zh-CN" altLang="en-US"/>
-                <a:t>注册</a:t>
-              </a:r>
-            </a:p>
-          </p:txBody>
-        </p:sp>
-      </p:grpSp>
-      <p:grpSp>
-        <p:nvGrpSpPr>
-          <p:cNvPr id="13" name="Group 14"/>
-          <p:cNvGrpSpPr>
-            <a:grpSpLocks/>
-          </p:cNvGrpSpPr>
-          <p:nvPr/>
-        </p:nvGrpSpPr>
-        <p:grpSpPr bwMode="auto">
-          <a:xfrm>
-            <a:off x="7019925" y="3284538"/>
-            <a:ext cx="1296988" cy="1079500"/>
-            <a:chOff x="4150" y="2024"/>
-            <a:chExt cx="817" cy="680"/>
-          </a:xfrm>
-        </p:grpSpPr>
-        <p:sp>
-          <p:nvSpPr>
-            <p:cNvPr id="14" name="AutoShape 10"/>
-            <p:cNvSpPr>
-              <a:spLocks noChangeArrowheads="1"/>
-            </p:cNvSpPr>
-            <p:nvPr/>
-          </p:nvSpPr>
-          <p:spPr bwMode="auto">
-            <a:xfrm rot="19800000">
-              <a:off x="4150" y="2024"/>
-              <a:ext cx="408" cy="680"/>
-            </a:xfrm>
-            <a:prstGeom prst="upArrow">
-              <a:avLst>
-                <a:gd name="adj1" fmla="val 50000"/>
-                <a:gd name="adj2" fmla="val 41667"/>
-              </a:avLst>
-            </a:prstGeom>
-            <a:solidFill>
-              <a:srgbClr val="99CCFF"/>
-            </a:solidFill>
-            <a:ln w="9525">
-              <a:solidFill>
-                <a:schemeClr val="tx1"/>
-              </a:solidFill>
-              <a:miter lim="800000"/>
-              <a:headEnd/>
-              <a:tailEnd/>
-            </a:ln>
-            <a:effectLst/>
-            <a:extLst>
-              <a:ext uri="{AF507438-7753-43E0-B8FC-AC1667EBCBE1}">
-                <a14:hiddenEffects xmlns:a14="http://schemas.microsoft.com/office/drawing/2010/main">
-                  <a:effectLst>
-                    <a:outerShdw dist="35921" dir="2700000" algn="ctr" rotWithShape="0">
-                      <a:schemeClr val="bg2"/>
-                    </a:outerShdw>
-                  </a:effectLst>
-                </a14:hiddenEffects>
-              </a:ext>
-            </a:extLst>
-          </p:spPr>
-          <p:txBody>
-            <a:bodyPr vert="eaVert" wrap="none" anchor="ctr"/>
-            <a:lstStyle/>
-            <a:p>
-              <a:endParaRPr lang="zh-CN" altLang="en-US"/>
-            </a:p>
-          </p:txBody>
-        </p:sp>
-        <p:sp>
-          <p:nvSpPr>
-            <p:cNvPr id="15" name="Rectangle 12"/>
-            <p:cNvSpPr>
-              <a:spLocks noChangeArrowheads="1"/>
-            </p:cNvSpPr>
-            <p:nvPr/>
-          </p:nvSpPr>
-          <p:spPr bwMode="auto">
-            <a:xfrm>
-              <a:off x="4332" y="2160"/>
-              <a:ext cx="635" cy="272"/>
-            </a:xfrm>
-            <a:prstGeom prst="rect">
-              <a:avLst/>
-            </a:prstGeom>
-            <a:noFill/>
-            <a:ln>
-              <a:noFill/>
-            </a:ln>
-            <a:effectLst/>
-            <a:extLst>
-              <a:ext uri="{909E8E84-426E-40DD-AFC4-6F175D3DCCD1}">
-                <a14:hiddenFill xmlns:a14="http://schemas.microsoft.com/office/drawing/2010/main">
-                  <a:solidFill>
-                    <a:schemeClr val="accent1"/>
-                  </a:solidFill>
-                </a14:hiddenFill>
-              </a:ext>
-              <a:ext uri="{91240B29-F687-4F45-9708-019B960494DF}">
-                <a14:hiddenLine xmlns:a14="http://schemas.microsoft.com/office/drawing/2010/main" w="9525">
-                  <a:solidFill>
-                    <a:schemeClr val="tx1"/>
-                  </a:solidFill>
-                  <a:miter lim="800000"/>
-                  <a:headEnd/>
-                  <a:tailEnd/>
-                </a14:hiddenLine>
-              </a:ext>
-              <a:ext uri="{AF507438-7753-43E0-B8FC-AC1667EBCBE1}">
-                <a14:hiddenEffects xmlns:a14="http://schemas.microsoft.com/office/drawing/2010/main">
-                  <a:effectLst>
-                    <a:outerShdw dist="35921" dir="2700000" algn="ctr" rotWithShape="0">
-                      <a:schemeClr val="bg2"/>
-                    </a:outerShdw>
-                  </a:effectLst>
-                </a14:hiddenEffects>
-              </a:ext>
-            </a:extLst>
-          </p:spPr>
-          <p:txBody>
-            <a:bodyPr wrap="none" anchor="ctr"/>
-            <a:lstStyle/>
-            <a:p>
-              <a:pPr algn="ctr"/>
-              <a:r>
-                <a:rPr lang="zh-CN" altLang="en-US"/>
-                <a:t>注册</a:t>
-              </a:r>
-            </a:p>
-          </p:txBody>
-        </p:sp>
-      </p:grpSp>
-      <p:sp>
-        <p:nvSpPr>
-          <p:cNvPr id="16" name="AutoShape 15"/>
-          <p:cNvSpPr>
-            <a:spLocks noChangeArrowheads="1"/>
-          </p:cNvSpPr>
-          <p:nvPr/>
-        </p:nvSpPr>
-        <p:spPr bwMode="auto">
-          <a:xfrm>
-            <a:off x="5724525" y="3429000"/>
-            <a:ext cx="504825" cy="2449513"/>
-          </a:xfrm>
-          <a:prstGeom prst="downArrow">
-            <a:avLst>
-              <a:gd name="adj1" fmla="val 50000"/>
-              <a:gd name="adj2" fmla="val 121305"/>
-            </a:avLst>
-          </a:prstGeom>
-          <a:solidFill>
-            <a:schemeClr val="accent1"/>
-          </a:solidFill>
-          <a:ln w="9525">
-            <a:solidFill>
-              <a:schemeClr val="tx1"/>
-            </a:solidFill>
-            <a:miter lim="800000"/>
-            <a:headEnd/>
-            <a:tailEnd/>
-          </a:ln>
-          <a:effectLst/>
-          <a:extLst>
-            <a:ext uri="{AF507438-7753-43E0-B8FC-AC1667EBCBE1}">
-              <a14:hiddenEffects xmlns:a14="http://schemas.microsoft.com/office/drawing/2010/main">
-                <a:effectLst>
-                  <a:outerShdw dist="35921" dir="2700000" algn="ctr" rotWithShape="0">
-                    <a:schemeClr val="bg2"/>
-                  </a:outerShdw>
-                </a:effectLst>
-              </a14:hiddenEffects>
-            </a:ext>
-          </a:extLst>
-        </p:spPr>
-        <p:txBody>
-          <a:bodyPr vert="eaVert" wrap="none" anchor="ctr"/>
-          <a:lstStyle/>
-          <a:p>
-            <a:endParaRPr lang="zh-CN" altLang="en-US"/>
-          </a:p>
-        </p:txBody>
-      </p:sp>
-      <p:sp>
-        <p:nvSpPr>
-          <p:cNvPr id="17" name="Rectangle 16"/>
-          <p:cNvSpPr>
-            <a:spLocks noChangeArrowheads="1"/>
-          </p:cNvSpPr>
-          <p:nvPr/>
-        </p:nvSpPr>
-        <p:spPr bwMode="auto">
-          <a:xfrm>
-            <a:off x="2916238" y="5949950"/>
-            <a:ext cx="2951162" cy="719138"/>
-          </a:xfrm>
-          <a:prstGeom prst="rect">
-            <a:avLst/>
-          </a:prstGeom>
-          <a:solidFill>
-            <a:srgbClr val="FFCC99"/>
-          </a:solidFill>
-          <a:ln w="9525">
-            <a:solidFill>
-              <a:schemeClr val="tx1"/>
-            </a:solidFill>
-            <a:miter lim="800000"/>
-            <a:headEnd/>
-            <a:tailEnd/>
-          </a:ln>
-          <a:effectLst/>
-          <a:extLst>
-            <a:ext uri="{AF507438-7753-43E0-B8FC-AC1667EBCBE1}">
-              <a14:hiddenEffects xmlns:a14="http://schemas.microsoft.com/office/drawing/2010/main">
-                <a:effectLst>
-                  <a:outerShdw dist="35921" dir="2700000" algn="ctr" rotWithShape="0">
-                    <a:schemeClr val="bg2"/>
-                  </a:outerShdw>
-                </a:effectLst>
-              </a14:hiddenEffects>
-            </a:ext>
-          </a:extLst>
-        </p:spPr>
-        <p:txBody>
-          <a:bodyPr wrap="none" anchor="ctr"/>
-          <a:lstStyle/>
-          <a:p>
-            <a:pPr algn="ctr"/>
-            <a:r>
-              <a:rPr lang="zh-CN" altLang="en-US"/>
-              <a:t>滚动屏幕到断点处</a:t>
-            </a:r>
-          </a:p>
-        </p:txBody>
-      </p:sp>
-      <p:sp>
-        <p:nvSpPr>
-          <p:cNvPr id="18" name="Rectangle 17"/>
-          <p:cNvSpPr>
-            <a:spLocks noChangeArrowheads="1"/>
-          </p:cNvSpPr>
-          <p:nvPr/>
-        </p:nvSpPr>
-        <p:spPr bwMode="auto">
-          <a:xfrm>
-            <a:off x="5940425" y="5949950"/>
-            <a:ext cx="2951163" cy="719138"/>
-          </a:xfrm>
-          <a:prstGeom prst="rect">
-            <a:avLst/>
-          </a:prstGeom>
-          <a:solidFill>
-            <a:srgbClr val="FFCC99"/>
-          </a:solidFill>
-          <a:ln w="9525">
-            <a:solidFill>
-              <a:schemeClr val="tx1"/>
-            </a:solidFill>
-            <a:miter lim="800000"/>
-            <a:headEnd/>
-            <a:tailEnd/>
-          </a:ln>
-          <a:effectLst/>
-          <a:extLst>
-            <a:ext uri="{AF507438-7753-43E0-B8FC-AC1667EBCBE1}">
-              <a14:hiddenEffects xmlns:a14="http://schemas.microsoft.com/office/drawing/2010/main">
-                <a:effectLst>
-                  <a:outerShdw dist="35921" dir="2700000" algn="ctr" rotWithShape="0">
-                    <a:schemeClr val="bg2"/>
-                  </a:outerShdw>
-                </a:effectLst>
-              </a14:hiddenEffects>
-            </a:ext>
-          </a:extLst>
-        </p:spPr>
-        <p:txBody>
-          <a:bodyPr wrap="none" anchor="ctr"/>
-          <a:lstStyle/>
-          <a:p>
-            <a:pPr algn="ctr"/>
-            <a:r>
-              <a:rPr lang="zh-CN" altLang="en-US"/>
-              <a:t>刷新变量的当前值</a:t>
-            </a:r>
-          </a:p>
-        </p:txBody>
-      </p:sp>
-      <p:sp>
-        <p:nvSpPr>
-          <p:cNvPr id="19" name="AutoShape 19"/>
-          <p:cNvSpPr>
-            <a:spLocks noChangeArrowheads="1"/>
-          </p:cNvSpPr>
-          <p:nvPr/>
-        </p:nvSpPr>
-        <p:spPr bwMode="auto">
-          <a:xfrm>
-            <a:off x="5940425" y="404813"/>
-            <a:ext cx="2519363" cy="1079500"/>
-          </a:xfrm>
-          <a:prstGeom prst="cube">
-            <a:avLst>
-              <a:gd name="adj" fmla="val 25000"/>
-            </a:avLst>
-          </a:prstGeom>
-          <a:solidFill>
-            <a:srgbClr val="FF99CC"/>
-          </a:solidFill>
-          <a:ln w="9525">
-            <a:solidFill>
-              <a:schemeClr val="tx1"/>
-            </a:solidFill>
-            <a:miter lim="800000"/>
-            <a:headEnd/>
-            <a:tailEnd/>
-          </a:ln>
-          <a:effectLst/>
-          <a:extLst>
-            <a:ext uri="{AF507438-7753-43E0-B8FC-AC1667EBCBE1}">
-              <a14:hiddenEffects xmlns:a14="http://schemas.microsoft.com/office/drawing/2010/main">
-                <a:effectLst>
-                  <a:outerShdw dist="35921" dir="2700000" algn="ctr" rotWithShape="0">
-                    <a:schemeClr val="bg2"/>
-                  </a:outerShdw>
-                </a:effectLst>
-              </a14:hiddenEffects>
-            </a:ext>
-          </a:extLst>
-        </p:spPr>
-        <p:txBody>
-          <a:bodyPr wrap="none" anchor="ctr"/>
-          <a:lstStyle/>
-          <a:p>
-            <a:pPr algn="ctr"/>
-            <a:r>
-              <a:rPr lang="zh-CN" altLang="en-US"/>
-              <a:t>编译器</a:t>
-            </a:r>
-          </a:p>
-        </p:txBody>
-      </p:sp>
-      <p:grpSp>
-        <p:nvGrpSpPr>
-          <p:cNvPr id="20" name="Group 22"/>
-          <p:cNvGrpSpPr>
-            <a:grpSpLocks/>
-          </p:cNvGrpSpPr>
-          <p:nvPr/>
-        </p:nvGrpSpPr>
-        <p:grpSpPr bwMode="auto">
-          <a:xfrm>
-            <a:off x="6480175" y="1422400"/>
-            <a:ext cx="1620838" cy="936625"/>
-            <a:chOff x="4082" y="896"/>
-            <a:chExt cx="1021" cy="590"/>
-          </a:xfrm>
-        </p:grpSpPr>
-        <p:sp>
-          <p:nvSpPr>
-            <p:cNvPr id="21" name="AutoShape 20"/>
-            <p:cNvSpPr>
-              <a:spLocks noChangeArrowheads="1"/>
-            </p:cNvSpPr>
-            <p:nvPr/>
-          </p:nvSpPr>
-          <p:spPr bwMode="auto">
-            <a:xfrm rot="1800000">
-              <a:off x="4082" y="896"/>
-              <a:ext cx="318" cy="590"/>
-            </a:xfrm>
-            <a:prstGeom prst="downArrow">
-              <a:avLst>
-                <a:gd name="adj1" fmla="val 50000"/>
-                <a:gd name="adj2" fmla="val 46384"/>
-              </a:avLst>
-            </a:prstGeom>
-            <a:solidFill>
-              <a:srgbClr val="FF99CC"/>
-            </a:solidFill>
-            <a:ln w="9525">
-              <a:solidFill>
-                <a:schemeClr val="tx1"/>
-              </a:solidFill>
-              <a:miter lim="800000"/>
-              <a:headEnd/>
-              <a:tailEnd/>
-            </a:ln>
-            <a:effectLst/>
-            <a:extLst>
-              <a:ext uri="{AF507438-7753-43E0-B8FC-AC1667EBCBE1}">
-                <a14:hiddenEffects xmlns:a14="http://schemas.microsoft.com/office/drawing/2010/main">
-                  <a:effectLst>
-                    <a:outerShdw dist="35921" dir="2700000" algn="ctr" rotWithShape="0">
-                      <a:schemeClr val="bg2"/>
-                    </a:outerShdw>
-                  </a:effectLst>
-                </a14:hiddenEffects>
-              </a:ext>
-            </a:extLst>
-          </p:spPr>
-          <p:txBody>
-            <a:bodyPr vert="eaVert" wrap="none" anchor="ctr"/>
-            <a:lstStyle/>
-            <a:p>
-              <a:endParaRPr lang="zh-CN" altLang="en-US"/>
-            </a:p>
-          </p:txBody>
-        </p:sp>
-        <p:sp>
-          <p:nvSpPr>
-            <p:cNvPr id="22" name="Rectangle 21"/>
-            <p:cNvSpPr>
-              <a:spLocks noChangeArrowheads="1"/>
-            </p:cNvSpPr>
-            <p:nvPr/>
-          </p:nvSpPr>
-          <p:spPr bwMode="auto">
-            <a:xfrm>
-              <a:off x="4332" y="1071"/>
-              <a:ext cx="771" cy="273"/>
-            </a:xfrm>
-            <a:prstGeom prst="rect">
-              <a:avLst/>
-            </a:prstGeom>
-            <a:noFill/>
-            <a:ln>
-              <a:noFill/>
-            </a:ln>
-            <a:effectLst/>
-            <a:extLst>
-              <a:ext uri="{909E8E84-426E-40DD-AFC4-6F175D3DCCD1}">
-                <a14:hiddenFill xmlns:a14="http://schemas.microsoft.com/office/drawing/2010/main">
-                  <a:solidFill>
-                    <a:schemeClr val="accent1"/>
-                  </a:solidFill>
-                </a14:hiddenFill>
-              </a:ext>
-              <a:ext uri="{91240B29-F687-4F45-9708-019B960494DF}">
-                <a14:hiddenLine xmlns:a14="http://schemas.microsoft.com/office/drawing/2010/main" w="9525">
-                  <a:solidFill>
-                    <a:schemeClr val="tx1"/>
-                  </a:solidFill>
-                  <a:miter lim="800000"/>
-                  <a:headEnd/>
-                  <a:tailEnd/>
-                </a14:hiddenLine>
-              </a:ext>
-              <a:ext uri="{AF507438-7753-43E0-B8FC-AC1667EBCBE1}">
-                <a14:hiddenEffects xmlns:a14="http://schemas.microsoft.com/office/drawing/2010/main">
-                  <a:effectLst>
-                    <a:outerShdw dist="35921" dir="2700000" algn="ctr" rotWithShape="0">
-                      <a:schemeClr val="bg2"/>
-                    </a:outerShdw>
-                  </a:effectLst>
-                </a14:hiddenEffects>
-              </a:ext>
-            </a:extLst>
-          </p:spPr>
-          <p:txBody>
-            <a:bodyPr wrap="none" anchor="ctr"/>
-            <a:lstStyle/>
-            <a:p>
-              <a:pPr algn="ctr"/>
-              <a:r>
-                <a:rPr lang="zh-CN" altLang="en-US"/>
-                <a:t>注册</a:t>
-              </a:r>
-            </a:p>
-          </p:txBody>
-        </p:sp>
-      </p:grpSp>
-      <p:sp>
-        <p:nvSpPr>
-          <p:cNvPr id="23" name="AutoShape 23"/>
-          <p:cNvSpPr>
-            <a:spLocks noChangeArrowheads="1"/>
-          </p:cNvSpPr>
-          <p:nvPr/>
-        </p:nvSpPr>
-        <p:spPr bwMode="auto">
-          <a:xfrm>
-            <a:off x="4716463" y="692150"/>
-            <a:ext cx="1008062" cy="433388"/>
-          </a:xfrm>
-          <a:prstGeom prst="leftArrow">
-            <a:avLst>
-              <a:gd name="adj1" fmla="val 50000"/>
-              <a:gd name="adj2" fmla="val 58150"/>
-            </a:avLst>
-          </a:prstGeom>
-          <a:solidFill>
-            <a:schemeClr val="accent1"/>
-          </a:solidFill>
-          <a:ln w="9525">
-            <a:solidFill>
-              <a:schemeClr val="tx1"/>
-            </a:solidFill>
-            <a:miter lim="800000"/>
-            <a:headEnd/>
-            <a:tailEnd/>
-          </a:ln>
-          <a:effectLst/>
-          <a:extLst>
-            <a:ext uri="{AF507438-7753-43E0-B8FC-AC1667EBCBE1}">
-              <a14:hiddenEffects xmlns:a14="http://schemas.microsoft.com/office/drawing/2010/main">
-                <a:effectLst>
-                  <a:outerShdw dist="35921" dir="2700000" algn="ctr" rotWithShape="0">
-                    <a:schemeClr val="bg2"/>
-                  </a:outerShdw>
-                </a:effectLst>
-              </a14:hiddenEffects>
-            </a:ext>
-          </a:extLst>
-        </p:spPr>
-        <p:txBody>
-          <a:bodyPr wrap="none" anchor="ctr"/>
-          <a:lstStyle/>
-          <a:p>
-            <a:endParaRPr lang="zh-CN" altLang="en-US"/>
-          </a:p>
-        </p:txBody>
-      </p:sp>
-      <p:sp>
-        <p:nvSpPr>
-          <p:cNvPr id="24" name="Rectangle 24"/>
-          <p:cNvSpPr>
-            <a:spLocks noChangeArrowheads="1"/>
-          </p:cNvSpPr>
-          <p:nvPr/>
-        </p:nvSpPr>
-        <p:spPr bwMode="auto">
-          <a:xfrm>
-            <a:off x="2916238" y="549275"/>
-            <a:ext cx="1727200" cy="719138"/>
-          </a:xfrm>
-          <a:prstGeom prst="rect">
-            <a:avLst/>
-          </a:prstGeom>
-          <a:solidFill>
-            <a:srgbClr val="FFCC99"/>
-          </a:solidFill>
-          <a:ln w="9525">
-            <a:solidFill>
-              <a:schemeClr val="tx1"/>
-            </a:solidFill>
-            <a:miter lim="800000"/>
-            <a:headEnd/>
-            <a:tailEnd/>
-          </a:ln>
-          <a:effectLst/>
-          <a:extLst>
-            <a:ext uri="{AF507438-7753-43E0-B8FC-AC1667EBCBE1}">
-              <a14:hiddenEffects xmlns:a14="http://schemas.microsoft.com/office/drawing/2010/main">
-                <a:effectLst>
-                  <a:outerShdw dist="35921" dir="2700000" algn="ctr" rotWithShape="0">
-                    <a:schemeClr val="bg2"/>
-                  </a:outerShdw>
-                </a:effectLst>
-              </a14:hiddenEffects>
-            </a:ext>
-          </a:extLst>
-        </p:spPr>
-        <p:txBody>
-          <a:bodyPr wrap="none" anchor="ctr"/>
-          <a:lstStyle/>
-          <a:p>
-            <a:pPr algn="ctr"/>
-            <a:r>
-              <a:rPr lang="zh-CN" altLang="en-US"/>
-              <a:t>编译</a:t>
-            </a:r>
-          </a:p>
-        </p:txBody>
-      </p:sp>
-      <p:grpSp>
-        <p:nvGrpSpPr>
-          <p:cNvPr id="25" name="Group 27"/>
-          <p:cNvGrpSpPr>
-            <a:grpSpLocks/>
-          </p:cNvGrpSpPr>
-          <p:nvPr/>
-        </p:nvGrpSpPr>
-        <p:grpSpPr bwMode="auto">
-          <a:xfrm>
-            <a:off x="7164388" y="2349500"/>
-            <a:ext cx="1584325" cy="503238"/>
-            <a:chOff x="4513" y="1480"/>
-            <a:chExt cx="998" cy="317"/>
-          </a:xfrm>
-        </p:grpSpPr>
-        <p:sp>
-          <p:nvSpPr>
-            <p:cNvPr id="26" name="AutoShape 25"/>
-            <p:cNvSpPr>
-              <a:spLocks noChangeArrowheads="1"/>
-            </p:cNvSpPr>
-            <p:nvPr/>
-          </p:nvSpPr>
-          <p:spPr bwMode="auto">
-            <a:xfrm rot="3600000">
-              <a:off x="4649" y="1344"/>
-              <a:ext cx="272" cy="544"/>
-            </a:xfrm>
-            <a:prstGeom prst="downArrow">
-              <a:avLst>
-                <a:gd name="adj1" fmla="val 50000"/>
-                <a:gd name="adj2" fmla="val 50000"/>
-              </a:avLst>
-            </a:prstGeom>
-            <a:solidFill>
-              <a:schemeClr val="accent1"/>
-            </a:solidFill>
-            <a:ln w="9525">
-              <a:solidFill>
-                <a:schemeClr val="tx1"/>
-              </a:solidFill>
-              <a:miter lim="800000"/>
-              <a:headEnd/>
-              <a:tailEnd/>
-            </a:ln>
-            <a:effectLst/>
-            <a:extLst>
-              <a:ext uri="{AF507438-7753-43E0-B8FC-AC1667EBCBE1}">
-                <a14:hiddenEffects xmlns:a14="http://schemas.microsoft.com/office/drawing/2010/main">
-                  <a:effectLst>
-                    <a:outerShdw dist="35921" dir="2700000" algn="ctr" rotWithShape="0">
-                      <a:schemeClr val="bg2"/>
-                    </a:outerShdw>
-                  </a:effectLst>
-                </a14:hiddenEffects>
-              </a:ext>
-            </a:extLst>
-          </p:spPr>
-          <p:txBody>
-            <a:bodyPr vert="eaVert" wrap="none" anchor="ctr"/>
-            <a:lstStyle/>
-            <a:p>
-              <a:endParaRPr lang="zh-CN" altLang="en-US"/>
-            </a:p>
-          </p:txBody>
-        </p:sp>
-        <p:sp>
-          <p:nvSpPr>
-            <p:cNvPr id="27" name="Rectangle 26"/>
-            <p:cNvSpPr>
-              <a:spLocks noChangeArrowheads="1"/>
-            </p:cNvSpPr>
-            <p:nvPr/>
-          </p:nvSpPr>
-          <p:spPr bwMode="auto">
-            <a:xfrm>
-              <a:off x="4830" y="1525"/>
-              <a:ext cx="681" cy="272"/>
-            </a:xfrm>
-            <a:prstGeom prst="rect">
-              <a:avLst/>
-            </a:prstGeom>
-            <a:noFill/>
-            <a:ln>
-              <a:noFill/>
-            </a:ln>
-            <a:effectLst/>
-            <a:extLst>
-              <a:ext uri="{909E8E84-426E-40DD-AFC4-6F175D3DCCD1}">
-                <a14:hiddenFill xmlns:a14="http://schemas.microsoft.com/office/drawing/2010/main">
-                  <a:solidFill>
-                    <a:schemeClr val="accent1"/>
-                  </a:solidFill>
-                </a14:hiddenFill>
-              </a:ext>
-              <a:ext uri="{91240B29-F687-4F45-9708-019B960494DF}">
-                <a14:hiddenLine xmlns:a14="http://schemas.microsoft.com/office/drawing/2010/main" w="9525">
-                  <a:solidFill>
-                    <a:schemeClr val="tx1"/>
-                  </a:solidFill>
-                  <a:miter lim="800000"/>
-                  <a:headEnd/>
-                  <a:tailEnd/>
-                </a14:hiddenLine>
-              </a:ext>
-              <a:ext uri="{AF507438-7753-43E0-B8FC-AC1667EBCBE1}">
-                <a14:hiddenEffects xmlns:a14="http://schemas.microsoft.com/office/drawing/2010/main">
-                  <a:effectLst>
-                    <a:outerShdw dist="35921" dir="2700000" algn="ctr" rotWithShape="0">
-                      <a:schemeClr val="bg2"/>
-                    </a:outerShdw>
-                  </a:effectLst>
-                </a14:hiddenEffects>
-              </a:ext>
-            </a:extLst>
-          </p:spPr>
-          <p:txBody>
-            <a:bodyPr wrap="none" anchor="ctr"/>
-            <a:lstStyle/>
-            <a:p>
-              <a:pPr algn="ctr"/>
-              <a:r>
-                <a:rPr lang="zh-CN" altLang="en-US"/>
-                <a:t>触发</a:t>
-              </a:r>
-            </a:p>
-          </p:txBody>
-        </p:sp>
-      </p:grpSp>
-    </p:spTree>
-    <p:extLst>
-      <p:ext uri="{BB962C8B-B14F-4D97-AF65-F5344CB8AC3E}">
-        <p14:creationId xmlns:p14="http://schemas.microsoft.com/office/powerpoint/2010/main" val="2018920763"/>
-      </p:ext>
-    </p:extLst>
-  </p:cSld>
-  <p:clrMapOvr>
-    <a:masterClrMapping/>
-  </p:clrMapOvr>
-  <p:timing>
-    <p:tnLst>
-      <p:par>
-        <p:cTn id="1" dur="indefinite" restart="never" nodeType="tmRoot">
-          <p:childTnLst>
-            <p:seq concurrent="1" nextAc="seek">
-              <p:cTn id="2" dur="indefinite" nodeType="mainSeq">
-                <p:childTnLst>
-                  <p:par>
-                    <p:cTn id="3" fill="hold">
-                      <p:stCondLst>
-                        <p:cond delay="indefinite"/>
-                      </p:stCondLst>
-                      <p:childTnLst>
-                        <p:par>
-                          <p:cTn id="4" fill="hold">
-                            <p:stCondLst>
-                              <p:cond delay="0"/>
-                            </p:stCondLst>
-                            <p:childTnLst>
-                              <p:par>
-                                <p:cTn id="5" presetID="22" presetClass="entr" presetSubtype="8" fill="hold" grpId="0" nodeType="clickEffect">
-                                  <p:stCondLst>
-                                    <p:cond delay="0"/>
-                                  </p:stCondLst>
-                                  <p:childTnLst>
-                                    <p:set>
-                                      <p:cBhvr>
-                                        <p:cTn id="6" dur="1" fill="hold">
-                                          <p:stCondLst>
-                                            <p:cond delay="0"/>
-                                          </p:stCondLst>
-                                        </p:cTn>
-                                        <p:tgtEl>
-                                          <p:spTgt spid="8"/>
-                                        </p:tgtEl>
-                                        <p:attrNameLst>
-                                          <p:attrName>style.visibility</p:attrName>
-                                        </p:attrNameLst>
-                                      </p:cBhvr>
-                                      <p:to>
-                                        <p:strVal val="visible"/>
-                                      </p:to>
-                                    </p:set>
-                                    <p:animEffect transition="in" filter="wipe(left)">
-                                      <p:cBhvr>
-                                        <p:cTn id="7" dur="500"/>
-                                        <p:tgtEl>
-                                          <p:spTgt spid="8"/>
-                                        </p:tgtEl>
-                                      </p:cBhvr>
-                                    </p:animEffect>
-                                  </p:childTnLst>
-                                </p:cTn>
-                              </p:par>
-                            </p:childTnLst>
-                          </p:cTn>
-                        </p:par>
-                      </p:childTnLst>
-                    </p:cTn>
-                  </p:par>
-                  <p:par>
-                    <p:cTn id="8" fill="hold">
-                      <p:stCondLst>
-                        <p:cond delay="indefinite"/>
-                      </p:stCondLst>
-                      <p:childTnLst>
-                        <p:par>
-                          <p:cTn id="9" fill="hold">
-                            <p:stCondLst>
-                              <p:cond delay="0"/>
-                            </p:stCondLst>
-                            <p:childTnLst>
-                              <p:par>
-                                <p:cTn id="10" presetID="1" presetClass="entr" presetSubtype="0" fill="hold" grpId="0" nodeType="clickEffect">
-                                  <p:stCondLst>
-                                    <p:cond delay="0"/>
-                                  </p:stCondLst>
-                                  <p:childTnLst>
-                                    <p:set>
-                                      <p:cBhvr>
-                                        <p:cTn id="11" dur="1" fill="hold">
-                                          <p:stCondLst>
-                                            <p:cond delay="0"/>
-                                          </p:stCondLst>
-                                        </p:cTn>
-                                        <p:tgtEl>
-                                          <p:spTgt spid="9"/>
-                                        </p:tgtEl>
-                                        <p:attrNameLst>
-                                          <p:attrName>style.visibility</p:attrName>
-                                        </p:attrNameLst>
-                                      </p:cBhvr>
-                                      <p:to>
-                                        <p:strVal val="visible"/>
-                                      </p:to>
-                                    </p:set>
-                                  </p:childTnLst>
-                                </p:cTn>
-                              </p:par>
-                            </p:childTnLst>
-                          </p:cTn>
-                        </p:par>
-                      </p:childTnLst>
-                    </p:cTn>
-                  </p:par>
-                  <p:par>
-                    <p:cTn id="12" fill="hold">
-                      <p:stCondLst>
-                        <p:cond delay="indefinite"/>
-                      </p:stCondLst>
-                      <p:childTnLst>
-                        <p:par>
-                          <p:cTn id="13" fill="hold">
-                            <p:stCondLst>
-                              <p:cond delay="0"/>
-                            </p:stCondLst>
-                            <p:childTnLst>
-                              <p:par>
-                                <p:cTn id="14" presetID="1" presetClass="entr" presetSubtype="0" fill="hold" nodeType="clickEffect">
-                                  <p:stCondLst>
-                                    <p:cond delay="0"/>
-                                  </p:stCondLst>
-                                  <p:childTnLst>
-                                    <p:set>
-                                      <p:cBhvr>
-                                        <p:cTn id="15" dur="1" fill="hold">
-                                          <p:stCondLst>
-                                            <p:cond delay="0"/>
-                                          </p:stCondLst>
-                                        </p:cTn>
-                                        <p:tgtEl>
-                                          <p:spTgt spid="4"/>
-                                        </p:tgtEl>
-                                        <p:attrNameLst>
-                                          <p:attrName>style.visibility</p:attrName>
-                                        </p:attrNameLst>
-                                      </p:cBhvr>
-                                      <p:to>
-                                        <p:strVal val="visible"/>
-                                      </p:to>
-                                    </p:set>
-                                  </p:childTnLst>
-                                </p:cTn>
-                              </p:par>
-                            </p:childTnLst>
-                          </p:cTn>
-                        </p:par>
-                      </p:childTnLst>
-                    </p:cTn>
-                  </p:par>
-                  <p:par>
-                    <p:cTn id="16" fill="hold">
-                      <p:stCondLst>
-                        <p:cond delay="indefinite"/>
-                      </p:stCondLst>
-                      <p:childTnLst>
-                        <p:par>
-                          <p:cTn id="17" fill="hold">
-                            <p:stCondLst>
-                              <p:cond delay="0"/>
-                            </p:stCondLst>
-                            <p:childTnLst>
-                              <p:par>
-                                <p:cTn id="18" presetID="1" presetClass="entr" presetSubtype="0" fill="hold" grpId="0" nodeType="clickEffect">
-                                  <p:stCondLst>
-                                    <p:cond delay="0"/>
-                                  </p:stCondLst>
-                                  <p:childTnLst>
-                                    <p:set>
-                                      <p:cBhvr>
-                                        <p:cTn id="19" dur="1" fill="hold">
-                                          <p:stCondLst>
-                                            <p:cond delay="0"/>
-                                          </p:stCondLst>
-                                        </p:cTn>
-                                        <p:tgtEl>
-                                          <p:spTgt spid="19"/>
-                                        </p:tgtEl>
-                                        <p:attrNameLst>
-                                          <p:attrName>style.visibility</p:attrName>
-                                        </p:attrNameLst>
-                                      </p:cBhvr>
-                                      <p:to>
-                                        <p:strVal val="visible"/>
-                                      </p:to>
-                                    </p:set>
-                                  </p:childTnLst>
-                                </p:cTn>
-                              </p:par>
-                            </p:childTnLst>
-                          </p:cTn>
-                        </p:par>
-                      </p:childTnLst>
-                    </p:cTn>
-                  </p:par>
-                  <p:par>
-                    <p:cTn id="20" fill="hold">
-                      <p:stCondLst>
-                        <p:cond delay="indefinite"/>
-                      </p:stCondLst>
-                      <p:childTnLst>
-                        <p:par>
-                          <p:cTn id="21" fill="hold">
-                            <p:stCondLst>
-                              <p:cond delay="0"/>
-                            </p:stCondLst>
-                            <p:childTnLst>
-                              <p:par>
-                                <p:cTn id="22" presetID="22" presetClass="entr" presetSubtype="4" fill="hold" nodeType="clickEffect">
-                                  <p:stCondLst>
-                                    <p:cond delay="0"/>
-                                  </p:stCondLst>
-                                  <p:childTnLst>
-                                    <p:set>
-                                      <p:cBhvr>
-                                        <p:cTn id="23" dur="1" fill="hold">
-                                          <p:stCondLst>
-                                            <p:cond delay="0"/>
-                                          </p:stCondLst>
-                                        </p:cTn>
-                                        <p:tgtEl>
-                                          <p:spTgt spid="10"/>
-                                        </p:tgtEl>
-                                        <p:attrNameLst>
-                                          <p:attrName>style.visibility</p:attrName>
-                                        </p:attrNameLst>
-                                      </p:cBhvr>
-                                      <p:to>
-                                        <p:strVal val="visible"/>
-                                      </p:to>
-                                    </p:set>
-                                    <p:animEffect transition="in" filter="wipe(down)">
-                                      <p:cBhvr>
-                                        <p:cTn id="24" dur="500"/>
-                                        <p:tgtEl>
-                                          <p:spTgt spid="10"/>
-                                        </p:tgtEl>
-                                      </p:cBhvr>
-                                    </p:animEffect>
-                                  </p:childTnLst>
-                                </p:cTn>
-                              </p:par>
-                            </p:childTnLst>
-                          </p:cTn>
-                        </p:par>
-                      </p:childTnLst>
-                    </p:cTn>
-                  </p:par>
-                  <p:par>
-                    <p:cTn id="25" fill="hold">
-                      <p:stCondLst>
-                        <p:cond delay="indefinite"/>
-                      </p:stCondLst>
-                      <p:childTnLst>
-                        <p:par>
-                          <p:cTn id="26" fill="hold">
-                            <p:stCondLst>
-                              <p:cond delay="0"/>
-                            </p:stCondLst>
-                            <p:childTnLst>
-                              <p:par>
-                                <p:cTn id="27" presetID="22" presetClass="entr" presetSubtype="4" fill="hold" nodeType="clickEffect">
-                                  <p:stCondLst>
-                                    <p:cond delay="0"/>
-                                  </p:stCondLst>
-                                  <p:childTnLst>
-                                    <p:set>
-                                      <p:cBhvr>
-                                        <p:cTn id="28" dur="1" fill="hold">
-                                          <p:stCondLst>
-                                            <p:cond delay="0"/>
-                                          </p:stCondLst>
-                                        </p:cTn>
-                                        <p:tgtEl>
-                                          <p:spTgt spid="13"/>
-                                        </p:tgtEl>
-                                        <p:attrNameLst>
-                                          <p:attrName>style.visibility</p:attrName>
-                                        </p:attrNameLst>
-                                      </p:cBhvr>
-                                      <p:to>
-                                        <p:strVal val="visible"/>
-                                      </p:to>
-                                    </p:set>
-                                    <p:animEffect transition="in" filter="wipe(down)">
-                                      <p:cBhvr>
-                                        <p:cTn id="29" dur="500"/>
-                                        <p:tgtEl>
-                                          <p:spTgt spid="13"/>
-                                        </p:tgtEl>
-                                      </p:cBhvr>
-                                    </p:animEffect>
-                                  </p:childTnLst>
-                                </p:cTn>
-                              </p:par>
-                            </p:childTnLst>
-                          </p:cTn>
-                        </p:par>
-                      </p:childTnLst>
-                    </p:cTn>
-                  </p:par>
-                  <p:par>
-                    <p:cTn id="30" fill="hold">
-                      <p:stCondLst>
-                        <p:cond delay="indefinite"/>
-                      </p:stCondLst>
-                      <p:childTnLst>
-                        <p:par>
-                          <p:cTn id="31" fill="hold">
-                            <p:stCondLst>
-                              <p:cond delay="0"/>
-                            </p:stCondLst>
-                            <p:childTnLst>
-                              <p:par>
-                                <p:cTn id="32" presetID="22" presetClass="entr" presetSubtype="1" fill="hold" nodeType="clickEffect">
-                                  <p:stCondLst>
-                                    <p:cond delay="0"/>
-                                  </p:stCondLst>
-                                  <p:childTnLst>
-                                    <p:set>
-                                      <p:cBhvr>
-                                        <p:cTn id="33" dur="1" fill="hold">
-                                          <p:stCondLst>
-                                            <p:cond delay="0"/>
-                                          </p:stCondLst>
-                                        </p:cTn>
-                                        <p:tgtEl>
-                                          <p:spTgt spid="20"/>
-                                        </p:tgtEl>
-                                        <p:attrNameLst>
-                                          <p:attrName>style.visibility</p:attrName>
-                                        </p:attrNameLst>
-                                      </p:cBhvr>
-                                      <p:to>
-                                        <p:strVal val="visible"/>
-                                      </p:to>
-                                    </p:set>
-                                    <p:animEffect transition="in" filter="wipe(up)">
-                                      <p:cBhvr>
-                                        <p:cTn id="34" dur="500"/>
-                                        <p:tgtEl>
-                                          <p:spTgt spid="20"/>
-                                        </p:tgtEl>
-                                      </p:cBhvr>
-                                    </p:animEffect>
-                                  </p:childTnLst>
-                                </p:cTn>
-                              </p:par>
-                            </p:childTnLst>
-                          </p:cTn>
-                        </p:par>
-                      </p:childTnLst>
-                    </p:cTn>
-                  </p:par>
-                  <p:par>
-                    <p:cTn id="35" fill="hold">
-                      <p:stCondLst>
-                        <p:cond delay="indefinite"/>
-                      </p:stCondLst>
-                      <p:childTnLst>
-                        <p:par>
-                          <p:cTn id="36" fill="hold">
-                            <p:stCondLst>
-                              <p:cond delay="0"/>
-                            </p:stCondLst>
-                            <p:childTnLst>
-                              <p:par>
-                                <p:cTn id="37" presetID="1" presetClass="entr" presetSubtype="0" fill="hold" nodeType="clickEffect">
-                                  <p:stCondLst>
-                                    <p:cond delay="0"/>
-                                  </p:stCondLst>
-                                  <p:childTnLst>
-                                    <p:set>
-                                      <p:cBhvr>
-                                        <p:cTn id="38" dur="1" fill="hold">
-                                          <p:stCondLst>
-                                            <p:cond delay="0"/>
-                                          </p:stCondLst>
-                                        </p:cTn>
-                                        <p:tgtEl>
-                                          <p:spTgt spid="25"/>
-                                        </p:tgtEl>
-                                        <p:attrNameLst>
-                                          <p:attrName>style.visibility</p:attrName>
-                                        </p:attrNameLst>
-                                      </p:cBhvr>
-                                      <p:to>
-                                        <p:strVal val="visible"/>
-                                      </p:to>
-                                    </p:set>
-                                  </p:childTnLst>
-                                </p:cTn>
-                              </p:par>
-                            </p:childTnLst>
-                          </p:cTn>
-                        </p:par>
-                      </p:childTnLst>
-                    </p:cTn>
-                  </p:par>
-                  <p:par>
-                    <p:cTn id="39" fill="hold">
-                      <p:stCondLst>
-                        <p:cond delay="indefinite"/>
-                      </p:stCondLst>
-                      <p:childTnLst>
-                        <p:par>
-                          <p:cTn id="40" fill="hold">
-                            <p:stCondLst>
-                              <p:cond delay="0"/>
-                            </p:stCondLst>
-                            <p:childTnLst>
-                              <p:par>
-                                <p:cTn id="41" presetID="22" presetClass="entr" presetSubtype="1" fill="hold" grpId="0" nodeType="clickEffect">
-                                  <p:stCondLst>
-                                    <p:cond delay="0"/>
-                                  </p:stCondLst>
-                                  <p:childTnLst>
-                                    <p:set>
-                                      <p:cBhvr>
-                                        <p:cTn id="42" dur="1" fill="hold">
-                                          <p:stCondLst>
-                                            <p:cond delay="0"/>
-                                          </p:stCondLst>
-                                        </p:cTn>
-                                        <p:tgtEl>
-                                          <p:spTgt spid="16"/>
-                                        </p:tgtEl>
-                                        <p:attrNameLst>
-                                          <p:attrName>style.visibility</p:attrName>
-                                        </p:attrNameLst>
-                                      </p:cBhvr>
-                                      <p:to>
-                                        <p:strVal val="visible"/>
-                                      </p:to>
-                                    </p:set>
-                                    <p:animEffect transition="in" filter="wipe(up)">
-                                      <p:cBhvr>
-                                        <p:cTn id="43" dur="500"/>
-                                        <p:tgtEl>
-                                          <p:spTgt spid="16"/>
-                                        </p:tgtEl>
-                                      </p:cBhvr>
-                                    </p:animEffect>
-                                  </p:childTnLst>
-                                </p:cTn>
-                              </p:par>
-                            </p:childTnLst>
-                          </p:cTn>
-                        </p:par>
-                      </p:childTnLst>
-                    </p:cTn>
-                  </p:par>
-                  <p:par>
-                    <p:cTn id="44" fill="hold">
-                      <p:stCondLst>
-                        <p:cond delay="indefinite"/>
-                      </p:stCondLst>
-                      <p:childTnLst>
-                        <p:par>
-                          <p:cTn id="45" fill="hold">
-                            <p:stCondLst>
-                              <p:cond delay="0"/>
-                            </p:stCondLst>
-                            <p:childTnLst>
-                              <p:par>
-                                <p:cTn id="46" presetID="1" presetClass="entr" presetSubtype="0" fill="hold" grpId="0" nodeType="clickEffect">
-                                  <p:stCondLst>
-                                    <p:cond delay="0"/>
-                                  </p:stCondLst>
-                                  <p:childTnLst>
-                                    <p:set>
-                                      <p:cBhvr>
-                                        <p:cTn id="47" dur="1" fill="hold">
-                                          <p:stCondLst>
-                                            <p:cond delay="0"/>
-                                          </p:stCondLst>
-                                        </p:cTn>
-                                        <p:tgtEl>
-                                          <p:spTgt spid="17"/>
-                                        </p:tgtEl>
-                                        <p:attrNameLst>
-                                          <p:attrName>style.visibility</p:attrName>
-                                        </p:attrNameLst>
-                                      </p:cBhvr>
-                                      <p:to>
-                                        <p:strVal val="visible"/>
-                                      </p:to>
-                                    </p:set>
-                                  </p:childTnLst>
-                                </p:cTn>
-                              </p:par>
-                            </p:childTnLst>
-                          </p:cTn>
-                        </p:par>
-                      </p:childTnLst>
-                    </p:cTn>
-                  </p:par>
-                  <p:par>
-                    <p:cTn id="48" fill="hold">
-                      <p:stCondLst>
-                        <p:cond delay="indefinite"/>
-                      </p:stCondLst>
-                      <p:childTnLst>
-                        <p:par>
-                          <p:cTn id="49" fill="hold">
-                            <p:stCondLst>
-                              <p:cond delay="0"/>
-                            </p:stCondLst>
-                            <p:childTnLst>
-                              <p:par>
-                                <p:cTn id="50" presetID="1" presetClass="entr" presetSubtype="0" fill="hold" grpId="0" nodeType="clickEffect">
-                                  <p:stCondLst>
-                                    <p:cond delay="0"/>
-                                  </p:stCondLst>
-                                  <p:childTnLst>
-                                    <p:set>
-                                      <p:cBhvr>
-                                        <p:cTn id="51" dur="1" fill="hold">
-                                          <p:stCondLst>
-                                            <p:cond delay="0"/>
-                                          </p:stCondLst>
-                                        </p:cTn>
-                                        <p:tgtEl>
-                                          <p:spTgt spid="18"/>
-                                        </p:tgtEl>
-                                        <p:attrNameLst>
-                                          <p:attrName>style.visibility</p:attrName>
-                                        </p:attrNameLst>
-                                      </p:cBhvr>
-                                      <p:to>
-                                        <p:strVal val="visible"/>
-                                      </p:to>
-                                    </p:set>
-                                  </p:childTnLst>
-                                </p:cTn>
-                              </p:par>
-                            </p:childTnLst>
-                          </p:cTn>
-                        </p:par>
-                      </p:childTnLst>
-                    </p:cTn>
-                  </p:par>
-                  <p:par>
-                    <p:cTn id="52" fill="hold">
-                      <p:stCondLst>
-                        <p:cond delay="indefinite"/>
-                      </p:stCondLst>
-                      <p:childTnLst>
-                        <p:par>
-                          <p:cTn id="53" fill="hold">
-                            <p:stCondLst>
-                              <p:cond delay="0"/>
-                            </p:stCondLst>
-                            <p:childTnLst>
-                              <p:par>
-                                <p:cTn id="54" presetID="22" presetClass="entr" presetSubtype="2" fill="hold" grpId="0" nodeType="clickEffect">
-                                  <p:stCondLst>
-                                    <p:cond delay="0"/>
-                                  </p:stCondLst>
-                                  <p:childTnLst>
-                                    <p:set>
-                                      <p:cBhvr>
-                                        <p:cTn id="55" dur="1" fill="hold">
-                                          <p:stCondLst>
-                                            <p:cond delay="0"/>
-                                          </p:stCondLst>
-                                        </p:cTn>
-                                        <p:tgtEl>
-                                          <p:spTgt spid="23"/>
-                                        </p:tgtEl>
-                                        <p:attrNameLst>
-                                          <p:attrName>style.visibility</p:attrName>
-                                        </p:attrNameLst>
-                                      </p:cBhvr>
-                                      <p:to>
-                                        <p:strVal val="visible"/>
-                                      </p:to>
-                                    </p:set>
-                                    <p:animEffect transition="in" filter="wipe(right)">
-                                      <p:cBhvr>
-                                        <p:cTn id="56" dur="500"/>
-                                        <p:tgtEl>
-                                          <p:spTgt spid="23"/>
-                                        </p:tgtEl>
-                                      </p:cBhvr>
-                                    </p:animEffect>
-                                  </p:childTnLst>
-                                </p:cTn>
-                              </p:par>
-                            </p:childTnLst>
-                          </p:cTn>
-                        </p:par>
-                      </p:childTnLst>
-                    </p:cTn>
-                  </p:par>
-                  <p:par>
-                    <p:cTn id="57" fill="hold">
-                      <p:stCondLst>
-                        <p:cond delay="indefinite"/>
-                      </p:stCondLst>
-                      <p:childTnLst>
-                        <p:par>
-                          <p:cTn id="58" fill="hold">
-                            <p:stCondLst>
-                              <p:cond delay="0"/>
-                            </p:stCondLst>
-                            <p:childTnLst>
-                              <p:par>
-                                <p:cTn id="59" presetID="1" presetClass="entr" presetSubtype="0" fill="hold" grpId="0" nodeType="clickEffect">
-                                  <p:stCondLst>
-                                    <p:cond delay="0"/>
-                                  </p:stCondLst>
-                                  <p:childTnLst>
-                                    <p:set>
-                                      <p:cBhvr>
-                                        <p:cTn id="60" dur="1" fill="hold">
-                                          <p:stCondLst>
-                                            <p:cond delay="0"/>
-                                          </p:stCondLst>
-                                        </p:cTn>
-                                        <p:tgtEl>
-                                          <p:spTgt spid="24"/>
-                                        </p:tgtEl>
-                                        <p:attrNameLst>
-                                          <p:attrName>style.visibility</p:attrName>
-                                        </p:attrNameLst>
-                                      </p:cBhvr>
-                                      <p:to>
-                                        <p:strVal val="visible"/>
-                                      </p:to>
-                                    </p:set>
-                                  </p:childTnLst>
-                                </p:cTn>
-                              </p:par>
-                            </p:childTnLst>
-                          </p:cTn>
-                        </p:par>
-                      </p:childTnLst>
-                    </p:cTn>
-                  </p:par>
-                </p:childTnLst>
-              </p:cTn>
-              <p:prevCondLst>
-                <p:cond evt="onPrev" delay="0">
-                  <p:tgtEl>
-                    <p:sldTgt/>
-                  </p:tgtEl>
-                </p:cond>
-              </p:prevCondLst>
-              <p:nextCondLst>
-                <p:cond evt="onNext" delay="0">
-                  <p:tgtEl>
-                    <p:sldTgt/>
-                  </p:tgtEl>
-                </p:cond>
-              </p:nextCondLst>
-            </p:seq>
-          </p:childTnLst>
-        </p:cTn>
-      </p:par>
-    </p:tnLst>
-    <p:bldLst>
-      <p:bldP spid="8" grpId="0" animBg="1"/>
-      <p:bldP spid="9" grpId="0" animBg="1"/>
-      <p:bldP spid="16" grpId="0" animBg="1"/>
-      <p:bldP spid="17" grpId="0" animBg="1"/>
-      <p:bldP spid="18" grpId="0" animBg="1"/>
-      <p:bldP spid="19" grpId="0" animBg="1"/>
-      <p:bldP spid="23" grpId="0" animBg="1"/>
-      <p:bldP spid="24" grpId="0" animBg="1"/>
-    </p:bldLst>
-  </p:timing>
-</p:sld>
-</file>
-
-<file path=ppt/slides/slide40.xml><?xml version="1.0" encoding="utf-8"?>
+<file path=ppt/slides/slide41.xml><?xml version="1.0" encoding="utf-8"?>
 <p:sld xmlns:a="http://schemas.openxmlformats.org/drawingml/2006/main" xmlns:r="http://schemas.openxmlformats.org/officeDocument/2006/relationships" xmlns:p="http://schemas.openxmlformats.org/presentationml/2006/main">
   <p:cSld>
     <p:spTree>
@@ -33301,7 +31732,7 @@
 </p:sld>
 </file>
 
-<file path=ppt/slides/slide41.xml><?xml version="1.0" encoding="utf-8"?>
+<file path=ppt/slides/slide42.xml><?xml version="1.0" encoding="utf-8"?>
 <p:sld xmlns:a="http://schemas.openxmlformats.org/drawingml/2006/main" xmlns:r="http://schemas.openxmlformats.org/officeDocument/2006/relationships" xmlns:p="http://schemas.openxmlformats.org/presentationml/2006/main">
   <p:cSld>
     <p:spTree>
@@ -33510,7 +31941,7 @@
 </p:sld>
 </file>
 
-<file path=ppt/slides/slide42.xml><?xml version="1.0" encoding="utf-8"?>
+<file path=ppt/slides/slide43.xml><?xml version="1.0" encoding="utf-8"?>
 <p:sld xmlns:a="http://schemas.openxmlformats.org/drawingml/2006/main" xmlns:r="http://schemas.openxmlformats.org/officeDocument/2006/relationships" xmlns:p="http://schemas.openxmlformats.org/presentationml/2006/main">
   <p:cSld>
     <p:spTree>
@@ -34332,181 +32763,6 @@
 </p:sld>
 </file>
 
-<file path=ppt/slides/slide43.xml><?xml version="1.0" encoding="utf-8"?>
-<p:sld xmlns:a="http://schemas.openxmlformats.org/drawingml/2006/main" xmlns:r="http://schemas.openxmlformats.org/officeDocument/2006/relationships" xmlns:p="http://schemas.openxmlformats.org/presentationml/2006/main">
-  <p:cSld>
-    <p:spTree>
-      <p:nvGrpSpPr>
-        <p:cNvPr id="1" name=""/>
-        <p:cNvGrpSpPr/>
-        <p:nvPr/>
-      </p:nvGrpSpPr>
-      <p:grpSpPr>
-        <a:xfrm>
-          <a:off x="0" y="0"/>
-          <a:ext cx="0" cy="0"/>
-          <a:chOff x="0" y="0"/>
-          <a:chExt cx="0" cy="0"/>
-        </a:xfrm>
-      </p:grpSpPr>
-      <p:sp>
-        <p:nvSpPr>
-          <p:cNvPr id="2" name="标题 1"/>
-          <p:cNvSpPr>
-            <a:spLocks noGrp="1"/>
-          </p:cNvSpPr>
-          <p:nvPr>
-            <p:ph type="title"/>
-          </p:nvPr>
-        </p:nvSpPr>
-        <p:spPr/>
-        <p:txBody>
-          <a:bodyPr/>
-          <a:lstStyle/>
-          <a:p>
-            <a:r>
-              <a:rPr lang="zh-CN" altLang="en-US" dirty="0" smtClean="0"/>
-              <a:t>说明</a:t>
-            </a:r>
-            <a:endParaRPr lang="zh-CN" altLang="en-US" dirty="0"/>
-          </a:p>
-        </p:txBody>
-      </p:sp>
-      <p:sp>
-        <p:nvSpPr>
-          <p:cNvPr id="3" name="内容占位符 2"/>
-          <p:cNvSpPr>
-            <a:spLocks noGrp="1"/>
-          </p:cNvSpPr>
-          <p:nvPr>
-            <p:ph sz="quarter" idx="1"/>
-          </p:nvPr>
-        </p:nvSpPr>
-        <p:spPr/>
-        <p:txBody>
-          <a:bodyPr/>
-          <a:lstStyle/>
-          <a:p>
-            <a:r>
-              <a:rPr lang="zh-CN" altLang="en-US" b="1" dirty="0">
-                <a:solidFill>
-                  <a:srgbClr val="336699"/>
-                </a:solidFill>
-              </a:rPr>
-              <a:t>通信一般是成对的，且由客户组件发起</a:t>
-            </a:r>
-          </a:p>
-          <a:p>
-            <a:r>
-              <a:rPr lang="zh-CN" altLang="en-US" b="1" dirty="0">
-                <a:solidFill>
-                  <a:srgbClr val="336699"/>
-                </a:solidFill>
-              </a:rPr>
-              <a:t>理想情况下，这种访问是透明的，即客户和服务器可以运行在同一台机器上，也可以跨进程、跨机器运行。</a:t>
-            </a:r>
-          </a:p>
-          <a:p>
-            <a:r>
-              <a:rPr lang="zh-CN" altLang="en-US" b="1" dirty="0">
-                <a:solidFill>
-                  <a:srgbClr val="336699"/>
-                </a:solidFill>
-              </a:rPr>
-              <a:t>是编程语言中过程</a:t>
-            </a:r>
-            <a:r>
-              <a:rPr lang="en-US" altLang="zh-CN" b="1" dirty="0">
-                <a:solidFill>
-                  <a:srgbClr val="336699"/>
-                </a:solidFill>
-              </a:rPr>
-              <a:t>/</a:t>
-            </a:r>
-            <a:r>
-              <a:rPr lang="zh-CN" altLang="en-US" b="1" dirty="0">
-                <a:solidFill>
-                  <a:srgbClr val="336699"/>
-                </a:solidFill>
-              </a:rPr>
-              <a:t>函数</a:t>
-            </a:r>
-            <a:r>
-              <a:rPr lang="en-US" altLang="zh-CN" b="1" dirty="0">
-                <a:solidFill>
-                  <a:srgbClr val="336699"/>
-                </a:solidFill>
-              </a:rPr>
-              <a:t>/</a:t>
-            </a:r>
-            <a:r>
-              <a:rPr lang="zh-CN" altLang="en-US" b="1" dirty="0">
-                <a:solidFill>
-                  <a:srgbClr val="336699"/>
-                </a:solidFill>
-              </a:rPr>
-              <a:t>方法调用的一种泛化</a:t>
-            </a:r>
-          </a:p>
-          <a:p>
-            <a:r>
-              <a:rPr lang="en-US" altLang="zh-CN" b="1" dirty="0">
-                <a:solidFill>
-                  <a:srgbClr val="336699"/>
-                </a:solidFill>
-              </a:rPr>
-              <a:t>Client</a:t>
-            </a:r>
-            <a:r>
-              <a:rPr lang="zh-CN" altLang="en-US" b="1" dirty="0">
-                <a:solidFill>
-                  <a:srgbClr val="336699"/>
-                </a:solidFill>
-              </a:rPr>
-              <a:t>和</a:t>
-            </a:r>
-            <a:r>
-              <a:rPr lang="en-US" altLang="zh-CN" b="1" dirty="0">
-                <a:solidFill>
-                  <a:srgbClr val="336699"/>
-                </a:solidFill>
-              </a:rPr>
-              <a:t>Server</a:t>
-            </a:r>
-            <a:r>
-              <a:rPr lang="zh-CN" altLang="en-US" b="1" dirty="0">
-                <a:solidFill>
-                  <a:srgbClr val="336699"/>
-                </a:solidFill>
-              </a:rPr>
-              <a:t>都是软件的组件，而非两台机器</a:t>
-            </a:r>
-          </a:p>
-          <a:p>
-            <a:endParaRPr lang="zh-CN" altLang="en-US" dirty="0"/>
-          </a:p>
-        </p:txBody>
-      </p:sp>
-    </p:spTree>
-    <p:extLst>
-      <p:ext uri="{BB962C8B-B14F-4D97-AF65-F5344CB8AC3E}">
-        <p14:creationId xmlns:p14="http://schemas.microsoft.com/office/powerpoint/2010/main" val="936463410"/>
-      </p:ext>
-    </p:extLst>
-  </p:cSld>
-  <p:clrMapOvr>
-    <a:masterClrMapping/>
-  </p:clrMapOvr>
-  <p:timing>
-    <p:tnLst>
-      <p:par>
-        <p:cTn id="1" dur="indefinite" restart="never" nodeType="tmRoot"/>
-      </p:par>
-    </p:tnLst>
-  </p:timing>
-</p:sld>
-</file>
-
 <file path=ppt/slides/slide44.xml><?xml version="1.0" encoding="utf-8"?>
 <p:sld xmlns:a="http://schemas.openxmlformats.org/drawingml/2006/main" xmlns:r="http://schemas.openxmlformats.org/officeDocument/2006/relationships" xmlns:p="http://schemas.openxmlformats.org/presentationml/2006/main">
   <p:cSld>
@@ -34540,6 +32796,181 @@
           <a:lstStyle/>
           <a:p>
             <a:r>
+              <a:rPr lang="zh-CN" altLang="en-US" dirty="0" smtClean="0"/>
+              <a:t>说明</a:t>
+            </a:r>
+            <a:endParaRPr lang="zh-CN" altLang="en-US" dirty="0"/>
+          </a:p>
+        </p:txBody>
+      </p:sp>
+      <p:sp>
+        <p:nvSpPr>
+          <p:cNvPr id="3" name="内容占位符 2"/>
+          <p:cNvSpPr>
+            <a:spLocks noGrp="1"/>
+          </p:cNvSpPr>
+          <p:nvPr>
+            <p:ph sz="quarter" idx="1"/>
+          </p:nvPr>
+        </p:nvSpPr>
+        <p:spPr/>
+        <p:txBody>
+          <a:bodyPr/>
+          <a:lstStyle/>
+          <a:p>
+            <a:r>
+              <a:rPr lang="zh-CN" altLang="en-US" b="1" dirty="0">
+                <a:solidFill>
+                  <a:srgbClr val="336699"/>
+                </a:solidFill>
+              </a:rPr>
+              <a:t>通信一般是成对的，且由客户组件发起</a:t>
+            </a:r>
+          </a:p>
+          <a:p>
+            <a:r>
+              <a:rPr lang="zh-CN" altLang="en-US" b="1" dirty="0">
+                <a:solidFill>
+                  <a:srgbClr val="336699"/>
+                </a:solidFill>
+              </a:rPr>
+              <a:t>理想情况下，这种访问是透明的，即客户和服务器可以运行在同一台机器上，也可以跨进程、跨机器运行。</a:t>
+            </a:r>
+          </a:p>
+          <a:p>
+            <a:r>
+              <a:rPr lang="zh-CN" altLang="en-US" b="1" dirty="0">
+                <a:solidFill>
+                  <a:srgbClr val="336699"/>
+                </a:solidFill>
+              </a:rPr>
+              <a:t>是编程语言中过程</a:t>
+            </a:r>
+            <a:r>
+              <a:rPr lang="en-US" altLang="zh-CN" b="1" dirty="0">
+                <a:solidFill>
+                  <a:srgbClr val="336699"/>
+                </a:solidFill>
+              </a:rPr>
+              <a:t>/</a:t>
+            </a:r>
+            <a:r>
+              <a:rPr lang="zh-CN" altLang="en-US" b="1" dirty="0">
+                <a:solidFill>
+                  <a:srgbClr val="336699"/>
+                </a:solidFill>
+              </a:rPr>
+              <a:t>函数</a:t>
+            </a:r>
+            <a:r>
+              <a:rPr lang="en-US" altLang="zh-CN" b="1" dirty="0">
+                <a:solidFill>
+                  <a:srgbClr val="336699"/>
+                </a:solidFill>
+              </a:rPr>
+              <a:t>/</a:t>
+            </a:r>
+            <a:r>
+              <a:rPr lang="zh-CN" altLang="en-US" b="1" dirty="0">
+                <a:solidFill>
+                  <a:srgbClr val="336699"/>
+                </a:solidFill>
+              </a:rPr>
+              <a:t>方法调用的一种泛化</a:t>
+            </a:r>
+          </a:p>
+          <a:p>
+            <a:r>
+              <a:rPr lang="en-US" altLang="zh-CN" b="1" dirty="0">
+                <a:solidFill>
+                  <a:srgbClr val="336699"/>
+                </a:solidFill>
+              </a:rPr>
+              <a:t>Client</a:t>
+            </a:r>
+            <a:r>
+              <a:rPr lang="zh-CN" altLang="en-US" b="1" dirty="0">
+                <a:solidFill>
+                  <a:srgbClr val="336699"/>
+                </a:solidFill>
+              </a:rPr>
+              <a:t>和</a:t>
+            </a:r>
+            <a:r>
+              <a:rPr lang="en-US" altLang="zh-CN" b="1" dirty="0">
+                <a:solidFill>
+                  <a:srgbClr val="336699"/>
+                </a:solidFill>
+              </a:rPr>
+              <a:t>Server</a:t>
+            </a:r>
+            <a:r>
+              <a:rPr lang="zh-CN" altLang="en-US" b="1" dirty="0">
+                <a:solidFill>
+                  <a:srgbClr val="336699"/>
+                </a:solidFill>
+              </a:rPr>
+              <a:t>都是软件的组件，而非两台机器</a:t>
+            </a:r>
+          </a:p>
+          <a:p>
+            <a:endParaRPr lang="zh-CN" altLang="en-US" dirty="0"/>
+          </a:p>
+        </p:txBody>
+      </p:sp>
+    </p:spTree>
+    <p:extLst>
+      <p:ext uri="{BB962C8B-B14F-4D97-AF65-F5344CB8AC3E}">
+        <p14:creationId xmlns:p14="http://schemas.microsoft.com/office/powerpoint/2010/main" val="936463410"/>
+      </p:ext>
+    </p:extLst>
+  </p:cSld>
+  <p:clrMapOvr>
+    <a:masterClrMapping/>
+  </p:clrMapOvr>
+  <p:timing>
+    <p:tnLst>
+      <p:par>
+        <p:cTn id="1" dur="indefinite" restart="never" nodeType="tmRoot"/>
+      </p:par>
+    </p:tnLst>
+  </p:timing>
+</p:sld>
+</file>
+
+<file path=ppt/slides/slide45.xml><?xml version="1.0" encoding="utf-8"?>
+<p:sld xmlns:a="http://schemas.openxmlformats.org/drawingml/2006/main" xmlns:r="http://schemas.openxmlformats.org/officeDocument/2006/relationships" xmlns:p="http://schemas.openxmlformats.org/presentationml/2006/main">
+  <p:cSld>
+    <p:spTree>
+      <p:nvGrpSpPr>
+        <p:cNvPr id="1" name=""/>
+        <p:cNvGrpSpPr/>
+        <p:nvPr/>
+      </p:nvGrpSpPr>
+      <p:grpSpPr>
+        <a:xfrm>
+          <a:off x="0" y="0"/>
+          <a:ext cx="0" cy="0"/>
+          <a:chOff x="0" y="0"/>
+          <a:chExt cx="0" cy="0"/>
+        </a:xfrm>
+      </p:grpSpPr>
+      <p:sp>
+        <p:nvSpPr>
+          <p:cNvPr id="2" name="标题 1"/>
+          <p:cNvSpPr>
+            <a:spLocks noGrp="1"/>
+          </p:cNvSpPr>
+          <p:nvPr>
+            <p:ph type="title"/>
+          </p:nvPr>
+        </p:nvSpPr>
+        <p:spPr/>
+        <p:txBody>
+          <a:bodyPr/>
+          <a:lstStyle/>
+          <a:p>
+            <a:r>
               <a:rPr lang="en-US" altLang="zh-CN" dirty="0"/>
               <a:t>C/S</a:t>
             </a:r>
@@ -34809,7 +33240,7 @@
 </p:sld>
 </file>
 
-<file path=ppt/slides/slide45.xml><?xml version="1.0" encoding="utf-8"?>
+<file path=ppt/slides/slide46.xml><?xml version="1.0" encoding="utf-8"?>
 <p:sld xmlns:a="http://schemas.openxmlformats.org/drawingml/2006/main" xmlns:r="http://schemas.openxmlformats.org/officeDocument/2006/relationships" xmlns:p="http://schemas.openxmlformats.org/presentationml/2006/main">
   <p:cSld>
     <p:spTree>
@@ -37455,7 +35886,7 @@
 </p:sld>
 </file>
 
-<file path=ppt/slides/slide46.xml><?xml version="1.0" encoding="utf-8"?>
+<file path=ppt/slides/slide47.xml><?xml version="1.0" encoding="utf-8"?>
 <p:sld xmlns:a="http://schemas.openxmlformats.org/drawingml/2006/main" xmlns:r="http://schemas.openxmlformats.org/officeDocument/2006/relationships" xmlns:p="http://schemas.openxmlformats.org/presentationml/2006/main">
   <p:cSld>
     <p:spTree>
@@ -37568,6 +35999,1856 @@
 </file>
 
 <file path=ppt/slides/slide5.xml><?xml version="1.0" encoding="utf-8"?>
+<p:sld xmlns:a="http://schemas.openxmlformats.org/drawingml/2006/main" xmlns:r="http://schemas.openxmlformats.org/officeDocument/2006/relationships" xmlns:p="http://schemas.openxmlformats.org/presentationml/2006/main">
+  <p:cSld>
+    <p:spTree>
+      <p:nvGrpSpPr>
+        <p:cNvPr id="1" name=""/>
+        <p:cNvGrpSpPr/>
+        <p:nvPr/>
+      </p:nvGrpSpPr>
+      <p:grpSpPr>
+        <a:xfrm>
+          <a:off x="0" y="0"/>
+          <a:ext cx="0" cy="0"/>
+          <a:chOff x="0" y="0"/>
+          <a:chExt cx="0" cy="0"/>
+        </a:xfrm>
+      </p:grpSpPr>
+      <p:sp>
+        <p:nvSpPr>
+          <p:cNvPr id="2" name="标题 1"/>
+          <p:cNvSpPr>
+            <a:spLocks noGrp="1"/>
+          </p:cNvSpPr>
+          <p:nvPr>
+            <p:ph type="title"/>
+          </p:nvPr>
+        </p:nvSpPr>
+        <p:spPr/>
+        <p:txBody>
+          <a:bodyPr/>
+          <a:lstStyle/>
+          <a:p>
+            <a:endParaRPr lang="zh-CN" altLang="en-US"/>
+          </a:p>
+        </p:txBody>
+      </p:sp>
+      <p:grpSp>
+        <p:nvGrpSpPr>
+          <p:cNvPr id="4" name="Group 18"/>
+          <p:cNvGrpSpPr>
+            <a:grpSpLocks/>
+          </p:cNvGrpSpPr>
+          <p:nvPr/>
+        </p:nvGrpSpPr>
+        <p:grpSpPr bwMode="auto">
+          <a:xfrm>
+            <a:off x="2916238" y="4437063"/>
+            <a:ext cx="5976937" cy="1152525"/>
+            <a:chOff x="1837" y="2795"/>
+            <a:chExt cx="3765" cy="726"/>
+          </a:xfrm>
+        </p:grpSpPr>
+        <p:sp>
+          <p:nvSpPr>
+            <p:cNvPr id="5" name="AutoShape 4"/>
+            <p:cNvSpPr>
+              <a:spLocks noChangeArrowheads="1"/>
+            </p:cNvSpPr>
+            <p:nvPr/>
+          </p:nvSpPr>
+          <p:spPr bwMode="auto">
+            <a:xfrm>
+              <a:off x="1837" y="2795"/>
+              <a:ext cx="1633" cy="726"/>
+            </a:xfrm>
+            <a:prstGeom prst="cube">
+              <a:avLst>
+                <a:gd name="adj" fmla="val 25000"/>
+              </a:avLst>
+            </a:prstGeom>
+            <a:solidFill>
+              <a:srgbClr val="CCFFCC"/>
+            </a:solidFill>
+            <a:ln w="9525">
+              <a:solidFill>
+                <a:schemeClr val="tx1"/>
+              </a:solidFill>
+              <a:miter lim="800000"/>
+              <a:headEnd/>
+              <a:tailEnd/>
+            </a:ln>
+            <a:effectLst/>
+            <a:extLst>
+              <a:ext uri="{AF507438-7753-43E0-B8FC-AC1667EBCBE1}">
+                <a14:hiddenEffects xmlns:a14="http://schemas.microsoft.com/office/drawing/2010/main">
+                  <a:effectLst>
+                    <a:outerShdw dist="35921" dir="2700000" algn="ctr" rotWithShape="0">
+                      <a:schemeClr val="bg2"/>
+                    </a:outerShdw>
+                  </a:effectLst>
+                </a14:hiddenEffects>
+              </a:ext>
+            </a:extLst>
+          </p:spPr>
+          <p:txBody>
+            <a:bodyPr wrap="none" anchor="ctr"/>
+            <a:lstStyle/>
+            <a:p>
+              <a:pPr algn="ctr"/>
+              <a:r>
+                <a:rPr lang="zh-CN" altLang="en-US"/>
+                <a:t>文本编辑器</a:t>
+              </a:r>
+            </a:p>
+          </p:txBody>
+        </p:sp>
+        <p:sp>
+          <p:nvSpPr>
+            <p:cNvPr id="6" name="AutoShape 5"/>
+            <p:cNvSpPr>
+              <a:spLocks noChangeArrowheads="1"/>
+            </p:cNvSpPr>
+            <p:nvPr/>
+          </p:nvSpPr>
+          <p:spPr bwMode="auto">
+            <a:xfrm>
+              <a:off x="3969" y="2795"/>
+              <a:ext cx="1633" cy="681"/>
+            </a:xfrm>
+            <a:prstGeom prst="cube">
+              <a:avLst>
+                <a:gd name="adj" fmla="val 25000"/>
+              </a:avLst>
+            </a:prstGeom>
+            <a:solidFill>
+              <a:srgbClr val="99CCFF"/>
+            </a:solidFill>
+            <a:ln w="9525">
+              <a:solidFill>
+                <a:schemeClr val="tx1"/>
+              </a:solidFill>
+              <a:miter lim="800000"/>
+              <a:headEnd/>
+              <a:tailEnd/>
+            </a:ln>
+            <a:effectLst/>
+            <a:extLst>
+              <a:ext uri="{AF507438-7753-43E0-B8FC-AC1667EBCBE1}">
+                <a14:hiddenEffects xmlns:a14="http://schemas.microsoft.com/office/drawing/2010/main">
+                  <a:effectLst>
+                    <a:outerShdw dist="35921" dir="2700000" algn="ctr" rotWithShape="0">
+                      <a:schemeClr val="bg2"/>
+                    </a:outerShdw>
+                  </a:effectLst>
+                </a14:hiddenEffects>
+              </a:ext>
+            </a:extLst>
+          </p:spPr>
+          <p:txBody>
+            <a:bodyPr wrap="none" anchor="ctr"/>
+            <a:lstStyle/>
+            <a:p>
+              <a:pPr algn="ctr"/>
+              <a:r>
+                <a:rPr lang="zh-CN" altLang="en-US"/>
+                <a:t>变量编辑器</a:t>
+              </a:r>
+            </a:p>
+          </p:txBody>
+        </p:sp>
+      </p:grpSp>
+      <p:sp>
+        <p:nvSpPr>
+          <p:cNvPr id="7" name="AutoShape 6"/>
+          <p:cNvSpPr>
+            <a:spLocks noChangeArrowheads="1"/>
+          </p:cNvSpPr>
+          <p:nvPr/>
+        </p:nvSpPr>
+        <p:spPr bwMode="auto">
+          <a:xfrm>
+            <a:off x="971550" y="2060575"/>
+            <a:ext cx="2592388" cy="1081088"/>
+          </a:xfrm>
+          <a:prstGeom prst="cube">
+            <a:avLst>
+              <a:gd name="adj" fmla="val 25000"/>
+            </a:avLst>
+          </a:prstGeom>
+          <a:solidFill>
+            <a:schemeClr val="accent1"/>
+          </a:solidFill>
+          <a:ln w="9525">
+            <a:solidFill>
+              <a:schemeClr val="tx1"/>
+            </a:solidFill>
+            <a:miter lim="800000"/>
+            <a:headEnd/>
+            <a:tailEnd/>
+          </a:ln>
+          <a:effectLst/>
+          <a:extLst>
+            <a:ext uri="{AF507438-7753-43E0-B8FC-AC1667EBCBE1}">
+              <a14:hiddenEffects xmlns:a14="http://schemas.microsoft.com/office/drawing/2010/main">
+                <a:effectLst>
+                  <a:outerShdw dist="35921" dir="2700000" algn="ctr" rotWithShape="0">
+                    <a:schemeClr val="bg2"/>
+                  </a:outerShdw>
+                </a:effectLst>
+              </a14:hiddenEffects>
+            </a:ext>
+          </a:extLst>
+        </p:spPr>
+        <p:txBody>
+          <a:bodyPr wrap="none" anchor="ctr"/>
+          <a:lstStyle/>
+          <a:p>
+            <a:pPr algn="ctr"/>
+            <a:r>
+              <a:rPr lang="zh-CN" altLang="en-US"/>
+              <a:t>调试器</a:t>
+            </a:r>
+          </a:p>
+        </p:txBody>
+      </p:sp>
+      <p:sp>
+        <p:nvSpPr>
+          <p:cNvPr id="8" name="AutoShape 7"/>
+          <p:cNvSpPr>
+            <a:spLocks noChangeArrowheads="1"/>
+          </p:cNvSpPr>
+          <p:nvPr/>
+        </p:nvSpPr>
+        <p:spPr bwMode="auto">
+          <a:xfrm>
+            <a:off x="3635375" y="1989138"/>
+            <a:ext cx="1512888" cy="1223962"/>
+          </a:xfrm>
+          <a:prstGeom prst="rightArrow">
+            <a:avLst>
+              <a:gd name="adj1" fmla="val 50000"/>
+              <a:gd name="adj2" fmla="val 30901"/>
+            </a:avLst>
+          </a:prstGeom>
+          <a:solidFill>
+            <a:schemeClr val="accent1"/>
+          </a:solidFill>
+          <a:ln w="9525">
+            <a:solidFill>
+              <a:schemeClr val="tx1"/>
+            </a:solidFill>
+            <a:miter lim="800000"/>
+            <a:headEnd/>
+            <a:tailEnd/>
+          </a:ln>
+          <a:effectLst/>
+          <a:extLst>
+            <a:ext uri="{AF507438-7753-43E0-B8FC-AC1667EBCBE1}">
+              <a14:hiddenEffects xmlns:a14="http://schemas.microsoft.com/office/drawing/2010/main">
+                <a:effectLst>
+                  <a:outerShdw dist="35921" dir="2700000" algn="ctr" rotWithShape="0">
+                    <a:schemeClr val="bg2"/>
+                  </a:outerShdw>
+                </a:effectLst>
+              </a14:hiddenEffects>
+            </a:ext>
+          </a:extLst>
+        </p:spPr>
+        <p:txBody>
+          <a:bodyPr wrap="none" anchor="ctr"/>
+          <a:lstStyle/>
+          <a:p>
+            <a:pPr algn="ctr"/>
+            <a:r>
+              <a:rPr lang="zh-CN" altLang="en-US"/>
+              <a:t>声明</a:t>
+            </a:r>
+          </a:p>
+        </p:txBody>
+      </p:sp>
+      <p:sp>
+        <p:nvSpPr>
+          <p:cNvPr id="9" name="AutoShape 8"/>
+          <p:cNvSpPr>
+            <a:spLocks noChangeArrowheads="1"/>
+          </p:cNvSpPr>
+          <p:nvPr/>
+        </p:nvSpPr>
+        <p:spPr bwMode="auto">
+          <a:xfrm>
+            <a:off x="5148263" y="2349500"/>
+            <a:ext cx="2232025" cy="935038"/>
+          </a:xfrm>
+          <a:prstGeom prst="cloudCallout">
+            <a:avLst>
+              <a:gd name="adj1" fmla="val -12375"/>
+              <a:gd name="adj2" fmla="val 43718"/>
+            </a:avLst>
+          </a:prstGeom>
+          <a:solidFill>
+            <a:srgbClr val="FFFF99">
+              <a:alpha val="69000"/>
+            </a:srgbClr>
+          </a:solidFill>
+          <a:ln>
+            <a:noFill/>
+          </a:ln>
+          <a:effectLst/>
+          <a:extLst>
+            <a:ext uri="{91240B29-F687-4F45-9708-019B960494DF}">
+              <a14:hiddenLine xmlns:a14="http://schemas.microsoft.com/office/drawing/2010/main" w="9525">
+                <a:solidFill>
+                  <a:schemeClr val="tx1"/>
+                </a:solidFill>
+                <a:round/>
+                <a:headEnd/>
+                <a:tailEnd/>
+              </a14:hiddenLine>
+            </a:ext>
+            <a:ext uri="{AF507438-7753-43E0-B8FC-AC1667EBCBE1}">
+              <a14:hiddenEffects xmlns:a14="http://schemas.microsoft.com/office/drawing/2010/main">
+                <a:effectLst>
+                  <a:outerShdw dist="35921" dir="2700000" algn="ctr" rotWithShape="0">
+                    <a:schemeClr val="bg2"/>
+                  </a:outerShdw>
+                </a:effectLst>
+              </a14:hiddenEffects>
+            </a:ext>
+          </a:extLst>
+        </p:spPr>
+        <p:txBody>
+          <a:bodyPr/>
+          <a:lstStyle/>
+          <a:p>
+            <a:pPr algn="ctr"/>
+            <a:r>
+              <a:rPr lang="zh-CN" altLang="en-US"/>
+              <a:t>断点事件</a:t>
+            </a:r>
+          </a:p>
+        </p:txBody>
+      </p:sp>
+      <p:grpSp>
+        <p:nvGrpSpPr>
+          <p:cNvPr id="10" name="Group 13"/>
+          <p:cNvGrpSpPr>
+            <a:grpSpLocks/>
+          </p:cNvGrpSpPr>
+          <p:nvPr/>
+        </p:nvGrpSpPr>
+        <p:grpSpPr bwMode="auto">
+          <a:xfrm>
+            <a:off x="3851275" y="3284538"/>
+            <a:ext cx="1223963" cy="1152525"/>
+            <a:chOff x="2608" y="1991"/>
+            <a:chExt cx="771" cy="726"/>
+          </a:xfrm>
+        </p:grpSpPr>
+        <p:sp>
+          <p:nvSpPr>
+            <p:cNvPr id="11" name="AutoShape 9"/>
+            <p:cNvSpPr>
+              <a:spLocks noChangeArrowheads="1"/>
+            </p:cNvSpPr>
+            <p:nvPr/>
+          </p:nvSpPr>
+          <p:spPr bwMode="auto">
+            <a:xfrm rot="1800000">
+              <a:off x="2970" y="1991"/>
+              <a:ext cx="409" cy="726"/>
+            </a:xfrm>
+            <a:prstGeom prst="upArrow">
+              <a:avLst>
+                <a:gd name="adj1" fmla="val 50000"/>
+                <a:gd name="adj2" fmla="val 44377"/>
+              </a:avLst>
+            </a:prstGeom>
+            <a:solidFill>
+              <a:srgbClr val="CCFFCC"/>
+            </a:solidFill>
+            <a:ln w="9525">
+              <a:solidFill>
+                <a:schemeClr val="tx1"/>
+              </a:solidFill>
+              <a:miter lim="800000"/>
+              <a:headEnd/>
+              <a:tailEnd/>
+            </a:ln>
+            <a:effectLst/>
+            <a:extLst>
+              <a:ext uri="{AF507438-7753-43E0-B8FC-AC1667EBCBE1}">
+                <a14:hiddenEffects xmlns:a14="http://schemas.microsoft.com/office/drawing/2010/main">
+                  <a:effectLst>
+                    <a:outerShdw dist="35921" dir="2700000" algn="ctr" rotWithShape="0">
+                      <a:schemeClr val="bg2"/>
+                    </a:outerShdw>
+                  </a:effectLst>
+                </a14:hiddenEffects>
+              </a:ext>
+            </a:extLst>
+          </p:spPr>
+          <p:txBody>
+            <a:bodyPr vert="eaVert" wrap="none" anchor="ctr"/>
+            <a:lstStyle/>
+            <a:p>
+              <a:endParaRPr lang="zh-CN" altLang="en-US"/>
+            </a:p>
+          </p:txBody>
+        </p:sp>
+        <p:sp>
+          <p:nvSpPr>
+            <p:cNvPr id="12" name="Rectangle 11"/>
+            <p:cNvSpPr>
+              <a:spLocks noChangeArrowheads="1"/>
+            </p:cNvSpPr>
+            <p:nvPr/>
+          </p:nvSpPr>
+          <p:spPr bwMode="auto">
+            <a:xfrm>
+              <a:off x="2608" y="2115"/>
+              <a:ext cx="453" cy="363"/>
+            </a:xfrm>
+            <a:prstGeom prst="rect">
+              <a:avLst/>
+            </a:prstGeom>
+            <a:noFill/>
+            <a:ln>
+              <a:noFill/>
+            </a:ln>
+            <a:effectLst/>
+            <a:extLst>
+              <a:ext uri="{909E8E84-426E-40DD-AFC4-6F175D3DCCD1}">
+                <a14:hiddenFill xmlns:a14="http://schemas.microsoft.com/office/drawing/2010/main">
+                  <a:solidFill>
+                    <a:schemeClr val="accent1"/>
+                  </a:solidFill>
+                </a14:hiddenFill>
+              </a:ext>
+              <a:ext uri="{91240B29-F687-4F45-9708-019B960494DF}">
+                <a14:hiddenLine xmlns:a14="http://schemas.microsoft.com/office/drawing/2010/main" w="9525">
+                  <a:solidFill>
+                    <a:schemeClr val="tx1"/>
+                  </a:solidFill>
+                  <a:miter lim="800000"/>
+                  <a:headEnd/>
+                  <a:tailEnd/>
+                </a14:hiddenLine>
+              </a:ext>
+              <a:ext uri="{AF507438-7753-43E0-B8FC-AC1667EBCBE1}">
+                <a14:hiddenEffects xmlns:a14="http://schemas.microsoft.com/office/drawing/2010/main">
+                  <a:effectLst>
+                    <a:outerShdw dist="35921" dir="2700000" algn="ctr" rotWithShape="0">
+                      <a:schemeClr val="bg2"/>
+                    </a:outerShdw>
+                  </a:effectLst>
+                </a14:hiddenEffects>
+              </a:ext>
+            </a:extLst>
+          </p:spPr>
+          <p:txBody>
+            <a:bodyPr wrap="none" anchor="ctr"/>
+            <a:lstStyle/>
+            <a:p>
+              <a:pPr algn="ctr"/>
+              <a:r>
+                <a:rPr lang="zh-CN" altLang="en-US"/>
+                <a:t>注册</a:t>
+              </a:r>
+            </a:p>
+          </p:txBody>
+        </p:sp>
+      </p:grpSp>
+      <p:grpSp>
+        <p:nvGrpSpPr>
+          <p:cNvPr id="13" name="Group 14"/>
+          <p:cNvGrpSpPr>
+            <a:grpSpLocks/>
+          </p:cNvGrpSpPr>
+          <p:nvPr/>
+        </p:nvGrpSpPr>
+        <p:grpSpPr bwMode="auto">
+          <a:xfrm>
+            <a:off x="7019925" y="3284538"/>
+            <a:ext cx="1296988" cy="1079500"/>
+            <a:chOff x="4150" y="2024"/>
+            <a:chExt cx="817" cy="680"/>
+          </a:xfrm>
+        </p:grpSpPr>
+        <p:sp>
+          <p:nvSpPr>
+            <p:cNvPr id="14" name="AutoShape 10"/>
+            <p:cNvSpPr>
+              <a:spLocks noChangeArrowheads="1"/>
+            </p:cNvSpPr>
+            <p:nvPr/>
+          </p:nvSpPr>
+          <p:spPr bwMode="auto">
+            <a:xfrm rot="19800000">
+              <a:off x="4150" y="2024"/>
+              <a:ext cx="408" cy="680"/>
+            </a:xfrm>
+            <a:prstGeom prst="upArrow">
+              <a:avLst>
+                <a:gd name="adj1" fmla="val 50000"/>
+                <a:gd name="adj2" fmla="val 41667"/>
+              </a:avLst>
+            </a:prstGeom>
+            <a:solidFill>
+              <a:srgbClr val="99CCFF"/>
+            </a:solidFill>
+            <a:ln w="9525">
+              <a:solidFill>
+                <a:schemeClr val="tx1"/>
+              </a:solidFill>
+              <a:miter lim="800000"/>
+              <a:headEnd/>
+              <a:tailEnd/>
+            </a:ln>
+            <a:effectLst/>
+            <a:extLst>
+              <a:ext uri="{AF507438-7753-43E0-B8FC-AC1667EBCBE1}">
+                <a14:hiddenEffects xmlns:a14="http://schemas.microsoft.com/office/drawing/2010/main">
+                  <a:effectLst>
+                    <a:outerShdw dist="35921" dir="2700000" algn="ctr" rotWithShape="0">
+                      <a:schemeClr val="bg2"/>
+                    </a:outerShdw>
+                  </a:effectLst>
+                </a14:hiddenEffects>
+              </a:ext>
+            </a:extLst>
+          </p:spPr>
+          <p:txBody>
+            <a:bodyPr vert="eaVert" wrap="none" anchor="ctr"/>
+            <a:lstStyle/>
+            <a:p>
+              <a:endParaRPr lang="zh-CN" altLang="en-US"/>
+            </a:p>
+          </p:txBody>
+        </p:sp>
+        <p:sp>
+          <p:nvSpPr>
+            <p:cNvPr id="15" name="Rectangle 12"/>
+            <p:cNvSpPr>
+              <a:spLocks noChangeArrowheads="1"/>
+            </p:cNvSpPr>
+            <p:nvPr/>
+          </p:nvSpPr>
+          <p:spPr bwMode="auto">
+            <a:xfrm>
+              <a:off x="4332" y="2160"/>
+              <a:ext cx="635" cy="272"/>
+            </a:xfrm>
+            <a:prstGeom prst="rect">
+              <a:avLst/>
+            </a:prstGeom>
+            <a:noFill/>
+            <a:ln>
+              <a:noFill/>
+            </a:ln>
+            <a:effectLst/>
+            <a:extLst>
+              <a:ext uri="{909E8E84-426E-40DD-AFC4-6F175D3DCCD1}">
+                <a14:hiddenFill xmlns:a14="http://schemas.microsoft.com/office/drawing/2010/main">
+                  <a:solidFill>
+                    <a:schemeClr val="accent1"/>
+                  </a:solidFill>
+                </a14:hiddenFill>
+              </a:ext>
+              <a:ext uri="{91240B29-F687-4F45-9708-019B960494DF}">
+                <a14:hiddenLine xmlns:a14="http://schemas.microsoft.com/office/drawing/2010/main" w="9525">
+                  <a:solidFill>
+                    <a:schemeClr val="tx1"/>
+                  </a:solidFill>
+                  <a:miter lim="800000"/>
+                  <a:headEnd/>
+                  <a:tailEnd/>
+                </a14:hiddenLine>
+              </a:ext>
+              <a:ext uri="{AF507438-7753-43E0-B8FC-AC1667EBCBE1}">
+                <a14:hiddenEffects xmlns:a14="http://schemas.microsoft.com/office/drawing/2010/main">
+                  <a:effectLst>
+                    <a:outerShdw dist="35921" dir="2700000" algn="ctr" rotWithShape="0">
+                      <a:schemeClr val="bg2"/>
+                    </a:outerShdw>
+                  </a:effectLst>
+                </a14:hiddenEffects>
+              </a:ext>
+            </a:extLst>
+          </p:spPr>
+          <p:txBody>
+            <a:bodyPr wrap="none" anchor="ctr"/>
+            <a:lstStyle/>
+            <a:p>
+              <a:pPr algn="ctr"/>
+              <a:r>
+                <a:rPr lang="zh-CN" altLang="en-US"/>
+                <a:t>注册</a:t>
+              </a:r>
+            </a:p>
+          </p:txBody>
+        </p:sp>
+      </p:grpSp>
+      <p:sp>
+        <p:nvSpPr>
+          <p:cNvPr id="16" name="AutoShape 15"/>
+          <p:cNvSpPr>
+            <a:spLocks noChangeArrowheads="1"/>
+          </p:cNvSpPr>
+          <p:nvPr/>
+        </p:nvSpPr>
+        <p:spPr bwMode="auto">
+          <a:xfrm>
+            <a:off x="5724525" y="3429000"/>
+            <a:ext cx="504825" cy="2449513"/>
+          </a:xfrm>
+          <a:prstGeom prst="downArrow">
+            <a:avLst>
+              <a:gd name="adj1" fmla="val 50000"/>
+              <a:gd name="adj2" fmla="val 121305"/>
+            </a:avLst>
+          </a:prstGeom>
+          <a:solidFill>
+            <a:schemeClr val="accent1"/>
+          </a:solidFill>
+          <a:ln w="9525">
+            <a:solidFill>
+              <a:schemeClr val="tx1"/>
+            </a:solidFill>
+            <a:miter lim="800000"/>
+            <a:headEnd/>
+            <a:tailEnd/>
+          </a:ln>
+          <a:effectLst/>
+          <a:extLst>
+            <a:ext uri="{AF507438-7753-43E0-B8FC-AC1667EBCBE1}">
+              <a14:hiddenEffects xmlns:a14="http://schemas.microsoft.com/office/drawing/2010/main">
+                <a:effectLst>
+                  <a:outerShdw dist="35921" dir="2700000" algn="ctr" rotWithShape="0">
+                    <a:schemeClr val="bg2"/>
+                  </a:outerShdw>
+                </a:effectLst>
+              </a14:hiddenEffects>
+            </a:ext>
+          </a:extLst>
+        </p:spPr>
+        <p:txBody>
+          <a:bodyPr vert="eaVert" wrap="none" anchor="ctr"/>
+          <a:lstStyle/>
+          <a:p>
+            <a:endParaRPr lang="zh-CN" altLang="en-US"/>
+          </a:p>
+        </p:txBody>
+      </p:sp>
+      <p:sp>
+        <p:nvSpPr>
+          <p:cNvPr id="17" name="Rectangle 16"/>
+          <p:cNvSpPr>
+            <a:spLocks noChangeArrowheads="1"/>
+          </p:cNvSpPr>
+          <p:nvPr/>
+        </p:nvSpPr>
+        <p:spPr bwMode="auto">
+          <a:xfrm>
+            <a:off x="2916238" y="5949950"/>
+            <a:ext cx="2951162" cy="719138"/>
+          </a:xfrm>
+          <a:prstGeom prst="rect">
+            <a:avLst/>
+          </a:prstGeom>
+          <a:solidFill>
+            <a:srgbClr val="FFCC99"/>
+          </a:solidFill>
+          <a:ln w="9525">
+            <a:solidFill>
+              <a:schemeClr val="tx1"/>
+            </a:solidFill>
+            <a:miter lim="800000"/>
+            <a:headEnd/>
+            <a:tailEnd/>
+          </a:ln>
+          <a:effectLst/>
+          <a:extLst>
+            <a:ext uri="{AF507438-7753-43E0-B8FC-AC1667EBCBE1}">
+              <a14:hiddenEffects xmlns:a14="http://schemas.microsoft.com/office/drawing/2010/main">
+                <a:effectLst>
+                  <a:outerShdw dist="35921" dir="2700000" algn="ctr" rotWithShape="0">
+                    <a:schemeClr val="bg2"/>
+                  </a:outerShdw>
+                </a:effectLst>
+              </a14:hiddenEffects>
+            </a:ext>
+          </a:extLst>
+        </p:spPr>
+        <p:txBody>
+          <a:bodyPr wrap="none" anchor="ctr"/>
+          <a:lstStyle/>
+          <a:p>
+            <a:pPr algn="ctr"/>
+            <a:r>
+              <a:rPr lang="zh-CN" altLang="en-US"/>
+              <a:t>滚动屏幕到断点处</a:t>
+            </a:r>
+          </a:p>
+        </p:txBody>
+      </p:sp>
+      <p:sp>
+        <p:nvSpPr>
+          <p:cNvPr id="18" name="Rectangle 17"/>
+          <p:cNvSpPr>
+            <a:spLocks noChangeArrowheads="1"/>
+          </p:cNvSpPr>
+          <p:nvPr/>
+        </p:nvSpPr>
+        <p:spPr bwMode="auto">
+          <a:xfrm>
+            <a:off x="5940425" y="5949950"/>
+            <a:ext cx="2951163" cy="719138"/>
+          </a:xfrm>
+          <a:prstGeom prst="rect">
+            <a:avLst/>
+          </a:prstGeom>
+          <a:solidFill>
+            <a:srgbClr val="FFCC99"/>
+          </a:solidFill>
+          <a:ln w="9525">
+            <a:solidFill>
+              <a:schemeClr val="tx1"/>
+            </a:solidFill>
+            <a:miter lim="800000"/>
+            <a:headEnd/>
+            <a:tailEnd/>
+          </a:ln>
+          <a:effectLst/>
+          <a:extLst>
+            <a:ext uri="{AF507438-7753-43E0-B8FC-AC1667EBCBE1}">
+              <a14:hiddenEffects xmlns:a14="http://schemas.microsoft.com/office/drawing/2010/main">
+                <a:effectLst>
+                  <a:outerShdw dist="35921" dir="2700000" algn="ctr" rotWithShape="0">
+                    <a:schemeClr val="bg2"/>
+                  </a:outerShdw>
+                </a:effectLst>
+              </a14:hiddenEffects>
+            </a:ext>
+          </a:extLst>
+        </p:spPr>
+        <p:txBody>
+          <a:bodyPr wrap="none" anchor="ctr"/>
+          <a:lstStyle/>
+          <a:p>
+            <a:pPr algn="ctr"/>
+            <a:r>
+              <a:rPr lang="zh-CN" altLang="en-US"/>
+              <a:t>刷新变量的当前值</a:t>
+            </a:r>
+          </a:p>
+        </p:txBody>
+      </p:sp>
+      <p:sp>
+        <p:nvSpPr>
+          <p:cNvPr id="19" name="AutoShape 19"/>
+          <p:cNvSpPr>
+            <a:spLocks noChangeArrowheads="1"/>
+          </p:cNvSpPr>
+          <p:nvPr/>
+        </p:nvSpPr>
+        <p:spPr bwMode="auto">
+          <a:xfrm>
+            <a:off x="5940425" y="404813"/>
+            <a:ext cx="2519363" cy="1079500"/>
+          </a:xfrm>
+          <a:prstGeom prst="cube">
+            <a:avLst>
+              <a:gd name="adj" fmla="val 25000"/>
+            </a:avLst>
+          </a:prstGeom>
+          <a:solidFill>
+            <a:srgbClr val="FF99CC"/>
+          </a:solidFill>
+          <a:ln w="9525">
+            <a:solidFill>
+              <a:schemeClr val="tx1"/>
+            </a:solidFill>
+            <a:miter lim="800000"/>
+            <a:headEnd/>
+            <a:tailEnd/>
+          </a:ln>
+          <a:effectLst/>
+          <a:extLst>
+            <a:ext uri="{AF507438-7753-43E0-B8FC-AC1667EBCBE1}">
+              <a14:hiddenEffects xmlns:a14="http://schemas.microsoft.com/office/drawing/2010/main">
+                <a:effectLst>
+                  <a:outerShdw dist="35921" dir="2700000" algn="ctr" rotWithShape="0">
+                    <a:schemeClr val="bg2"/>
+                  </a:outerShdw>
+                </a:effectLst>
+              </a14:hiddenEffects>
+            </a:ext>
+          </a:extLst>
+        </p:spPr>
+        <p:txBody>
+          <a:bodyPr wrap="none" anchor="ctr"/>
+          <a:lstStyle/>
+          <a:p>
+            <a:pPr algn="ctr"/>
+            <a:r>
+              <a:rPr lang="zh-CN" altLang="en-US"/>
+              <a:t>编译器</a:t>
+            </a:r>
+          </a:p>
+        </p:txBody>
+      </p:sp>
+      <p:grpSp>
+        <p:nvGrpSpPr>
+          <p:cNvPr id="20" name="Group 22"/>
+          <p:cNvGrpSpPr>
+            <a:grpSpLocks/>
+          </p:cNvGrpSpPr>
+          <p:nvPr/>
+        </p:nvGrpSpPr>
+        <p:grpSpPr bwMode="auto">
+          <a:xfrm>
+            <a:off x="6480175" y="1422400"/>
+            <a:ext cx="1620838" cy="936625"/>
+            <a:chOff x="4082" y="896"/>
+            <a:chExt cx="1021" cy="590"/>
+          </a:xfrm>
+        </p:grpSpPr>
+        <p:sp>
+          <p:nvSpPr>
+            <p:cNvPr id="21" name="AutoShape 20"/>
+            <p:cNvSpPr>
+              <a:spLocks noChangeArrowheads="1"/>
+            </p:cNvSpPr>
+            <p:nvPr/>
+          </p:nvSpPr>
+          <p:spPr bwMode="auto">
+            <a:xfrm rot="1800000">
+              <a:off x="4082" y="896"/>
+              <a:ext cx="318" cy="590"/>
+            </a:xfrm>
+            <a:prstGeom prst="downArrow">
+              <a:avLst>
+                <a:gd name="adj1" fmla="val 50000"/>
+                <a:gd name="adj2" fmla="val 46384"/>
+              </a:avLst>
+            </a:prstGeom>
+            <a:solidFill>
+              <a:srgbClr val="FF99CC"/>
+            </a:solidFill>
+            <a:ln w="9525">
+              <a:solidFill>
+                <a:schemeClr val="tx1"/>
+              </a:solidFill>
+              <a:miter lim="800000"/>
+              <a:headEnd/>
+              <a:tailEnd/>
+            </a:ln>
+            <a:effectLst/>
+            <a:extLst>
+              <a:ext uri="{AF507438-7753-43E0-B8FC-AC1667EBCBE1}">
+                <a14:hiddenEffects xmlns:a14="http://schemas.microsoft.com/office/drawing/2010/main">
+                  <a:effectLst>
+                    <a:outerShdw dist="35921" dir="2700000" algn="ctr" rotWithShape="0">
+                      <a:schemeClr val="bg2"/>
+                    </a:outerShdw>
+                  </a:effectLst>
+                </a14:hiddenEffects>
+              </a:ext>
+            </a:extLst>
+          </p:spPr>
+          <p:txBody>
+            <a:bodyPr vert="eaVert" wrap="none" anchor="ctr"/>
+            <a:lstStyle/>
+            <a:p>
+              <a:endParaRPr lang="zh-CN" altLang="en-US"/>
+            </a:p>
+          </p:txBody>
+        </p:sp>
+        <p:sp>
+          <p:nvSpPr>
+            <p:cNvPr id="22" name="Rectangle 21"/>
+            <p:cNvSpPr>
+              <a:spLocks noChangeArrowheads="1"/>
+            </p:cNvSpPr>
+            <p:nvPr/>
+          </p:nvSpPr>
+          <p:spPr bwMode="auto">
+            <a:xfrm>
+              <a:off x="4332" y="1071"/>
+              <a:ext cx="771" cy="273"/>
+            </a:xfrm>
+            <a:prstGeom prst="rect">
+              <a:avLst/>
+            </a:prstGeom>
+            <a:noFill/>
+            <a:ln>
+              <a:noFill/>
+            </a:ln>
+            <a:effectLst/>
+            <a:extLst>
+              <a:ext uri="{909E8E84-426E-40DD-AFC4-6F175D3DCCD1}">
+                <a14:hiddenFill xmlns:a14="http://schemas.microsoft.com/office/drawing/2010/main">
+                  <a:solidFill>
+                    <a:schemeClr val="accent1"/>
+                  </a:solidFill>
+                </a14:hiddenFill>
+              </a:ext>
+              <a:ext uri="{91240B29-F687-4F45-9708-019B960494DF}">
+                <a14:hiddenLine xmlns:a14="http://schemas.microsoft.com/office/drawing/2010/main" w="9525">
+                  <a:solidFill>
+                    <a:schemeClr val="tx1"/>
+                  </a:solidFill>
+                  <a:miter lim="800000"/>
+                  <a:headEnd/>
+                  <a:tailEnd/>
+                </a14:hiddenLine>
+              </a:ext>
+              <a:ext uri="{AF507438-7753-43E0-B8FC-AC1667EBCBE1}">
+                <a14:hiddenEffects xmlns:a14="http://schemas.microsoft.com/office/drawing/2010/main">
+                  <a:effectLst>
+                    <a:outerShdw dist="35921" dir="2700000" algn="ctr" rotWithShape="0">
+                      <a:schemeClr val="bg2"/>
+                    </a:outerShdw>
+                  </a:effectLst>
+                </a14:hiddenEffects>
+              </a:ext>
+            </a:extLst>
+          </p:spPr>
+          <p:txBody>
+            <a:bodyPr wrap="none" anchor="ctr"/>
+            <a:lstStyle/>
+            <a:p>
+              <a:pPr algn="ctr"/>
+              <a:r>
+                <a:rPr lang="zh-CN" altLang="en-US"/>
+                <a:t>注册</a:t>
+              </a:r>
+            </a:p>
+          </p:txBody>
+        </p:sp>
+      </p:grpSp>
+      <p:sp>
+        <p:nvSpPr>
+          <p:cNvPr id="23" name="AutoShape 23"/>
+          <p:cNvSpPr>
+            <a:spLocks noChangeArrowheads="1"/>
+          </p:cNvSpPr>
+          <p:nvPr/>
+        </p:nvSpPr>
+        <p:spPr bwMode="auto">
+          <a:xfrm>
+            <a:off x="4716463" y="692150"/>
+            <a:ext cx="1008062" cy="433388"/>
+          </a:xfrm>
+          <a:prstGeom prst="leftArrow">
+            <a:avLst>
+              <a:gd name="adj1" fmla="val 50000"/>
+              <a:gd name="adj2" fmla="val 58150"/>
+            </a:avLst>
+          </a:prstGeom>
+          <a:solidFill>
+            <a:schemeClr val="accent1"/>
+          </a:solidFill>
+          <a:ln w="9525">
+            <a:solidFill>
+              <a:schemeClr val="tx1"/>
+            </a:solidFill>
+            <a:miter lim="800000"/>
+            <a:headEnd/>
+            <a:tailEnd/>
+          </a:ln>
+          <a:effectLst/>
+          <a:extLst>
+            <a:ext uri="{AF507438-7753-43E0-B8FC-AC1667EBCBE1}">
+              <a14:hiddenEffects xmlns:a14="http://schemas.microsoft.com/office/drawing/2010/main">
+                <a:effectLst>
+                  <a:outerShdw dist="35921" dir="2700000" algn="ctr" rotWithShape="0">
+                    <a:schemeClr val="bg2"/>
+                  </a:outerShdw>
+                </a:effectLst>
+              </a14:hiddenEffects>
+            </a:ext>
+          </a:extLst>
+        </p:spPr>
+        <p:txBody>
+          <a:bodyPr wrap="none" anchor="ctr"/>
+          <a:lstStyle/>
+          <a:p>
+            <a:endParaRPr lang="zh-CN" altLang="en-US"/>
+          </a:p>
+        </p:txBody>
+      </p:sp>
+      <p:sp>
+        <p:nvSpPr>
+          <p:cNvPr id="24" name="Rectangle 24"/>
+          <p:cNvSpPr>
+            <a:spLocks noChangeArrowheads="1"/>
+          </p:cNvSpPr>
+          <p:nvPr/>
+        </p:nvSpPr>
+        <p:spPr bwMode="auto">
+          <a:xfrm>
+            <a:off x="2916238" y="549275"/>
+            <a:ext cx="1727200" cy="719138"/>
+          </a:xfrm>
+          <a:prstGeom prst="rect">
+            <a:avLst/>
+          </a:prstGeom>
+          <a:solidFill>
+            <a:srgbClr val="FFCC99"/>
+          </a:solidFill>
+          <a:ln w="9525">
+            <a:solidFill>
+              <a:schemeClr val="tx1"/>
+            </a:solidFill>
+            <a:miter lim="800000"/>
+            <a:headEnd/>
+            <a:tailEnd/>
+          </a:ln>
+          <a:effectLst/>
+          <a:extLst>
+            <a:ext uri="{AF507438-7753-43E0-B8FC-AC1667EBCBE1}">
+              <a14:hiddenEffects xmlns:a14="http://schemas.microsoft.com/office/drawing/2010/main">
+                <a:effectLst>
+                  <a:outerShdw dist="35921" dir="2700000" algn="ctr" rotWithShape="0">
+                    <a:schemeClr val="bg2"/>
+                  </a:outerShdw>
+                </a:effectLst>
+              </a14:hiddenEffects>
+            </a:ext>
+          </a:extLst>
+        </p:spPr>
+        <p:txBody>
+          <a:bodyPr wrap="none" anchor="ctr"/>
+          <a:lstStyle/>
+          <a:p>
+            <a:pPr algn="ctr"/>
+            <a:r>
+              <a:rPr lang="zh-CN" altLang="en-US"/>
+              <a:t>编译</a:t>
+            </a:r>
+          </a:p>
+        </p:txBody>
+      </p:sp>
+      <p:grpSp>
+        <p:nvGrpSpPr>
+          <p:cNvPr id="25" name="Group 27"/>
+          <p:cNvGrpSpPr>
+            <a:grpSpLocks/>
+          </p:cNvGrpSpPr>
+          <p:nvPr/>
+        </p:nvGrpSpPr>
+        <p:grpSpPr bwMode="auto">
+          <a:xfrm>
+            <a:off x="7164388" y="2349500"/>
+            <a:ext cx="1584325" cy="503238"/>
+            <a:chOff x="4513" y="1480"/>
+            <a:chExt cx="998" cy="317"/>
+          </a:xfrm>
+        </p:grpSpPr>
+        <p:sp>
+          <p:nvSpPr>
+            <p:cNvPr id="26" name="AutoShape 25"/>
+            <p:cNvSpPr>
+              <a:spLocks noChangeArrowheads="1"/>
+            </p:cNvSpPr>
+            <p:nvPr/>
+          </p:nvSpPr>
+          <p:spPr bwMode="auto">
+            <a:xfrm rot="3600000">
+              <a:off x="4649" y="1344"/>
+              <a:ext cx="272" cy="544"/>
+            </a:xfrm>
+            <a:prstGeom prst="downArrow">
+              <a:avLst>
+                <a:gd name="adj1" fmla="val 50000"/>
+                <a:gd name="adj2" fmla="val 50000"/>
+              </a:avLst>
+            </a:prstGeom>
+            <a:solidFill>
+              <a:schemeClr val="accent1"/>
+            </a:solidFill>
+            <a:ln w="9525">
+              <a:solidFill>
+                <a:schemeClr val="tx1"/>
+              </a:solidFill>
+              <a:miter lim="800000"/>
+              <a:headEnd/>
+              <a:tailEnd/>
+            </a:ln>
+            <a:effectLst/>
+            <a:extLst>
+              <a:ext uri="{AF507438-7753-43E0-B8FC-AC1667EBCBE1}">
+                <a14:hiddenEffects xmlns:a14="http://schemas.microsoft.com/office/drawing/2010/main">
+                  <a:effectLst>
+                    <a:outerShdw dist="35921" dir="2700000" algn="ctr" rotWithShape="0">
+                      <a:schemeClr val="bg2"/>
+                    </a:outerShdw>
+                  </a:effectLst>
+                </a14:hiddenEffects>
+              </a:ext>
+            </a:extLst>
+          </p:spPr>
+          <p:txBody>
+            <a:bodyPr vert="eaVert" wrap="none" anchor="ctr"/>
+            <a:lstStyle/>
+            <a:p>
+              <a:endParaRPr lang="zh-CN" altLang="en-US"/>
+            </a:p>
+          </p:txBody>
+        </p:sp>
+        <p:sp>
+          <p:nvSpPr>
+            <p:cNvPr id="27" name="Rectangle 26"/>
+            <p:cNvSpPr>
+              <a:spLocks noChangeArrowheads="1"/>
+            </p:cNvSpPr>
+            <p:nvPr/>
+          </p:nvSpPr>
+          <p:spPr bwMode="auto">
+            <a:xfrm>
+              <a:off x="4830" y="1525"/>
+              <a:ext cx="681" cy="272"/>
+            </a:xfrm>
+            <a:prstGeom prst="rect">
+              <a:avLst/>
+            </a:prstGeom>
+            <a:noFill/>
+            <a:ln>
+              <a:noFill/>
+            </a:ln>
+            <a:effectLst/>
+            <a:extLst>
+              <a:ext uri="{909E8E84-426E-40DD-AFC4-6F175D3DCCD1}">
+                <a14:hiddenFill xmlns:a14="http://schemas.microsoft.com/office/drawing/2010/main">
+                  <a:solidFill>
+                    <a:schemeClr val="accent1"/>
+                  </a:solidFill>
+                </a14:hiddenFill>
+              </a:ext>
+              <a:ext uri="{91240B29-F687-4F45-9708-019B960494DF}">
+                <a14:hiddenLine xmlns:a14="http://schemas.microsoft.com/office/drawing/2010/main" w="9525">
+                  <a:solidFill>
+                    <a:schemeClr val="tx1"/>
+                  </a:solidFill>
+                  <a:miter lim="800000"/>
+                  <a:headEnd/>
+                  <a:tailEnd/>
+                </a14:hiddenLine>
+              </a:ext>
+              <a:ext uri="{AF507438-7753-43E0-B8FC-AC1667EBCBE1}">
+                <a14:hiddenEffects xmlns:a14="http://schemas.microsoft.com/office/drawing/2010/main">
+                  <a:effectLst>
+                    <a:outerShdw dist="35921" dir="2700000" algn="ctr" rotWithShape="0">
+                      <a:schemeClr val="bg2"/>
+                    </a:outerShdw>
+                  </a:effectLst>
+                </a14:hiddenEffects>
+              </a:ext>
+            </a:extLst>
+          </p:spPr>
+          <p:txBody>
+            <a:bodyPr wrap="none" anchor="ctr"/>
+            <a:lstStyle/>
+            <a:p>
+              <a:pPr algn="ctr"/>
+              <a:r>
+                <a:rPr lang="zh-CN" altLang="en-US"/>
+                <a:t>触发</a:t>
+              </a:r>
+            </a:p>
+          </p:txBody>
+        </p:sp>
+      </p:grpSp>
+    </p:spTree>
+    <p:extLst>
+      <p:ext uri="{BB962C8B-B14F-4D97-AF65-F5344CB8AC3E}">
+        <p14:creationId xmlns:p14="http://schemas.microsoft.com/office/powerpoint/2010/main" val="2018920763"/>
+      </p:ext>
+    </p:extLst>
+  </p:cSld>
+  <p:clrMapOvr>
+    <a:masterClrMapping/>
+  </p:clrMapOvr>
+  <p:timing>
+    <p:tnLst>
+      <p:par>
+        <p:cTn id="1" dur="indefinite" restart="never" nodeType="tmRoot">
+          <p:childTnLst>
+            <p:seq concurrent="1" nextAc="seek">
+              <p:cTn id="2" dur="indefinite" nodeType="mainSeq">
+                <p:childTnLst>
+                  <p:par>
+                    <p:cTn id="3" fill="hold">
+                      <p:stCondLst>
+                        <p:cond delay="indefinite"/>
+                      </p:stCondLst>
+                      <p:childTnLst>
+                        <p:par>
+                          <p:cTn id="4" fill="hold">
+                            <p:stCondLst>
+                              <p:cond delay="0"/>
+                            </p:stCondLst>
+                            <p:childTnLst>
+                              <p:par>
+                                <p:cTn id="5" presetID="22" presetClass="entr" presetSubtype="8" fill="hold" grpId="0" nodeType="clickEffect">
+                                  <p:stCondLst>
+                                    <p:cond delay="0"/>
+                                  </p:stCondLst>
+                                  <p:childTnLst>
+                                    <p:set>
+                                      <p:cBhvr>
+                                        <p:cTn id="6" dur="1" fill="hold">
+                                          <p:stCondLst>
+                                            <p:cond delay="0"/>
+                                          </p:stCondLst>
+                                        </p:cTn>
+                                        <p:tgtEl>
+                                          <p:spTgt spid="8"/>
+                                        </p:tgtEl>
+                                        <p:attrNameLst>
+                                          <p:attrName>style.visibility</p:attrName>
+                                        </p:attrNameLst>
+                                      </p:cBhvr>
+                                      <p:to>
+                                        <p:strVal val="visible"/>
+                                      </p:to>
+                                    </p:set>
+                                    <p:animEffect transition="in" filter="wipe(left)">
+                                      <p:cBhvr>
+                                        <p:cTn id="7" dur="500"/>
+                                        <p:tgtEl>
+                                          <p:spTgt spid="8"/>
+                                        </p:tgtEl>
+                                      </p:cBhvr>
+                                    </p:animEffect>
+                                  </p:childTnLst>
+                                </p:cTn>
+                              </p:par>
+                            </p:childTnLst>
+                          </p:cTn>
+                        </p:par>
+                      </p:childTnLst>
+                    </p:cTn>
+                  </p:par>
+                  <p:par>
+                    <p:cTn id="8" fill="hold">
+                      <p:stCondLst>
+                        <p:cond delay="indefinite"/>
+                      </p:stCondLst>
+                      <p:childTnLst>
+                        <p:par>
+                          <p:cTn id="9" fill="hold">
+                            <p:stCondLst>
+                              <p:cond delay="0"/>
+                            </p:stCondLst>
+                            <p:childTnLst>
+                              <p:par>
+                                <p:cTn id="10" presetID="1" presetClass="entr" presetSubtype="0" fill="hold" grpId="0" nodeType="clickEffect">
+                                  <p:stCondLst>
+                                    <p:cond delay="0"/>
+                                  </p:stCondLst>
+                                  <p:childTnLst>
+                                    <p:set>
+                                      <p:cBhvr>
+                                        <p:cTn id="11" dur="1" fill="hold">
+                                          <p:stCondLst>
+                                            <p:cond delay="0"/>
+                                          </p:stCondLst>
+                                        </p:cTn>
+                                        <p:tgtEl>
+                                          <p:spTgt spid="9"/>
+                                        </p:tgtEl>
+                                        <p:attrNameLst>
+                                          <p:attrName>style.visibility</p:attrName>
+                                        </p:attrNameLst>
+                                      </p:cBhvr>
+                                      <p:to>
+                                        <p:strVal val="visible"/>
+                                      </p:to>
+                                    </p:set>
+                                  </p:childTnLst>
+                                </p:cTn>
+                              </p:par>
+                            </p:childTnLst>
+                          </p:cTn>
+                        </p:par>
+                      </p:childTnLst>
+                    </p:cTn>
+                  </p:par>
+                  <p:par>
+                    <p:cTn id="12" fill="hold">
+                      <p:stCondLst>
+                        <p:cond delay="indefinite"/>
+                      </p:stCondLst>
+                      <p:childTnLst>
+                        <p:par>
+                          <p:cTn id="13" fill="hold">
+                            <p:stCondLst>
+                              <p:cond delay="0"/>
+                            </p:stCondLst>
+                            <p:childTnLst>
+                              <p:par>
+                                <p:cTn id="14" presetID="1" presetClass="entr" presetSubtype="0" fill="hold" nodeType="clickEffect">
+                                  <p:stCondLst>
+                                    <p:cond delay="0"/>
+                                  </p:stCondLst>
+                                  <p:childTnLst>
+                                    <p:set>
+                                      <p:cBhvr>
+                                        <p:cTn id="15" dur="1" fill="hold">
+                                          <p:stCondLst>
+                                            <p:cond delay="0"/>
+                                          </p:stCondLst>
+                                        </p:cTn>
+                                        <p:tgtEl>
+                                          <p:spTgt spid="4"/>
+                                        </p:tgtEl>
+                                        <p:attrNameLst>
+                                          <p:attrName>style.visibility</p:attrName>
+                                        </p:attrNameLst>
+                                      </p:cBhvr>
+                                      <p:to>
+                                        <p:strVal val="visible"/>
+                                      </p:to>
+                                    </p:set>
+                                  </p:childTnLst>
+                                </p:cTn>
+                              </p:par>
+                            </p:childTnLst>
+                          </p:cTn>
+                        </p:par>
+                      </p:childTnLst>
+                    </p:cTn>
+                  </p:par>
+                  <p:par>
+                    <p:cTn id="16" fill="hold">
+                      <p:stCondLst>
+                        <p:cond delay="indefinite"/>
+                      </p:stCondLst>
+                      <p:childTnLst>
+                        <p:par>
+                          <p:cTn id="17" fill="hold">
+                            <p:stCondLst>
+                              <p:cond delay="0"/>
+                            </p:stCondLst>
+                            <p:childTnLst>
+                              <p:par>
+                                <p:cTn id="18" presetID="1" presetClass="entr" presetSubtype="0" fill="hold" grpId="0" nodeType="clickEffect">
+                                  <p:stCondLst>
+                                    <p:cond delay="0"/>
+                                  </p:stCondLst>
+                                  <p:childTnLst>
+                                    <p:set>
+                                      <p:cBhvr>
+                                        <p:cTn id="19" dur="1" fill="hold">
+                                          <p:stCondLst>
+                                            <p:cond delay="0"/>
+                                          </p:stCondLst>
+                                        </p:cTn>
+                                        <p:tgtEl>
+                                          <p:spTgt spid="19"/>
+                                        </p:tgtEl>
+                                        <p:attrNameLst>
+                                          <p:attrName>style.visibility</p:attrName>
+                                        </p:attrNameLst>
+                                      </p:cBhvr>
+                                      <p:to>
+                                        <p:strVal val="visible"/>
+                                      </p:to>
+                                    </p:set>
+                                  </p:childTnLst>
+                                </p:cTn>
+                              </p:par>
+                            </p:childTnLst>
+                          </p:cTn>
+                        </p:par>
+                      </p:childTnLst>
+                    </p:cTn>
+                  </p:par>
+                  <p:par>
+                    <p:cTn id="20" fill="hold">
+                      <p:stCondLst>
+                        <p:cond delay="indefinite"/>
+                      </p:stCondLst>
+                      <p:childTnLst>
+                        <p:par>
+                          <p:cTn id="21" fill="hold">
+                            <p:stCondLst>
+                              <p:cond delay="0"/>
+                            </p:stCondLst>
+                            <p:childTnLst>
+                              <p:par>
+                                <p:cTn id="22" presetID="22" presetClass="entr" presetSubtype="4" fill="hold" nodeType="clickEffect">
+                                  <p:stCondLst>
+                                    <p:cond delay="0"/>
+                                  </p:stCondLst>
+                                  <p:childTnLst>
+                                    <p:set>
+                                      <p:cBhvr>
+                                        <p:cTn id="23" dur="1" fill="hold">
+                                          <p:stCondLst>
+                                            <p:cond delay="0"/>
+                                          </p:stCondLst>
+                                        </p:cTn>
+                                        <p:tgtEl>
+                                          <p:spTgt spid="10"/>
+                                        </p:tgtEl>
+                                        <p:attrNameLst>
+                                          <p:attrName>style.visibility</p:attrName>
+                                        </p:attrNameLst>
+                                      </p:cBhvr>
+                                      <p:to>
+                                        <p:strVal val="visible"/>
+                                      </p:to>
+                                    </p:set>
+                                    <p:animEffect transition="in" filter="wipe(down)">
+                                      <p:cBhvr>
+                                        <p:cTn id="24" dur="500"/>
+                                        <p:tgtEl>
+                                          <p:spTgt spid="10"/>
+                                        </p:tgtEl>
+                                      </p:cBhvr>
+                                    </p:animEffect>
+                                  </p:childTnLst>
+                                </p:cTn>
+                              </p:par>
+                            </p:childTnLst>
+                          </p:cTn>
+                        </p:par>
+                      </p:childTnLst>
+                    </p:cTn>
+                  </p:par>
+                  <p:par>
+                    <p:cTn id="25" fill="hold">
+                      <p:stCondLst>
+                        <p:cond delay="indefinite"/>
+                      </p:stCondLst>
+                      <p:childTnLst>
+                        <p:par>
+                          <p:cTn id="26" fill="hold">
+                            <p:stCondLst>
+                              <p:cond delay="0"/>
+                            </p:stCondLst>
+                            <p:childTnLst>
+                              <p:par>
+                                <p:cTn id="27" presetID="22" presetClass="entr" presetSubtype="4" fill="hold" nodeType="clickEffect">
+                                  <p:stCondLst>
+                                    <p:cond delay="0"/>
+                                  </p:stCondLst>
+                                  <p:childTnLst>
+                                    <p:set>
+                                      <p:cBhvr>
+                                        <p:cTn id="28" dur="1" fill="hold">
+                                          <p:stCondLst>
+                                            <p:cond delay="0"/>
+                                          </p:stCondLst>
+                                        </p:cTn>
+                                        <p:tgtEl>
+                                          <p:spTgt spid="13"/>
+                                        </p:tgtEl>
+                                        <p:attrNameLst>
+                                          <p:attrName>style.visibility</p:attrName>
+                                        </p:attrNameLst>
+                                      </p:cBhvr>
+                                      <p:to>
+                                        <p:strVal val="visible"/>
+                                      </p:to>
+                                    </p:set>
+                                    <p:animEffect transition="in" filter="wipe(down)">
+                                      <p:cBhvr>
+                                        <p:cTn id="29" dur="500"/>
+                                        <p:tgtEl>
+                                          <p:spTgt spid="13"/>
+                                        </p:tgtEl>
+                                      </p:cBhvr>
+                                    </p:animEffect>
+                                  </p:childTnLst>
+                                </p:cTn>
+                              </p:par>
+                            </p:childTnLst>
+                          </p:cTn>
+                        </p:par>
+                      </p:childTnLst>
+                    </p:cTn>
+                  </p:par>
+                  <p:par>
+                    <p:cTn id="30" fill="hold">
+                      <p:stCondLst>
+                        <p:cond delay="indefinite"/>
+                      </p:stCondLst>
+                      <p:childTnLst>
+                        <p:par>
+                          <p:cTn id="31" fill="hold">
+                            <p:stCondLst>
+                              <p:cond delay="0"/>
+                            </p:stCondLst>
+                            <p:childTnLst>
+                              <p:par>
+                                <p:cTn id="32" presetID="22" presetClass="entr" presetSubtype="1" fill="hold" nodeType="clickEffect">
+                                  <p:stCondLst>
+                                    <p:cond delay="0"/>
+                                  </p:stCondLst>
+                                  <p:childTnLst>
+                                    <p:set>
+                                      <p:cBhvr>
+                                        <p:cTn id="33" dur="1" fill="hold">
+                                          <p:stCondLst>
+                                            <p:cond delay="0"/>
+                                          </p:stCondLst>
+                                        </p:cTn>
+                                        <p:tgtEl>
+                                          <p:spTgt spid="20"/>
+                                        </p:tgtEl>
+                                        <p:attrNameLst>
+                                          <p:attrName>style.visibility</p:attrName>
+                                        </p:attrNameLst>
+                                      </p:cBhvr>
+                                      <p:to>
+                                        <p:strVal val="visible"/>
+                                      </p:to>
+                                    </p:set>
+                                    <p:animEffect transition="in" filter="wipe(up)">
+                                      <p:cBhvr>
+                                        <p:cTn id="34" dur="500"/>
+                                        <p:tgtEl>
+                                          <p:spTgt spid="20"/>
+                                        </p:tgtEl>
+                                      </p:cBhvr>
+                                    </p:animEffect>
+                                  </p:childTnLst>
+                                </p:cTn>
+                              </p:par>
+                            </p:childTnLst>
+                          </p:cTn>
+                        </p:par>
+                      </p:childTnLst>
+                    </p:cTn>
+                  </p:par>
+                  <p:par>
+                    <p:cTn id="35" fill="hold">
+                      <p:stCondLst>
+                        <p:cond delay="indefinite"/>
+                      </p:stCondLst>
+                      <p:childTnLst>
+                        <p:par>
+                          <p:cTn id="36" fill="hold">
+                            <p:stCondLst>
+                              <p:cond delay="0"/>
+                            </p:stCondLst>
+                            <p:childTnLst>
+                              <p:par>
+                                <p:cTn id="37" presetID="1" presetClass="entr" presetSubtype="0" fill="hold" nodeType="clickEffect">
+                                  <p:stCondLst>
+                                    <p:cond delay="0"/>
+                                  </p:stCondLst>
+                                  <p:childTnLst>
+                                    <p:set>
+                                      <p:cBhvr>
+                                        <p:cTn id="38" dur="1" fill="hold">
+                                          <p:stCondLst>
+                                            <p:cond delay="0"/>
+                                          </p:stCondLst>
+                                        </p:cTn>
+                                        <p:tgtEl>
+                                          <p:spTgt spid="25"/>
+                                        </p:tgtEl>
+                                        <p:attrNameLst>
+                                          <p:attrName>style.visibility</p:attrName>
+                                        </p:attrNameLst>
+                                      </p:cBhvr>
+                                      <p:to>
+                                        <p:strVal val="visible"/>
+                                      </p:to>
+                                    </p:set>
+                                  </p:childTnLst>
+                                </p:cTn>
+                              </p:par>
+                            </p:childTnLst>
+                          </p:cTn>
+                        </p:par>
+                      </p:childTnLst>
+                    </p:cTn>
+                  </p:par>
+                  <p:par>
+                    <p:cTn id="39" fill="hold">
+                      <p:stCondLst>
+                        <p:cond delay="indefinite"/>
+                      </p:stCondLst>
+                      <p:childTnLst>
+                        <p:par>
+                          <p:cTn id="40" fill="hold">
+                            <p:stCondLst>
+                              <p:cond delay="0"/>
+                            </p:stCondLst>
+                            <p:childTnLst>
+                              <p:par>
+                                <p:cTn id="41" presetID="22" presetClass="entr" presetSubtype="1" fill="hold" grpId="0" nodeType="clickEffect">
+                                  <p:stCondLst>
+                                    <p:cond delay="0"/>
+                                  </p:stCondLst>
+                                  <p:childTnLst>
+                                    <p:set>
+                                      <p:cBhvr>
+                                        <p:cTn id="42" dur="1" fill="hold">
+                                          <p:stCondLst>
+                                            <p:cond delay="0"/>
+                                          </p:stCondLst>
+                                        </p:cTn>
+                                        <p:tgtEl>
+                                          <p:spTgt spid="16"/>
+                                        </p:tgtEl>
+                                        <p:attrNameLst>
+                                          <p:attrName>style.visibility</p:attrName>
+                                        </p:attrNameLst>
+                                      </p:cBhvr>
+                                      <p:to>
+                                        <p:strVal val="visible"/>
+                                      </p:to>
+                                    </p:set>
+                                    <p:animEffect transition="in" filter="wipe(up)">
+                                      <p:cBhvr>
+                                        <p:cTn id="43" dur="500"/>
+                                        <p:tgtEl>
+                                          <p:spTgt spid="16"/>
+                                        </p:tgtEl>
+                                      </p:cBhvr>
+                                    </p:animEffect>
+                                  </p:childTnLst>
+                                </p:cTn>
+                              </p:par>
+                            </p:childTnLst>
+                          </p:cTn>
+                        </p:par>
+                      </p:childTnLst>
+                    </p:cTn>
+                  </p:par>
+                  <p:par>
+                    <p:cTn id="44" fill="hold">
+                      <p:stCondLst>
+                        <p:cond delay="indefinite"/>
+                      </p:stCondLst>
+                      <p:childTnLst>
+                        <p:par>
+                          <p:cTn id="45" fill="hold">
+                            <p:stCondLst>
+                              <p:cond delay="0"/>
+                            </p:stCondLst>
+                            <p:childTnLst>
+                              <p:par>
+                                <p:cTn id="46" presetID="1" presetClass="entr" presetSubtype="0" fill="hold" grpId="0" nodeType="clickEffect">
+                                  <p:stCondLst>
+                                    <p:cond delay="0"/>
+                                  </p:stCondLst>
+                                  <p:childTnLst>
+                                    <p:set>
+                                      <p:cBhvr>
+                                        <p:cTn id="47" dur="1" fill="hold">
+                                          <p:stCondLst>
+                                            <p:cond delay="0"/>
+                                          </p:stCondLst>
+                                        </p:cTn>
+                                        <p:tgtEl>
+                                          <p:spTgt spid="17"/>
+                                        </p:tgtEl>
+                                        <p:attrNameLst>
+                                          <p:attrName>style.visibility</p:attrName>
+                                        </p:attrNameLst>
+                                      </p:cBhvr>
+                                      <p:to>
+                                        <p:strVal val="visible"/>
+                                      </p:to>
+                                    </p:set>
+                                  </p:childTnLst>
+                                </p:cTn>
+                              </p:par>
+                            </p:childTnLst>
+                          </p:cTn>
+                        </p:par>
+                      </p:childTnLst>
+                    </p:cTn>
+                  </p:par>
+                  <p:par>
+                    <p:cTn id="48" fill="hold">
+                      <p:stCondLst>
+                        <p:cond delay="indefinite"/>
+                      </p:stCondLst>
+                      <p:childTnLst>
+                        <p:par>
+                          <p:cTn id="49" fill="hold">
+                            <p:stCondLst>
+                              <p:cond delay="0"/>
+                            </p:stCondLst>
+                            <p:childTnLst>
+                              <p:par>
+                                <p:cTn id="50" presetID="1" presetClass="entr" presetSubtype="0" fill="hold" grpId="0" nodeType="clickEffect">
+                                  <p:stCondLst>
+                                    <p:cond delay="0"/>
+                                  </p:stCondLst>
+                                  <p:childTnLst>
+                                    <p:set>
+                                      <p:cBhvr>
+                                        <p:cTn id="51" dur="1" fill="hold">
+                                          <p:stCondLst>
+                                            <p:cond delay="0"/>
+                                          </p:stCondLst>
+                                        </p:cTn>
+                                        <p:tgtEl>
+                                          <p:spTgt spid="18"/>
+                                        </p:tgtEl>
+                                        <p:attrNameLst>
+                                          <p:attrName>style.visibility</p:attrName>
+                                        </p:attrNameLst>
+                                      </p:cBhvr>
+                                      <p:to>
+                                        <p:strVal val="visible"/>
+                                      </p:to>
+                                    </p:set>
+                                  </p:childTnLst>
+                                </p:cTn>
+                              </p:par>
+                            </p:childTnLst>
+                          </p:cTn>
+                        </p:par>
+                      </p:childTnLst>
+                    </p:cTn>
+                  </p:par>
+                  <p:par>
+                    <p:cTn id="52" fill="hold">
+                      <p:stCondLst>
+                        <p:cond delay="indefinite"/>
+                      </p:stCondLst>
+                      <p:childTnLst>
+                        <p:par>
+                          <p:cTn id="53" fill="hold">
+                            <p:stCondLst>
+                              <p:cond delay="0"/>
+                            </p:stCondLst>
+                            <p:childTnLst>
+                              <p:par>
+                                <p:cTn id="54" presetID="22" presetClass="entr" presetSubtype="2" fill="hold" grpId="0" nodeType="clickEffect">
+                                  <p:stCondLst>
+                                    <p:cond delay="0"/>
+                                  </p:stCondLst>
+                                  <p:childTnLst>
+                                    <p:set>
+                                      <p:cBhvr>
+                                        <p:cTn id="55" dur="1" fill="hold">
+                                          <p:stCondLst>
+                                            <p:cond delay="0"/>
+                                          </p:stCondLst>
+                                        </p:cTn>
+                                        <p:tgtEl>
+                                          <p:spTgt spid="23"/>
+                                        </p:tgtEl>
+                                        <p:attrNameLst>
+                                          <p:attrName>style.visibility</p:attrName>
+                                        </p:attrNameLst>
+                                      </p:cBhvr>
+                                      <p:to>
+                                        <p:strVal val="visible"/>
+                                      </p:to>
+                                    </p:set>
+                                    <p:animEffect transition="in" filter="wipe(right)">
+                                      <p:cBhvr>
+                                        <p:cTn id="56" dur="500"/>
+                                        <p:tgtEl>
+                                          <p:spTgt spid="23"/>
+                                        </p:tgtEl>
+                                      </p:cBhvr>
+                                    </p:animEffect>
+                                  </p:childTnLst>
+                                </p:cTn>
+                              </p:par>
+                            </p:childTnLst>
+                          </p:cTn>
+                        </p:par>
+                      </p:childTnLst>
+                    </p:cTn>
+                  </p:par>
+                  <p:par>
+                    <p:cTn id="57" fill="hold">
+                      <p:stCondLst>
+                        <p:cond delay="indefinite"/>
+                      </p:stCondLst>
+                      <p:childTnLst>
+                        <p:par>
+                          <p:cTn id="58" fill="hold">
+                            <p:stCondLst>
+                              <p:cond delay="0"/>
+                            </p:stCondLst>
+                            <p:childTnLst>
+                              <p:par>
+                                <p:cTn id="59" presetID="1" presetClass="entr" presetSubtype="0" fill="hold" grpId="0" nodeType="clickEffect">
+                                  <p:stCondLst>
+                                    <p:cond delay="0"/>
+                                  </p:stCondLst>
+                                  <p:childTnLst>
+                                    <p:set>
+                                      <p:cBhvr>
+                                        <p:cTn id="60" dur="1" fill="hold">
+                                          <p:stCondLst>
+                                            <p:cond delay="0"/>
+                                          </p:stCondLst>
+                                        </p:cTn>
+                                        <p:tgtEl>
+                                          <p:spTgt spid="24"/>
+                                        </p:tgtEl>
+                                        <p:attrNameLst>
+                                          <p:attrName>style.visibility</p:attrName>
+                                        </p:attrNameLst>
+                                      </p:cBhvr>
+                                      <p:to>
+                                        <p:strVal val="visible"/>
+                                      </p:to>
+                                    </p:set>
+                                  </p:childTnLst>
+                                </p:cTn>
+                              </p:par>
+                            </p:childTnLst>
+                          </p:cTn>
+                        </p:par>
+                      </p:childTnLst>
+                    </p:cTn>
+                  </p:par>
+                </p:childTnLst>
+              </p:cTn>
+              <p:prevCondLst>
+                <p:cond evt="onPrev" delay="0">
+                  <p:tgtEl>
+                    <p:sldTgt/>
+                  </p:tgtEl>
+                </p:cond>
+              </p:prevCondLst>
+              <p:nextCondLst>
+                <p:cond evt="onNext" delay="0">
+                  <p:tgtEl>
+                    <p:sldTgt/>
+                  </p:tgtEl>
+                </p:cond>
+              </p:nextCondLst>
+            </p:seq>
+          </p:childTnLst>
+        </p:cTn>
+      </p:par>
+    </p:tnLst>
+    <p:bldLst>
+      <p:bldP spid="8" grpId="0" animBg="1"/>
+      <p:bldP spid="9" grpId="0" animBg="1"/>
+      <p:bldP spid="16" grpId="0" animBg="1"/>
+      <p:bldP spid="17" grpId="0" animBg="1"/>
+      <p:bldP spid="18" grpId="0" animBg="1"/>
+      <p:bldP spid="19" grpId="0" animBg="1"/>
+      <p:bldP spid="23" grpId="0" animBg="1"/>
+      <p:bldP spid="24" grpId="0" animBg="1"/>
+    </p:bldLst>
+  </p:timing>
+</p:sld>
+</file>
+
+<file path=ppt/slides/slide6.xml><?xml version="1.0" encoding="utf-8"?>
 <p:sld xmlns:a="http://schemas.openxmlformats.org/drawingml/2006/main" xmlns:r="http://schemas.openxmlformats.org/officeDocument/2006/relationships" xmlns:p="http://schemas.openxmlformats.org/presentationml/2006/main">
   <p:cSld>
     <p:spTree>
@@ -37808,7 +38089,7 @@
 </p:sld>
 </file>
 
-<file path=ppt/slides/slide6.xml><?xml version="1.0" encoding="utf-8"?>
+<file path=ppt/slides/slide7.xml><?xml version="1.0" encoding="utf-8"?>
 <p:sld xmlns:a="http://schemas.openxmlformats.org/drawingml/2006/main" xmlns:r="http://schemas.openxmlformats.org/officeDocument/2006/relationships" xmlns:p="http://schemas.openxmlformats.org/presentationml/2006/main">
   <p:cSld>
     <p:spTree>
@@ -38429,95 +38710,6 @@
 </p:sld>
 </file>
 
-<file path=ppt/slides/slide7.xml><?xml version="1.0" encoding="utf-8"?>
-<p:sld xmlns:a="http://schemas.openxmlformats.org/drawingml/2006/main" xmlns:r="http://schemas.openxmlformats.org/officeDocument/2006/relationships" xmlns:p="http://schemas.openxmlformats.org/presentationml/2006/main">
-  <p:cSld>
-    <p:spTree>
-      <p:nvGrpSpPr>
-        <p:cNvPr id="1" name=""/>
-        <p:cNvGrpSpPr/>
-        <p:nvPr/>
-      </p:nvGrpSpPr>
-      <p:grpSpPr>
-        <a:xfrm>
-          <a:off x="0" y="0"/>
-          <a:ext cx="0" cy="0"/>
-          <a:chOff x="0" y="0"/>
-          <a:chExt cx="0" cy="0"/>
-        </a:xfrm>
-      </p:grpSpPr>
-      <p:sp>
-        <p:nvSpPr>
-          <p:cNvPr id="2" name="标题 1"/>
-          <p:cNvSpPr>
-            <a:spLocks noGrp="1"/>
-          </p:cNvSpPr>
-          <p:nvPr>
-            <p:ph type="title"/>
-          </p:nvPr>
-        </p:nvSpPr>
-        <p:spPr/>
-        <p:txBody>
-          <a:bodyPr/>
-          <a:lstStyle/>
-          <a:p>
-            <a:endParaRPr lang="zh-CN" altLang="en-US"/>
-          </a:p>
-        </p:txBody>
-      </p:sp>
-      <p:sp>
-        <p:nvSpPr>
-          <p:cNvPr id="4" name="Rectangle 3"/>
-          <p:cNvSpPr>
-            <a:spLocks noGrp="1" noChangeArrowheads="1"/>
-          </p:cNvSpPr>
-          <p:nvPr>
-            <p:ph sz="quarter" idx="1"/>
-          </p:nvPr>
-        </p:nvSpPr>
-        <p:spPr/>
-        <p:txBody>
-          <a:bodyPr/>
-          <a:lstStyle/>
-          <a:p>
-            <a:r>
-              <a:rPr lang="zh-CN" altLang="en-US" dirty="0"/>
-              <a:t>组件：它们的接口不仅提供一个过程的集合，也提供一个事件的集合。</a:t>
-            </a:r>
-          </a:p>
-          <a:p>
-            <a:r>
-              <a:rPr lang="zh-CN" altLang="en-US" dirty="0"/>
-              <a:t>连接器：这些过程既可以用一般的方式调用，也可以被注册为与某些事件相关。</a:t>
-            </a:r>
-          </a:p>
-          <a:p>
-            <a:r>
-              <a:rPr lang="zh-CN" altLang="en-US" dirty="0"/>
-              <a:t>组件可以声明或广播一个或多个事件，或者向系统注册，来表明它希望响应一个或多个事件。</a:t>
-            </a:r>
-          </a:p>
-          <a:p>
-            <a:r>
-              <a:rPr lang="zh-CN" altLang="en-US" dirty="0"/>
-              <a:t>连接器的两种类型：对事件的显式或隐式调用。</a:t>
-            </a:r>
-          </a:p>
-        </p:txBody>
-      </p:sp>
-    </p:spTree>
-    <p:extLst>
-      <p:ext uri="{BB962C8B-B14F-4D97-AF65-F5344CB8AC3E}">
-        <p14:creationId xmlns:p14="http://schemas.microsoft.com/office/powerpoint/2010/main" val="1380762251"/>
-      </p:ext>
-    </p:extLst>
-  </p:cSld>
-  <p:clrMapOvr>
-    <a:masterClrMapping/>
-  </p:clrMapOvr>
-</p:sld>
-</file>
-
 <file path=ppt/slides/slide8.xml><?xml version="1.0" encoding="utf-8"?>
 <p:sld xmlns:a="http://schemas.openxmlformats.org/drawingml/2006/main" xmlns:r="http://schemas.openxmlformats.org/officeDocument/2006/relationships" xmlns:p="http://schemas.openxmlformats.org/presentationml/2006/main">
   <p:cSld>
@@ -38550,19 +38742,15 @@
           <a:bodyPr/>
           <a:lstStyle/>
           <a:p>
-            <a:r>
-              <a:rPr lang="zh-CN" altLang="en-US" dirty="0" smtClean="0"/>
-              <a:t>属性</a:t>
-            </a:r>
-            <a:endParaRPr lang="zh-CN" altLang="en-US" dirty="0"/>
+            <a:endParaRPr lang="zh-CN" altLang="en-US"/>
           </a:p>
         </p:txBody>
       </p:sp>
       <p:sp>
         <p:nvSpPr>
-          <p:cNvPr id="3" name="内容占位符 2"/>
+          <p:cNvPr id="4" name="Rectangle 3"/>
           <p:cNvSpPr>
-            <a:spLocks noGrp="1"/>
+            <a:spLocks noGrp="1" noChangeArrowheads="1"/>
           </p:cNvSpPr>
           <p:nvPr>
             <p:ph sz="quarter" idx="1"/>
@@ -38574,45 +38762,34 @@
           <a:lstStyle/>
           <a:p>
             <a:r>
-              <a:rPr lang="en-US" altLang="zh-CN" b="1" dirty="0">
-                <a:solidFill>
-                  <a:srgbClr val="FF0066"/>
-                </a:solidFill>
-              </a:rPr>
-              <a:t>Invariant</a:t>
-            </a:r>
-            <a:r>
-              <a:rPr lang="en-US" altLang="zh-CN" b="1" dirty="0"/>
-              <a:t> :</a:t>
-            </a:r>
-            <a:r>
-              <a:rPr lang="en-US" altLang="zh-CN" sz="3200" dirty="0"/>
-              <a:t>announcers of events do not know which components will be affected by those events.</a:t>
-            </a:r>
-          </a:p>
-          <a:p>
-            <a:r>
-              <a:rPr lang="en-US" altLang="zh-CN" sz="3200" dirty="0"/>
-              <a:t>Orders of invocation is non-</a:t>
-            </a:r>
-            <a:r>
-              <a:rPr lang="en-US" altLang="zh-CN" sz="3200" b="1" dirty="0">
-                <a:solidFill>
-                  <a:srgbClr val="008000"/>
-                </a:solidFill>
-              </a:rPr>
-              <a:t>deterministic</a:t>
-            </a:r>
-          </a:p>
-          <a:p>
-            <a:endParaRPr lang="zh-CN" altLang="en-US" dirty="0"/>
+              <a:rPr lang="zh-CN" altLang="en-US" dirty="0"/>
+              <a:t>组件：它们的接口不仅提供一个过程的集合，也提供一个事件的集合。</a:t>
+            </a:r>
+          </a:p>
+          <a:p>
+            <a:r>
+              <a:rPr lang="zh-CN" altLang="en-US" dirty="0"/>
+              <a:t>连接器：这些过程既可以用一般的方式调用，也可以被注册为与某些事件相关。</a:t>
+            </a:r>
+          </a:p>
+          <a:p>
+            <a:r>
+              <a:rPr lang="zh-CN" altLang="en-US" dirty="0"/>
+              <a:t>组件可以声明或广播一个或多个事件，或者向系统注册，来表明它希望响应一个或多个事件。</a:t>
+            </a:r>
+          </a:p>
+          <a:p>
+            <a:r>
+              <a:rPr lang="zh-CN" altLang="en-US" dirty="0"/>
+              <a:t>连接器的两种类型：对事件的显式或隐式调用。</a:t>
+            </a:r>
           </a:p>
         </p:txBody>
       </p:sp>
     </p:spTree>
     <p:extLst>
       <p:ext uri="{BB962C8B-B14F-4D97-AF65-F5344CB8AC3E}">
-        <p14:creationId xmlns:p14="http://schemas.microsoft.com/office/powerpoint/2010/main" val="2518147196"/>
+        <p14:creationId xmlns:p14="http://schemas.microsoft.com/office/powerpoint/2010/main" val="1380762251"/>
       </p:ext>
     </p:extLst>
   </p:cSld>
@@ -38656,7 +38833,7 @@
           <a:p>
             <a:r>
               <a:rPr lang="zh-CN" altLang="en-US" dirty="0" smtClean="0"/>
-              <a:t>优点</a:t>
+              <a:t>属性</a:t>
             </a:r>
             <a:endParaRPr lang="zh-CN" altLang="en-US" dirty="0"/>
           </a:p>
@@ -38678,17 +38855,34 @@
           <a:lstStyle/>
           <a:p>
             <a:r>
-              <a:rPr lang="en-US" altLang="zh-CN" dirty="0"/>
-              <a:t>Strong support for reuse.</a:t>
-            </a:r>
-          </a:p>
-          <a:p>
-            <a:endParaRPr lang="en-US" altLang="zh-CN" dirty="0"/>
-          </a:p>
-          <a:p>
-            <a:r>
-              <a:rPr lang="en-US" altLang="zh-CN" dirty="0"/>
-              <a:t>Implicit invocation eases system evolution.</a:t>
+              <a:rPr lang="en-US" altLang="zh-CN" b="1" dirty="0">
+                <a:solidFill>
+                  <a:srgbClr val="FF0066"/>
+                </a:solidFill>
+              </a:rPr>
+              <a:t>Invariant</a:t>
+            </a:r>
+            <a:r>
+              <a:rPr lang="en-US" altLang="zh-CN" b="1" dirty="0"/>
+              <a:t> :</a:t>
+            </a:r>
+            <a:r>
+              <a:rPr lang="en-US" altLang="zh-CN" sz="3200" dirty="0"/>
+              <a:t>announcers of events do not know which components will be affected by those events.</a:t>
+            </a:r>
+          </a:p>
+          <a:p>
+            <a:r>
+              <a:rPr lang="en-US" altLang="zh-CN" sz="3200" dirty="0"/>
+              <a:t>Orders of invocation is non-</a:t>
+            </a:r>
+            <a:r>
+              <a:rPr lang="en-US" altLang="zh-CN" sz="3200" b="1" dirty="0">
+                <a:solidFill>
+                  <a:srgbClr val="008000"/>
+                </a:solidFill>
+              </a:rPr>
+              <a:t>deterministic</a:t>
             </a:r>
           </a:p>
           <a:p>
@@ -38699,7 +38893,7 @@
     </p:spTree>
     <p:extLst>
       <p:ext uri="{BB962C8B-B14F-4D97-AF65-F5344CB8AC3E}">
-        <p14:creationId xmlns:p14="http://schemas.microsoft.com/office/powerpoint/2010/main" val="3367995163"/>
+        <p14:creationId xmlns:p14="http://schemas.microsoft.com/office/powerpoint/2010/main" val="2518147196"/>
       </p:ext>
     </p:extLst>
   </p:cSld>
